--- a/EULYNX(Eu.Doc.10)-도메인지식.pptx
+++ b/EULYNX(Eu.Doc.10)-도메인지식.pptx
@@ -13,6 +13,8 @@
     <p:sldId id="260" r:id="rId7"/>
     <p:sldId id="261" r:id="rId8"/>
     <p:sldId id="262" r:id="rId9"/>
+    <p:sldId id="264" r:id="rId10"/>
+    <p:sldId id="265" r:id="rId11"/>
   </p:sldIdLst>
   <p:sldSz cx="12192000" cy="6858000"/>
   <p:notesSz cx="6858000" cy="9144000"/>
@@ -266,7 +268,7 @@
           <a:p>
             <a:fld id="{87C72D41-A28B-458A-9F92-6880A7AD1A87}" type="datetimeFigureOut">
               <a:rPr lang="ko-KR" altLang="en-US" smtClean="0"/>
-              <a:t>2025-03-26</a:t>
+              <a:t>2025-03-28</a:t>
             </a:fld>
             <a:endParaRPr lang="ko-KR" altLang="en-US"/>
           </a:p>
@@ -464,7 +466,7 @@
           <a:p>
             <a:fld id="{87C72D41-A28B-458A-9F92-6880A7AD1A87}" type="datetimeFigureOut">
               <a:rPr lang="ko-KR" altLang="en-US" smtClean="0"/>
-              <a:t>2025-03-26</a:t>
+              <a:t>2025-03-28</a:t>
             </a:fld>
             <a:endParaRPr lang="ko-KR" altLang="en-US"/>
           </a:p>
@@ -672,7 +674,7 @@
           <a:p>
             <a:fld id="{87C72D41-A28B-458A-9F92-6880A7AD1A87}" type="datetimeFigureOut">
               <a:rPr lang="ko-KR" altLang="en-US" smtClean="0"/>
-              <a:t>2025-03-26</a:t>
+              <a:t>2025-03-28</a:t>
             </a:fld>
             <a:endParaRPr lang="ko-KR" altLang="en-US"/>
           </a:p>
@@ -870,7 +872,7 @@
           <a:p>
             <a:fld id="{87C72D41-A28B-458A-9F92-6880A7AD1A87}" type="datetimeFigureOut">
               <a:rPr lang="ko-KR" altLang="en-US" smtClean="0"/>
-              <a:t>2025-03-26</a:t>
+              <a:t>2025-03-28</a:t>
             </a:fld>
             <a:endParaRPr lang="ko-KR" altLang="en-US"/>
           </a:p>
@@ -1145,7 +1147,7 @@
           <a:p>
             <a:fld id="{87C72D41-A28B-458A-9F92-6880A7AD1A87}" type="datetimeFigureOut">
               <a:rPr lang="ko-KR" altLang="en-US" smtClean="0"/>
-              <a:t>2025-03-26</a:t>
+              <a:t>2025-03-28</a:t>
             </a:fld>
             <a:endParaRPr lang="ko-KR" altLang="en-US"/>
           </a:p>
@@ -1410,7 +1412,7 @@
           <a:p>
             <a:fld id="{87C72D41-A28B-458A-9F92-6880A7AD1A87}" type="datetimeFigureOut">
               <a:rPr lang="ko-KR" altLang="en-US" smtClean="0"/>
-              <a:t>2025-03-26</a:t>
+              <a:t>2025-03-28</a:t>
             </a:fld>
             <a:endParaRPr lang="ko-KR" altLang="en-US"/>
           </a:p>
@@ -1822,7 +1824,7 @@
           <a:p>
             <a:fld id="{87C72D41-A28B-458A-9F92-6880A7AD1A87}" type="datetimeFigureOut">
               <a:rPr lang="ko-KR" altLang="en-US" smtClean="0"/>
-              <a:t>2025-03-26</a:t>
+              <a:t>2025-03-28</a:t>
             </a:fld>
             <a:endParaRPr lang="ko-KR" altLang="en-US"/>
           </a:p>
@@ -1963,7 +1965,7 @@
           <a:p>
             <a:fld id="{87C72D41-A28B-458A-9F92-6880A7AD1A87}" type="datetimeFigureOut">
               <a:rPr lang="ko-KR" altLang="en-US" smtClean="0"/>
-              <a:t>2025-03-26</a:t>
+              <a:t>2025-03-28</a:t>
             </a:fld>
             <a:endParaRPr lang="ko-KR" altLang="en-US"/>
           </a:p>
@@ -2076,7 +2078,7 @@
           <a:p>
             <a:fld id="{87C72D41-A28B-458A-9F92-6880A7AD1A87}" type="datetimeFigureOut">
               <a:rPr lang="ko-KR" altLang="en-US" smtClean="0"/>
-              <a:t>2025-03-26</a:t>
+              <a:t>2025-03-28</a:t>
             </a:fld>
             <a:endParaRPr lang="ko-KR" altLang="en-US"/>
           </a:p>
@@ -2387,7 +2389,7 @@
           <a:p>
             <a:fld id="{87C72D41-A28B-458A-9F92-6880A7AD1A87}" type="datetimeFigureOut">
               <a:rPr lang="ko-KR" altLang="en-US" smtClean="0"/>
-              <a:t>2025-03-26</a:t>
+              <a:t>2025-03-28</a:t>
             </a:fld>
             <a:endParaRPr lang="ko-KR" altLang="en-US"/>
           </a:p>
@@ -2675,7 +2677,7 @@
           <a:p>
             <a:fld id="{87C72D41-A28B-458A-9F92-6880A7AD1A87}" type="datetimeFigureOut">
               <a:rPr lang="ko-KR" altLang="en-US" smtClean="0"/>
-              <a:t>2025-03-26</a:t>
+              <a:t>2025-03-28</a:t>
             </a:fld>
             <a:endParaRPr lang="ko-KR" altLang="en-US"/>
           </a:p>
@@ -2916,7 +2918,7 @@
           <a:p>
             <a:fld id="{87C72D41-A28B-458A-9F92-6880A7AD1A87}" type="datetimeFigureOut">
               <a:rPr lang="ko-KR" altLang="en-US" smtClean="0"/>
-              <a:t>2025-03-26</a:t>
+              <a:t>2025-03-28</a:t>
             </a:fld>
             <a:endParaRPr lang="ko-KR" altLang="en-US"/>
           </a:p>
@@ -3349,7 +3351,12 @@
             <p:ph type="title"/>
           </p:nvPr>
         </p:nvSpPr>
-        <p:spPr/>
+        <p:spPr>
+          <a:xfrm>
+            <a:off x="759542" y="2203757"/>
+            <a:ext cx="10515600" cy="1325563"/>
+          </a:xfrm>
+        </p:spPr>
         <p:txBody>
           <a:bodyPr>
             <a:normAutofit/>
@@ -3369,6 +3376,1289 @@
     <p:extLst>
       <p:ext uri="{BB962C8B-B14F-4D97-AF65-F5344CB8AC3E}">
         <p14:creationId xmlns:p14="http://schemas.microsoft.com/office/powerpoint/2010/main" val="3992058148"/>
+      </p:ext>
+    </p:extLst>
+  </p:cSld>
+  <p:clrMapOvr>
+    <a:masterClrMapping/>
+  </p:clrMapOvr>
+</p:sld>
+</file>
+
+<file path=ppt/slides/slide10.xml><?xml version="1.0" encoding="utf-8"?>
+<p:sld xmlns:a="http://schemas.openxmlformats.org/drawingml/2006/main" xmlns:r="http://schemas.openxmlformats.org/officeDocument/2006/relationships" xmlns:p="http://schemas.openxmlformats.org/presentationml/2006/main">
+  <p:cSld>
+    <p:spTree>
+      <p:nvGrpSpPr>
+        <p:cNvPr id="1" name=""/>
+        <p:cNvGrpSpPr/>
+        <p:nvPr/>
+      </p:nvGrpSpPr>
+      <p:grpSpPr>
+        <a:xfrm>
+          <a:off x="0" y="0"/>
+          <a:ext cx="0" cy="0"/>
+          <a:chOff x="0" y="0"/>
+          <a:chExt cx="0" cy="0"/>
+        </a:xfrm>
+      </p:grpSpPr>
+      <p:sp>
+        <p:nvSpPr>
+          <p:cNvPr id="4" name="TextBox 3">
+            <a:extLst>
+              <a:ext uri="{FF2B5EF4-FFF2-40B4-BE49-F238E27FC236}">
+                <a16:creationId xmlns:a16="http://schemas.microsoft.com/office/drawing/2014/main" id="{AA7086F7-B20E-CB08-083A-C7AAF7760662}"/>
+              </a:ext>
+            </a:extLst>
+          </p:cNvPr>
+          <p:cNvSpPr txBox="1"/>
+          <p:nvPr/>
+        </p:nvSpPr>
+        <p:spPr>
+          <a:xfrm>
+            <a:off x="434837" y="662479"/>
+            <a:ext cx="5488884" cy="1577355"/>
+          </a:xfrm>
+          <a:prstGeom prst="rect">
+            <a:avLst/>
+          </a:prstGeom>
+          <a:noFill/>
+          <a:ln>
+            <a:solidFill>
+              <a:schemeClr val="tx1"/>
+            </a:solidFill>
+          </a:ln>
+        </p:spPr>
+        <p:txBody>
+          <a:bodyPr wrap="square">
+            <a:spAutoFit/>
+          </a:bodyPr>
+          <a:lstStyle>
+            <a:defPPr>
+              <a:defRPr lang="ko-KR"/>
+            </a:defPPr>
+            <a:lvl1pPr>
+              <a:buNone/>
+              <a:defRPr sz="1400" i="0">
+                <a:solidFill>
+                  <a:srgbClr val="404040"/>
+                </a:solidFill>
+                <a:effectLst/>
+                <a:latin typeface="DeepSeek-CJK-patch"/>
+              </a:defRPr>
+            </a:lvl1pPr>
+            <a:lvl2pPr marL="742950" lvl="1" indent="-285750">
+              <a:spcBef>
+                <a:spcPts val="300"/>
+              </a:spcBef>
+              <a:spcAft>
+                <a:spcPts val="300"/>
+              </a:spcAft>
+              <a:buFont typeface="Arial" panose="020B0604020202020204" pitchFamily="34" charset="0"/>
+              <a:buChar char="•"/>
+              <a:defRPr sz="1400" i="0">
+                <a:solidFill>
+                  <a:srgbClr val="404040"/>
+                </a:solidFill>
+                <a:effectLst/>
+                <a:latin typeface="DeepSeek-CJK-patch"/>
+              </a:defRPr>
+            </a:lvl2pPr>
+            <a:lvl3pPr marL="1143000" lvl="2" indent="-228600">
+              <a:spcBef>
+                <a:spcPts val="300"/>
+              </a:spcBef>
+              <a:buFont typeface="Arial" panose="020B0604020202020204" pitchFamily="34" charset="0"/>
+              <a:buChar char="•"/>
+              <a:defRPr sz="1400" i="0">
+                <a:solidFill>
+                  <a:srgbClr val="404040"/>
+                </a:solidFill>
+                <a:effectLst/>
+                <a:latin typeface="DeepSeek-CJK-patch"/>
+              </a:defRPr>
+            </a:lvl3pPr>
+          </a:lstStyle>
+          <a:p>
+            <a:r>
+              <a:rPr lang="ko-KR" altLang="en-US" sz="1200" dirty="0"/>
+              <a:t>🔹 오버랩 해제 </a:t>
+            </a:r>
+            <a:r>
+              <a:rPr lang="en-US" altLang="ko-KR" sz="1200" dirty="0"/>
+              <a:t>(Overlap Release)</a:t>
+            </a:r>
+          </a:p>
+          <a:p>
+            <a:r>
+              <a:rPr lang="ko-KR" altLang="en-US" sz="1200" dirty="0"/>
+              <a:t>선로의 오버랩</a:t>
+            </a:r>
+            <a:r>
+              <a:rPr lang="en-US" altLang="ko-KR" sz="1200" dirty="0"/>
+              <a:t>(Overlap) </a:t>
+            </a:r>
+            <a:r>
+              <a:rPr lang="ko-KR" altLang="en-US" sz="1200" dirty="0"/>
+              <a:t>구간을 해제하는 기능</a:t>
+            </a:r>
+            <a:r>
+              <a:rPr lang="en-US" altLang="ko-KR" sz="1200" dirty="0"/>
+              <a:t>.</a:t>
+            </a:r>
+          </a:p>
+          <a:p>
+            <a:r>
+              <a:rPr lang="ko-KR" altLang="en-US" sz="1200" dirty="0"/>
+              <a:t>일반적으로 연동 시스템</a:t>
+            </a:r>
+            <a:r>
+              <a:rPr lang="en-US" altLang="ko-KR" sz="1200" dirty="0"/>
+              <a:t>(EIL)</a:t>
+            </a:r>
+            <a:r>
+              <a:rPr lang="ko-KR" altLang="en-US" sz="1200" dirty="0"/>
+              <a:t>은 타이머 기반으로 오버랩을 해제함</a:t>
+            </a:r>
+            <a:r>
+              <a:rPr lang="en-US" altLang="ko-KR" sz="1200" dirty="0"/>
+              <a:t>.</a:t>
+            </a:r>
+          </a:p>
+          <a:p>
+            <a:r>
+              <a:rPr lang="en-US" altLang="ko-KR" sz="1200" dirty="0"/>
+              <a:t>ETCS </a:t>
+            </a:r>
+            <a:r>
+              <a:rPr lang="ko-KR" altLang="en-US" sz="1200" dirty="0"/>
+              <a:t>레벨 </a:t>
+            </a:r>
+            <a:r>
+              <a:rPr lang="en-US" altLang="ko-KR" sz="1200" dirty="0"/>
+              <a:t>2 </a:t>
+            </a:r>
+            <a:r>
+              <a:rPr lang="ko-KR" altLang="en-US" sz="1200" dirty="0"/>
+              <a:t>이상에서는</a:t>
+            </a:r>
+            <a:r>
+              <a:rPr lang="en-US" altLang="ko-KR" sz="1200" dirty="0"/>
+              <a:t>, ETCS</a:t>
+            </a:r>
+            <a:r>
+              <a:rPr lang="ko-KR" altLang="en-US" sz="1200" dirty="0"/>
+              <a:t>가 오버랩 해제를 예약한 신호를 인식하고</a:t>
+            </a:r>
+            <a:r>
+              <a:rPr lang="en-US" altLang="ko-KR" sz="1200" dirty="0"/>
+              <a:t>,</a:t>
+            </a:r>
+          </a:p>
+          <a:p>
+            <a:pPr lvl="1"/>
+            <a:r>
+              <a:rPr lang="en-US" altLang="ko-KR" sz="1200" dirty="0"/>
+              <a:t>RBC</a:t>
+            </a:r>
+            <a:r>
+              <a:rPr lang="ko-KR" altLang="en-US" sz="1200" dirty="0"/>
+              <a:t>가 오버랩 해제 허가를 보내고</a:t>
+            </a:r>
+            <a:r>
+              <a:rPr lang="en-US" altLang="ko-KR" sz="1200" dirty="0"/>
+              <a:t>,</a:t>
+            </a:r>
+          </a:p>
+          <a:p>
+            <a:pPr lvl="1"/>
+            <a:r>
+              <a:rPr lang="ko-KR" altLang="en-US" sz="1200" dirty="0"/>
+              <a:t>연동 시스템</a:t>
+            </a:r>
+            <a:r>
+              <a:rPr lang="en-US" altLang="ko-KR" sz="1200" dirty="0"/>
+              <a:t>(EIL)</a:t>
+            </a:r>
+            <a:r>
+              <a:rPr lang="ko-KR" altLang="en-US" sz="1200" dirty="0"/>
+              <a:t>의 내부 조건이 충족될 경우</a:t>
+            </a:r>
+            <a:r>
+              <a:rPr lang="en-US" altLang="ko-KR" sz="1200" dirty="0"/>
+              <a:t>,</a:t>
+            </a:r>
+          </a:p>
+          <a:p>
+            <a:pPr lvl="1"/>
+            <a:r>
+              <a:rPr lang="en-US" altLang="ko-KR" sz="1200" dirty="0"/>
+              <a:t>EIL</a:t>
+            </a:r>
+            <a:r>
+              <a:rPr lang="ko-KR" altLang="en-US" sz="1200" dirty="0"/>
+              <a:t>이 오버랩을 해제할 수 있음</a:t>
+            </a:r>
+            <a:r>
+              <a:rPr lang="en-US" altLang="ko-KR" sz="1200" dirty="0"/>
+              <a:t>.</a:t>
+            </a:r>
+          </a:p>
+        </p:txBody>
+      </p:sp>
+      <p:sp>
+        <p:nvSpPr>
+          <p:cNvPr id="5" name="TextBox 4">
+            <a:extLst>
+              <a:ext uri="{FF2B5EF4-FFF2-40B4-BE49-F238E27FC236}">
+                <a16:creationId xmlns:a16="http://schemas.microsoft.com/office/drawing/2014/main" id="{3A78C864-DDC7-1A11-475B-49809441E2A7}"/>
+              </a:ext>
+            </a:extLst>
+          </p:cNvPr>
+          <p:cNvSpPr txBox="1"/>
+          <p:nvPr/>
+        </p:nvSpPr>
+        <p:spPr>
+          <a:xfrm>
+            <a:off x="434837" y="2509560"/>
+            <a:ext cx="5488884" cy="1015663"/>
+          </a:xfrm>
+          <a:prstGeom prst="rect">
+            <a:avLst/>
+          </a:prstGeom>
+          <a:noFill/>
+          <a:ln>
+            <a:solidFill>
+              <a:schemeClr val="tx1"/>
+            </a:solidFill>
+          </a:ln>
+        </p:spPr>
+        <p:txBody>
+          <a:bodyPr wrap="square">
+            <a:spAutoFit/>
+          </a:bodyPr>
+          <a:lstStyle>
+            <a:defPPr>
+              <a:defRPr lang="ko-KR"/>
+            </a:defPPr>
+            <a:lvl1pPr>
+              <a:buNone/>
+              <a:defRPr sz="1400" i="0">
+                <a:solidFill>
+                  <a:srgbClr val="404040"/>
+                </a:solidFill>
+                <a:effectLst/>
+                <a:latin typeface="DeepSeek-CJK-patch"/>
+              </a:defRPr>
+            </a:lvl1pPr>
+            <a:lvl2pPr marL="742950" lvl="1" indent="-285750">
+              <a:spcBef>
+                <a:spcPts val="300"/>
+              </a:spcBef>
+              <a:spcAft>
+                <a:spcPts val="300"/>
+              </a:spcAft>
+              <a:buFont typeface="Arial" panose="020B0604020202020204" pitchFamily="34" charset="0"/>
+              <a:buChar char="•"/>
+              <a:defRPr sz="1400" i="0">
+                <a:solidFill>
+                  <a:srgbClr val="404040"/>
+                </a:solidFill>
+                <a:effectLst/>
+                <a:latin typeface="DeepSeek-CJK-patch"/>
+              </a:defRPr>
+            </a:lvl2pPr>
+            <a:lvl3pPr marL="1143000" lvl="2" indent="-228600">
+              <a:spcBef>
+                <a:spcPts val="300"/>
+              </a:spcBef>
+              <a:buFont typeface="Arial" panose="020B0604020202020204" pitchFamily="34" charset="0"/>
+              <a:buChar char="•"/>
+              <a:defRPr sz="1400" i="0">
+                <a:solidFill>
+                  <a:srgbClr val="404040"/>
+                </a:solidFill>
+                <a:effectLst/>
+                <a:latin typeface="DeepSeek-CJK-patch"/>
+              </a:defRPr>
+            </a:lvl3pPr>
+          </a:lstStyle>
+          <a:p>
+            <a:r>
+              <a:rPr lang="ko-KR" altLang="en-US" sz="1200" dirty="0"/>
+              <a:t>🔹 경로</a:t>
+            </a:r>
+            <a:r>
+              <a:rPr lang="en-US" altLang="ko-KR" sz="1200" dirty="0"/>
+              <a:t>/</a:t>
+            </a:r>
+            <a:r>
+              <a:rPr lang="ko-KR" altLang="en-US" sz="1200" dirty="0"/>
+              <a:t>부분 경로 요청 </a:t>
+            </a:r>
+            <a:r>
+              <a:rPr lang="en-US" altLang="ko-KR" sz="1200" dirty="0"/>
+              <a:t>(Route/Sub-route Request)</a:t>
+            </a:r>
+          </a:p>
+          <a:p>
+            <a:r>
+              <a:rPr lang="en-US" altLang="ko-KR" sz="1200" dirty="0"/>
+              <a:t>RBC</a:t>
+            </a:r>
+            <a:r>
+              <a:rPr lang="ko-KR" altLang="en-US" sz="1200" dirty="0"/>
+              <a:t>가 연동 시스템</a:t>
+            </a:r>
+            <a:r>
+              <a:rPr lang="en-US" altLang="ko-KR" sz="1200" dirty="0"/>
+              <a:t>(EIL)</a:t>
+            </a:r>
+            <a:r>
+              <a:rPr lang="ko-KR" altLang="en-US" sz="1200" dirty="0"/>
+              <a:t>에 특정 경로</a:t>
+            </a:r>
+            <a:r>
+              <a:rPr lang="en-US" altLang="ko-KR" sz="1200" dirty="0"/>
+              <a:t>(route) </a:t>
+            </a:r>
+            <a:r>
+              <a:rPr lang="ko-KR" altLang="en-US" sz="1200" dirty="0"/>
+              <a:t>또는 부분 경로</a:t>
+            </a:r>
+            <a:r>
+              <a:rPr lang="en-US" altLang="ko-KR" sz="1200" dirty="0"/>
+              <a:t>(sub-route)</a:t>
+            </a:r>
+            <a:r>
+              <a:rPr lang="ko-KR" altLang="en-US" sz="1200" dirty="0"/>
+              <a:t>를 설정하도록 요청하는 기능</a:t>
+            </a:r>
+            <a:r>
+              <a:rPr lang="en-US" altLang="ko-KR" sz="1200" dirty="0"/>
+              <a:t>.</a:t>
+            </a:r>
+          </a:p>
+          <a:p>
+            <a:r>
+              <a:rPr lang="en-US" altLang="ko-KR" sz="1200" dirty="0"/>
+              <a:t>**</a:t>
+            </a:r>
+            <a:r>
+              <a:rPr lang="ko-KR" altLang="en-US" sz="1200" dirty="0"/>
+              <a:t>부분 경로</a:t>
+            </a:r>
+            <a:r>
+              <a:rPr lang="en-US" altLang="ko-KR" sz="1200" dirty="0"/>
+              <a:t>(sub-route)**</a:t>
+            </a:r>
+            <a:r>
+              <a:rPr lang="ko-KR" altLang="en-US" sz="1200" dirty="0"/>
+              <a:t>는 운행 시작</a:t>
+            </a:r>
+            <a:r>
+              <a:rPr lang="en-US" altLang="ko-KR" sz="1200" dirty="0"/>
+              <a:t>(Start of Mission) </a:t>
+            </a:r>
+            <a:r>
+              <a:rPr lang="ko-KR" altLang="en-US" sz="1200" dirty="0"/>
+              <a:t>시 다음 신호기까지 설정될 수 있음</a:t>
+            </a:r>
+            <a:r>
+              <a:rPr lang="en-US" altLang="ko-KR" sz="1200" dirty="0"/>
+              <a:t>.</a:t>
+            </a:r>
+          </a:p>
+        </p:txBody>
+      </p:sp>
+      <p:sp>
+        <p:nvSpPr>
+          <p:cNvPr id="6" name="TextBox 5">
+            <a:extLst>
+              <a:ext uri="{FF2B5EF4-FFF2-40B4-BE49-F238E27FC236}">
+                <a16:creationId xmlns:a16="http://schemas.microsoft.com/office/drawing/2014/main" id="{948114B5-9D7A-148F-BF40-4784A808A9C1}"/>
+              </a:ext>
+            </a:extLst>
+          </p:cNvPr>
+          <p:cNvSpPr txBox="1"/>
+          <p:nvPr/>
+        </p:nvSpPr>
+        <p:spPr>
+          <a:xfrm>
+            <a:off x="434837" y="3816778"/>
+            <a:ext cx="5488884" cy="461665"/>
+          </a:xfrm>
+          <a:prstGeom prst="rect">
+            <a:avLst/>
+          </a:prstGeom>
+          <a:noFill/>
+          <a:ln>
+            <a:solidFill>
+              <a:schemeClr val="tx1"/>
+            </a:solidFill>
+          </a:ln>
+        </p:spPr>
+        <p:txBody>
+          <a:bodyPr wrap="square">
+            <a:spAutoFit/>
+          </a:bodyPr>
+          <a:lstStyle>
+            <a:defPPr>
+              <a:defRPr lang="ko-KR"/>
+            </a:defPPr>
+            <a:lvl1pPr>
+              <a:buNone/>
+              <a:defRPr sz="1400" i="0">
+                <a:solidFill>
+                  <a:srgbClr val="404040"/>
+                </a:solidFill>
+                <a:effectLst/>
+                <a:latin typeface="DeepSeek-CJK-patch"/>
+              </a:defRPr>
+            </a:lvl1pPr>
+            <a:lvl2pPr marL="742950" lvl="1" indent="-285750">
+              <a:spcBef>
+                <a:spcPts val="300"/>
+              </a:spcBef>
+              <a:spcAft>
+                <a:spcPts val="300"/>
+              </a:spcAft>
+              <a:buFont typeface="Arial" panose="020B0604020202020204" pitchFamily="34" charset="0"/>
+              <a:buChar char="•"/>
+              <a:defRPr sz="1400" i="0">
+                <a:solidFill>
+                  <a:srgbClr val="404040"/>
+                </a:solidFill>
+                <a:effectLst/>
+                <a:latin typeface="DeepSeek-CJK-patch"/>
+              </a:defRPr>
+            </a:lvl2pPr>
+            <a:lvl3pPr marL="1143000" lvl="2" indent="-228600">
+              <a:spcBef>
+                <a:spcPts val="300"/>
+              </a:spcBef>
+              <a:buFont typeface="Arial" panose="020B0604020202020204" pitchFamily="34" charset="0"/>
+              <a:buChar char="•"/>
+              <a:defRPr sz="1400" i="0">
+                <a:solidFill>
+                  <a:srgbClr val="404040"/>
+                </a:solidFill>
+                <a:effectLst/>
+                <a:latin typeface="DeepSeek-CJK-patch"/>
+              </a:defRPr>
+            </a:lvl3pPr>
+          </a:lstStyle>
+          <a:p>
+            <a:r>
+              <a:rPr lang="ko-KR" altLang="en-US" sz="1200" dirty="0"/>
+              <a:t>🔹 경로 </a:t>
+            </a:r>
+            <a:r>
+              <a:rPr lang="ko-KR" altLang="en-US" sz="1200"/>
+              <a:t>해제 </a:t>
+            </a:r>
+            <a:r>
+              <a:rPr lang="en-US" altLang="ko-KR" sz="1200" dirty="0"/>
+              <a:t>(Route Release)</a:t>
+            </a:r>
+          </a:p>
+          <a:p>
+            <a:r>
+              <a:rPr lang="en-US" altLang="ko-KR" sz="1200" dirty="0"/>
+              <a:t>RBC</a:t>
+            </a:r>
+            <a:r>
+              <a:rPr lang="ko-KR" altLang="en-US" sz="1200" dirty="0"/>
+              <a:t>에 </a:t>
+            </a:r>
+            <a:r>
+              <a:rPr lang="ko-KR" altLang="en-US" sz="1200"/>
+              <a:t>의해 트리거</a:t>
+            </a:r>
+            <a:r>
+              <a:rPr lang="en-US" altLang="ko-KR" sz="1200" dirty="0"/>
+              <a:t>(trigger)</a:t>
+            </a:r>
+            <a:r>
+              <a:rPr lang="ko-KR" altLang="en-US" sz="1200" dirty="0"/>
+              <a:t>되어 </a:t>
+            </a:r>
+            <a:r>
+              <a:rPr lang="ko-KR" altLang="en-US" sz="1200"/>
+              <a:t>경로가 해제됨</a:t>
+            </a:r>
+            <a:r>
+              <a:rPr lang="en-US" altLang="ko-KR" sz="1200"/>
+              <a:t>.</a:t>
+            </a:r>
+            <a:endParaRPr lang="en-US" altLang="ko-KR" sz="1200" dirty="0"/>
+          </a:p>
+        </p:txBody>
+      </p:sp>
+      <p:sp>
+        <p:nvSpPr>
+          <p:cNvPr id="7" name="TextBox 6">
+            <a:extLst>
+              <a:ext uri="{FF2B5EF4-FFF2-40B4-BE49-F238E27FC236}">
+                <a16:creationId xmlns:a16="http://schemas.microsoft.com/office/drawing/2014/main" id="{9037E1D9-6424-BCD1-1C89-1422D9B62D5D}"/>
+              </a:ext>
+            </a:extLst>
+          </p:cNvPr>
+          <p:cNvSpPr txBox="1"/>
+          <p:nvPr/>
+        </p:nvSpPr>
+        <p:spPr>
+          <a:xfrm>
+            <a:off x="6348620" y="662479"/>
+            <a:ext cx="5488884" cy="1938992"/>
+          </a:xfrm>
+          <a:prstGeom prst="rect">
+            <a:avLst/>
+          </a:prstGeom>
+          <a:noFill/>
+          <a:ln>
+            <a:solidFill>
+              <a:schemeClr val="tx1"/>
+            </a:solidFill>
+          </a:ln>
+        </p:spPr>
+        <p:txBody>
+          <a:bodyPr wrap="square">
+            <a:spAutoFit/>
+          </a:bodyPr>
+          <a:lstStyle/>
+          <a:p>
+            <a:pPr>
+              <a:buNone/>
+            </a:pPr>
+            <a:r>
+              <a:rPr lang="ko-KR" altLang="en-US" sz="1200" dirty="0"/>
+              <a:t>🔹 신호 소등 </a:t>
+            </a:r>
+            <a:r>
+              <a:rPr lang="en-US" altLang="ko-KR" sz="1200" dirty="0"/>
+              <a:t>(Setting Signals to Dark)</a:t>
+            </a:r>
+          </a:p>
+          <a:p>
+            <a:pPr>
+              <a:buFont typeface="Arial" panose="020B0604020202020204" pitchFamily="34" charset="0"/>
+              <a:buChar char="•"/>
+            </a:pPr>
+            <a:r>
+              <a:rPr lang="ko-KR" altLang="en-US" sz="1200" dirty="0"/>
+              <a:t>독일 </a:t>
+            </a:r>
+            <a:r>
+              <a:rPr lang="en-US" altLang="ko-KR" sz="1200" dirty="0"/>
+              <a:t>LZB </a:t>
+            </a:r>
+            <a:r>
+              <a:rPr lang="ko-KR" altLang="en-US" sz="1200" dirty="0"/>
+              <a:t>열차 보호 시스템 및 </a:t>
+            </a:r>
+            <a:r>
+              <a:rPr lang="en-US" altLang="ko-KR" sz="1200" dirty="0"/>
+              <a:t>ETCS </a:t>
+            </a:r>
+            <a:r>
+              <a:rPr lang="ko-KR" altLang="en-US" sz="1200" dirty="0"/>
+              <a:t>레벨 </a:t>
+            </a:r>
+            <a:r>
+              <a:rPr lang="en-US" altLang="ko-KR" sz="1200" dirty="0"/>
+              <a:t>2 </a:t>
+            </a:r>
+            <a:r>
+              <a:rPr lang="ko-KR" altLang="en-US" sz="1200" dirty="0"/>
+              <a:t>이상에서 사용됨</a:t>
+            </a:r>
+            <a:r>
+              <a:rPr lang="en-US" altLang="ko-KR" sz="1200" dirty="0"/>
+              <a:t>.</a:t>
+            </a:r>
+          </a:p>
+          <a:p>
+            <a:pPr>
+              <a:buFont typeface="Arial" panose="020B0604020202020204" pitchFamily="34" charset="0"/>
+              <a:buChar char="•"/>
+            </a:pPr>
+            <a:r>
+              <a:rPr lang="ko-KR" altLang="en-US" sz="1200" dirty="0"/>
+              <a:t>선로는 여러 블록</a:t>
+            </a:r>
+            <a:r>
+              <a:rPr lang="en-US" altLang="ko-KR" sz="1200" dirty="0"/>
+              <a:t>(block)</a:t>
+            </a:r>
+            <a:r>
+              <a:rPr lang="ko-KR" altLang="en-US" sz="1200" dirty="0"/>
+              <a:t>으로 구분됨</a:t>
+            </a:r>
+            <a:r>
+              <a:rPr lang="en-US" altLang="ko-KR" sz="1200" dirty="0"/>
+              <a:t>.</a:t>
+            </a:r>
+          </a:p>
+          <a:p>
+            <a:pPr marL="742950" lvl="1" indent="-285750">
+              <a:buFont typeface="Arial" panose="020B0604020202020204" pitchFamily="34" charset="0"/>
+              <a:buChar char="•"/>
+            </a:pPr>
+            <a:r>
+              <a:rPr lang="ko-KR" altLang="en-US" sz="1200" dirty="0"/>
+              <a:t>첫 번째 블록에 열차가 없으면 입구 신호는 녹색</a:t>
+            </a:r>
+            <a:r>
+              <a:rPr lang="en-US" altLang="ko-KR" sz="1200" dirty="0"/>
+              <a:t>(Green)</a:t>
+            </a:r>
+            <a:endParaRPr lang="ko-KR" altLang="en-US" sz="1200" dirty="0"/>
+          </a:p>
+          <a:p>
+            <a:pPr marL="742950" lvl="1" indent="-285750">
+              <a:buFont typeface="Arial" panose="020B0604020202020204" pitchFamily="34" charset="0"/>
+              <a:buChar char="•"/>
+            </a:pPr>
+            <a:r>
+              <a:rPr lang="ko-KR" altLang="en-US" sz="1200" dirty="0"/>
+              <a:t>첫 번째 블록이 점유되면 입구 신호는 적색</a:t>
+            </a:r>
+            <a:r>
+              <a:rPr lang="en-US" altLang="ko-KR" sz="1200" dirty="0"/>
+              <a:t>(Red)</a:t>
+            </a:r>
+            <a:endParaRPr lang="ko-KR" altLang="en-US" sz="1200" dirty="0"/>
+          </a:p>
+          <a:p>
+            <a:pPr marL="742950" lvl="1" indent="-285750">
+              <a:buFont typeface="Arial" panose="020B0604020202020204" pitchFamily="34" charset="0"/>
+              <a:buChar char="•"/>
+            </a:pPr>
+            <a:r>
+              <a:rPr lang="ko-KR" altLang="en-US" sz="1200" dirty="0"/>
+              <a:t>첫 번째 블록이 비어 있고</a:t>
+            </a:r>
+            <a:r>
+              <a:rPr lang="en-US" altLang="ko-KR" sz="1200" dirty="0"/>
+              <a:t>, LZB </a:t>
+            </a:r>
+            <a:r>
+              <a:rPr lang="ko-KR" altLang="en-US" sz="1200" dirty="0"/>
+              <a:t>또는 </a:t>
+            </a:r>
+            <a:r>
+              <a:rPr lang="en-US" altLang="ko-KR" sz="1200" dirty="0"/>
+              <a:t>ETCS </a:t>
+            </a:r>
+            <a:r>
+              <a:rPr lang="ko-KR" altLang="en-US" sz="1200" dirty="0"/>
+              <a:t>열차가 접근하면</a:t>
+            </a:r>
+            <a:br>
+              <a:rPr lang="ko-KR" altLang="en-US" sz="1200" dirty="0"/>
+            </a:br>
+            <a:r>
+              <a:rPr lang="ko-KR" altLang="en-US" sz="1200" dirty="0"/>
+              <a:t>→ 신호가 소등</a:t>
+            </a:r>
+            <a:r>
+              <a:rPr lang="en-US" altLang="ko-KR" sz="1200" dirty="0"/>
+              <a:t>(Dark)</a:t>
+            </a:r>
+            <a:r>
+              <a:rPr lang="ko-KR" altLang="en-US" sz="1200" dirty="0"/>
+              <a:t>되고</a:t>
+            </a:r>
+            <a:r>
+              <a:rPr lang="en-US" altLang="ko-KR" sz="1200" dirty="0"/>
+              <a:t>,</a:t>
+            </a:r>
+            <a:br>
+              <a:rPr lang="en-US" altLang="ko-KR" sz="1200" dirty="0"/>
+            </a:br>
+            <a:r>
+              <a:rPr lang="en-US" altLang="ko-KR" sz="1200" dirty="0"/>
+              <a:t>→ </a:t>
+            </a:r>
+            <a:r>
+              <a:rPr lang="ko-KR" altLang="en-US" sz="1200" dirty="0"/>
+              <a:t>열차는 </a:t>
+            </a:r>
+            <a:r>
+              <a:rPr lang="en-US" altLang="ko-KR" sz="1200" dirty="0"/>
+              <a:t>LZB/ETCS </a:t>
+            </a:r>
+            <a:r>
+              <a:rPr lang="ko-KR" altLang="en-US" sz="1200" dirty="0"/>
+              <a:t>감시 하에 계속 진행</a:t>
+            </a:r>
+          </a:p>
+          <a:p>
+            <a:pPr>
+              <a:buFont typeface="Arial" panose="020B0604020202020204" pitchFamily="34" charset="0"/>
+              <a:buChar char="•"/>
+            </a:pPr>
+            <a:r>
+              <a:rPr lang="ko-KR" altLang="en-US" sz="1200" dirty="0"/>
+              <a:t>목적</a:t>
+            </a:r>
+            <a:r>
+              <a:rPr lang="en-US" altLang="ko-KR" sz="1200" dirty="0"/>
+              <a:t>:</a:t>
+            </a:r>
+            <a:endParaRPr lang="ko-KR" altLang="en-US" sz="1200" dirty="0"/>
+          </a:p>
+          <a:p>
+            <a:pPr marL="742950" lvl="1" indent="-285750">
+              <a:buFont typeface="Arial" panose="020B0604020202020204" pitchFamily="34" charset="0"/>
+              <a:buChar char="•"/>
+            </a:pPr>
+            <a:r>
+              <a:rPr lang="ko-KR" altLang="en-US" sz="1200" dirty="0"/>
+              <a:t>기관사가 적색 신호를 무시하는 습관이 들지 않도록 함</a:t>
+            </a:r>
+            <a:r>
+              <a:rPr lang="en-US" altLang="ko-KR" sz="1200" dirty="0"/>
+              <a:t>.</a:t>
+            </a:r>
+          </a:p>
+        </p:txBody>
+      </p:sp>
+      <p:sp>
+        <p:nvSpPr>
+          <p:cNvPr id="8" name="TextBox 7">
+            <a:extLst>
+              <a:ext uri="{FF2B5EF4-FFF2-40B4-BE49-F238E27FC236}">
+                <a16:creationId xmlns:a16="http://schemas.microsoft.com/office/drawing/2014/main" id="{D2BB87C1-1C70-8A6E-F15E-F516CDA00410}"/>
+              </a:ext>
+            </a:extLst>
+          </p:cNvPr>
+          <p:cNvSpPr txBox="1"/>
+          <p:nvPr/>
+        </p:nvSpPr>
+        <p:spPr>
+          <a:xfrm>
+            <a:off x="6348620" y="2878892"/>
+            <a:ext cx="5488884" cy="646331"/>
+          </a:xfrm>
+          <a:prstGeom prst="rect">
+            <a:avLst/>
+          </a:prstGeom>
+          <a:noFill/>
+          <a:ln>
+            <a:solidFill>
+              <a:schemeClr val="tx1"/>
+            </a:solidFill>
+          </a:ln>
+        </p:spPr>
+        <p:txBody>
+          <a:bodyPr wrap="square">
+            <a:spAutoFit/>
+          </a:bodyPr>
+          <a:lstStyle>
+            <a:defPPr>
+              <a:defRPr lang="ko-KR"/>
+            </a:defPPr>
+            <a:lvl1pPr>
+              <a:buNone/>
+              <a:defRPr sz="1400"/>
+            </a:lvl1pPr>
+            <a:lvl2pPr marL="742950" lvl="1" indent="-285750">
+              <a:buFont typeface="Arial" panose="020B0604020202020204" pitchFamily="34" charset="0"/>
+              <a:buChar char="•"/>
+              <a:defRPr sz="1400"/>
+            </a:lvl2pPr>
+          </a:lstStyle>
+          <a:p>
+            <a:r>
+              <a:rPr lang="ko-KR" altLang="en-US" sz="1200" dirty="0"/>
+              <a:t>🔹 경로 설정 </a:t>
+            </a:r>
+            <a:r>
+              <a:rPr lang="ko-KR" altLang="en-US" sz="1200"/>
+              <a:t>트리거 </a:t>
+            </a:r>
+            <a:r>
+              <a:rPr lang="en-US" altLang="ko-KR" sz="1200" dirty="0"/>
+              <a:t>(Route Setting Trigger)</a:t>
+            </a:r>
+          </a:p>
+          <a:p>
+            <a:r>
+              <a:rPr lang="ko-KR" altLang="en-US" sz="1200" dirty="0"/>
+              <a:t>열차가 지정된 위치를 지나면 해당 지점에서 경로 설정 </a:t>
+            </a:r>
+            <a:r>
+              <a:rPr lang="ko-KR" altLang="en-US" sz="1200"/>
+              <a:t>요청을 트리거</a:t>
+            </a:r>
+            <a:r>
+              <a:rPr lang="en-US" altLang="ko-KR" sz="1200" dirty="0"/>
+              <a:t>(trigger</a:t>
+            </a:r>
+            <a:r>
+              <a:rPr lang="en-US" altLang="ko-KR" sz="1200"/>
+              <a:t>)</a:t>
+            </a:r>
+            <a:r>
+              <a:rPr lang="ko-KR" altLang="en-US" sz="1200"/>
+              <a:t>함</a:t>
+            </a:r>
+            <a:r>
+              <a:rPr lang="en-US" altLang="ko-KR" sz="1200" dirty="0"/>
+              <a:t>.</a:t>
+            </a:r>
+          </a:p>
+        </p:txBody>
+      </p:sp>
+      <p:sp>
+        <p:nvSpPr>
+          <p:cNvPr id="9" name="TextBox 8">
+            <a:extLst>
+              <a:ext uri="{FF2B5EF4-FFF2-40B4-BE49-F238E27FC236}">
+                <a16:creationId xmlns:a16="http://schemas.microsoft.com/office/drawing/2014/main" id="{C8BF4F97-2749-62AD-4D4C-5C35CD8BD92B}"/>
+              </a:ext>
+            </a:extLst>
+          </p:cNvPr>
+          <p:cNvSpPr txBox="1"/>
+          <p:nvPr/>
+        </p:nvSpPr>
+        <p:spPr>
+          <a:xfrm>
+            <a:off x="6348620" y="3802644"/>
+            <a:ext cx="5488884" cy="1938992"/>
+          </a:xfrm>
+          <a:prstGeom prst="rect">
+            <a:avLst/>
+          </a:prstGeom>
+          <a:noFill/>
+          <a:ln>
+            <a:solidFill>
+              <a:schemeClr val="tx1"/>
+            </a:solidFill>
+          </a:ln>
+        </p:spPr>
+        <p:txBody>
+          <a:bodyPr wrap="square">
+            <a:spAutoFit/>
+          </a:bodyPr>
+          <a:lstStyle>
+            <a:defPPr>
+              <a:defRPr lang="ko-KR"/>
+            </a:defPPr>
+            <a:lvl1pPr>
+              <a:buNone/>
+              <a:defRPr sz="1400"/>
+            </a:lvl1pPr>
+            <a:lvl2pPr marL="742950" lvl="1" indent="-285750">
+              <a:buFont typeface="Arial" panose="020B0604020202020204" pitchFamily="34" charset="0"/>
+              <a:buChar char="•"/>
+              <a:defRPr sz="1400"/>
+            </a:lvl2pPr>
+          </a:lstStyle>
+          <a:p>
+            <a:r>
+              <a:rPr lang="ko-KR" altLang="en-US" sz="1200" dirty="0"/>
+              <a:t>🔹 특정 구간에서 혼합 교통 차단 </a:t>
+            </a:r>
+            <a:r>
+              <a:rPr lang="en-US" altLang="ko-KR" sz="1200" dirty="0"/>
+              <a:t>(Blocking of Mixed Traffic in Defined Sections)</a:t>
+            </a:r>
+          </a:p>
+          <a:p>
+            <a:r>
+              <a:rPr lang="ko-KR" altLang="en-US" sz="1200" dirty="0"/>
+              <a:t>여객 열차와 화물 열차가 특정 구간</a:t>
+            </a:r>
+            <a:r>
+              <a:rPr lang="en-US" altLang="ko-KR" sz="1200" dirty="0"/>
+              <a:t>(</a:t>
+            </a:r>
+            <a:r>
+              <a:rPr lang="ko-KR" altLang="en-US" sz="1200" dirty="0"/>
+              <a:t>예</a:t>
+            </a:r>
+            <a:r>
+              <a:rPr lang="en-US" altLang="ko-KR" sz="1200" dirty="0"/>
+              <a:t>: </a:t>
+            </a:r>
+            <a:r>
+              <a:rPr lang="ko-KR" altLang="en-US" sz="1200" dirty="0"/>
+              <a:t>터널</a:t>
+            </a:r>
+            <a:r>
+              <a:rPr lang="en-US" altLang="ko-KR" sz="1200" dirty="0"/>
+              <a:t>)</a:t>
+            </a:r>
+            <a:r>
+              <a:rPr lang="ko-KR" altLang="en-US" sz="1200" dirty="0"/>
+              <a:t>에서 서로 마주치는 것을 방지하는 기능</a:t>
+            </a:r>
+            <a:r>
+              <a:rPr lang="en-US" altLang="ko-KR" sz="1200" dirty="0"/>
+              <a:t>.</a:t>
+            </a:r>
+          </a:p>
+          <a:p>
+            <a:r>
+              <a:rPr lang="ko-KR" altLang="en-US" sz="1200" dirty="0"/>
+              <a:t>운영 규칙</a:t>
+            </a:r>
+            <a:r>
+              <a:rPr lang="en-US" altLang="ko-KR" sz="1200" dirty="0"/>
+              <a:t>:</a:t>
+            </a:r>
+            <a:endParaRPr lang="ko-KR" altLang="en-US" sz="1200" dirty="0"/>
+          </a:p>
+          <a:p>
+            <a:pPr lvl="1"/>
+            <a:r>
+              <a:rPr lang="ko-KR" altLang="en-US" sz="1200" dirty="0"/>
+              <a:t>단일 터널</a:t>
+            </a:r>
+            <a:r>
+              <a:rPr lang="en-US" altLang="ko-KR" sz="1200" dirty="0"/>
+              <a:t>(</a:t>
+            </a:r>
+            <a:r>
+              <a:rPr lang="ko-KR" altLang="en-US" sz="1200" dirty="0"/>
+              <a:t>단일 관에 이중 선로</a:t>
+            </a:r>
+            <a:r>
+              <a:rPr lang="en-US" altLang="ko-KR" sz="1200" dirty="0"/>
+              <a:t>, Single-tube double-track tunnel)</a:t>
+            </a:r>
+            <a:r>
+              <a:rPr lang="ko-KR" altLang="en-US" sz="1200" dirty="0"/>
+              <a:t>에서는</a:t>
+            </a:r>
+            <a:br>
+              <a:rPr lang="ko-KR" altLang="en-US" sz="1200" dirty="0"/>
+            </a:br>
+            <a:r>
+              <a:rPr lang="ko-KR" altLang="en-US" sz="1200" dirty="0"/>
+              <a:t>→ 여객 열차와 화물 열차가 동시에 운행할 수 없음</a:t>
+            </a:r>
+            <a:r>
+              <a:rPr lang="en-US" altLang="ko-KR" sz="1200" dirty="0"/>
+              <a:t>.</a:t>
+            </a:r>
+          </a:p>
+          <a:p>
+            <a:r>
+              <a:rPr lang="ko-KR" altLang="en-US" sz="1200" dirty="0"/>
+              <a:t>독일어 용어</a:t>
+            </a:r>
+            <a:r>
+              <a:rPr lang="en-US" altLang="ko-KR" sz="1200" dirty="0"/>
+              <a:t>:</a:t>
+            </a:r>
+            <a:endParaRPr lang="ko-KR" altLang="en-US" sz="1200" dirty="0"/>
+          </a:p>
+          <a:p>
+            <a:pPr lvl="1"/>
+            <a:r>
+              <a:rPr lang="en-US" altLang="ko-KR" sz="1200" dirty="0"/>
+              <a:t>'</a:t>
+            </a:r>
+            <a:r>
+              <a:rPr lang="en-US" altLang="ko-KR" sz="1200" dirty="0" err="1"/>
+              <a:t>Tunnelbegegnungsverbot</a:t>
+            </a:r>
+            <a:r>
+              <a:rPr lang="en-US" altLang="ko-KR" sz="1200" dirty="0"/>
+              <a:t>' (TBV, </a:t>
+            </a:r>
+            <a:r>
+              <a:rPr lang="ko-KR" altLang="en-US" sz="1200" dirty="0"/>
+              <a:t>터널 마주침 금지</a:t>
+            </a:r>
+            <a:r>
+              <a:rPr lang="en-US" altLang="ko-KR" sz="1200" dirty="0"/>
+              <a:t>)</a:t>
+            </a:r>
+            <a:endParaRPr lang="ko-KR" altLang="en-US" sz="1200" dirty="0"/>
+          </a:p>
+        </p:txBody>
+      </p:sp>
+      <p:sp>
+        <p:nvSpPr>
+          <p:cNvPr id="10" name="TextBox 9">
+            <a:extLst>
+              <a:ext uri="{FF2B5EF4-FFF2-40B4-BE49-F238E27FC236}">
+                <a16:creationId xmlns:a16="http://schemas.microsoft.com/office/drawing/2014/main" id="{4D49329B-7CF1-52BF-1DCA-CEBF93AD2BF7}"/>
+              </a:ext>
+            </a:extLst>
+          </p:cNvPr>
+          <p:cNvSpPr txBox="1"/>
+          <p:nvPr/>
+        </p:nvSpPr>
+        <p:spPr>
+          <a:xfrm>
+            <a:off x="434837" y="4548118"/>
+            <a:ext cx="5488884" cy="1946687"/>
+          </a:xfrm>
+          <a:prstGeom prst="rect">
+            <a:avLst/>
+          </a:prstGeom>
+          <a:noFill/>
+          <a:ln>
+            <a:solidFill>
+              <a:schemeClr val="tx1"/>
+            </a:solidFill>
+          </a:ln>
+        </p:spPr>
+        <p:txBody>
+          <a:bodyPr wrap="square">
+            <a:spAutoFit/>
+          </a:bodyPr>
+          <a:lstStyle>
+            <a:defPPr>
+              <a:defRPr lang="ko-KR"/>
+            </a:defPPr>
+            <a:lvl1pPr>
+              <a:buNone/>
+              <a:defRPr sz="1400" i="0">
+                <a:solidFill>
+                  <a:srgbClr val="404040"/>
+                </a:solidFill>
+                <a:effectLst/>
+                <a:latin typeface="DeepSeek-CJK-patch"/>
+              </a:defRPr>
+            </a:lvl1pPr>
+            <a:lvl2pPr marL="742950" lvl="1" indent="-285750">
+              <a:spcBef>
+                <a:spcPts val="300"/>
+              </a:spcBef>
+              <a:spcAft>
+                <a:spcPts val="300"/>
+              </a:spcAft>
+              <a:buFont typeface="Arial" panose="020B0604020202020204" pitchFamily="34" charset="0"/>
+              <a:buChar char="•"/>
+              <a:defRPr sz="1400" i="0">
+                <a:solidFill>
+                  <a:srgbClr val="404040"/>
+                </a:solidFill>
+                <a:effectLst/>
+                <a:latin typeface="DeepSeek-CJK-patch"/>
+              </a:defRPr>
+            </a:lvl2pPr>
+            <a:lvl3pPr marL="1143000" lvl="2" indent="-228600">
+              <a:spcBef>
+                <a:spcPts val="300"/>
+              </a:spcBef>
+              <a:buFont typeface="Arial" panose="020B0604020202020204" pitchFamily="34" charset="0"/>
+              <a:buChar char="•"/>
+              <a:defRPr sz="1400" i="0">
+                <a:solidFill>
+                  <a:srgbClr val="404040"/>
+                </a:solidFill>
+                <a:effectLst/>
+                <a:latin typeface="DeepSeek-CJK-patch"/>
+              </a:defRPr>
+            </a:lvl3pPr>
+          </a:lstStyle>
+          <a:p>
+            <a:r>
+              <a:rPr lang="ko-KR" altLang="en-US" sz="1200" dirty="0"/>
+              <a:t>🔹 그룹 장애 </a:t>
+            </a:r>
+            <a:r>
+              <a:rPr lang="en-US" altLang="ko-KR" sz="1200" dirty="0"/>
+              <a:t>(Group Failure)</a:t>
+            </a:r>
+          </a:p>
+          <a:p>
+            <a:r>
+              <a:rPr lang="ko-KR" altLang="en-US" sz="1200" dirty="0"/>
+              <a:t>연동 시스템</a:t>
+            </a:r>
+            <a:r>
+              <a:rPr lang="en-US" altLang="ko-KR" sz="1200" dirty="0"/>
+              <a:t>(EIL)</a:t>
+            </a:r>
+            <a:r>
+              <a:rPr lang="ko-KR" altLang="en-US" sz="1200" dirty="0"/>
+              <a:t>에 연결된 필드 장치</a:t>
+            </a:r>
+            <a:r>
+              <a:rPr lang="en-US" altLang="ko-KR" sz="1200" dirty="0"/>
+              <a:t>(Field Element)</a:t>
+            </a:r>
+            <a:r>
+              <a:rPr lang="ko-KR" altLang="en-US" sz="1200" dirty="0"/>
+              <a:t>들은 하드웨어</a:t>
+            </a:r>
+            <a:r>
+              <a:rPr lang="en-US" altLang="ko-KR" sz="1200" dirty="0"/>
+              <a:t>(HW) </a:t>
+            </a:r>
+            <a:r>
+              <a:rPr lang="ko-KR" altLang="en-US" sz="1200" dirty="0"/>
+              <a:t>아키텍처에 따라 그룹으로 구성됨</a:t>
+            </a:r>
+            <a:r>
+              <a:rPr lang="en-US" altLang="ko-KR" sz="1200" dirty="0"/>
+              <a:t>.</a:t>
+            </a:r>
+          </a:p>
+          <a:p>
+            <a:r>
+              <a:rPr lang="ko-KR" altLang="en-US" sz="1200" dirty="0"/>
+              <a:t>그룹 내 요소들이 장애를 일으킬 경우</a:t>
+            </a:r>
+            <a:r>
+              <a:rPr lang="en-US" altLang="ko-KR" sz="1200" dirty="0"/>
+              <a:t>,</a:t>
+            </a:r>
+          </a:p>
+          <a:p>
+            <a:pPr lvl="1"/>
+            <a:r>
+              <a:rPr lang="en-US" altLang="ko-KR" sz="1200" dirty="0"/>
+              <a:t>EIL</a:t>
+            </a:r>
+            <a:r>
+              <a:rPr lang="ko-KR" altLang="en-US" sz="1200" dirty="0"/>
+              <a:t>은 </a:t>
+            </a:r>
+            <a:r>
+              <a:rPr lang="en-US" altLang="ko-KR" sz="1200" dirty="0"/>
+              <a:t>RBC</a:t>
+            </a:r>
+            <a:r>
+              <a:rPr lang="ko-KR" altLang="en-US" sz="1200" dirty="0"/>
+              <a:t>에 그룹 장애 메시지를 전송</a:t>
+            </a:r>
+          </a:p>
+          <a:p>
+            <a:pPr lvl="1"/>
+            <a:r>
+              <a:rPr lang="ko-KR" altLang="en-US" sz="1200" dirty="0"/>
+              <a:t>→ 개별 요소마다 개별적으로 장애 메시지를 보내는 대신 한 번에 그룹 단위로 메시지를 보내어 시스템 과부하를 방지</a:t>
+            </a:r>
+          </a:p>
+          <a:p>
+            <a:r>
+              <a:rPr lang="ko-KR" altLang="en-US" sz="1200" dirty="0"/>
+              <a:t>여러 그룹에서 장애가 발생한 경우</a:t>
+            </a:r>
+            <a:r>
+              <a:rPr lang="en-US" altLang="ko-KR" sz="1200" dirty="0"/>
+              <a:t>,</a:t>
+            </a:r>
+          </a:p>
+          <a:p>
+            <a:pPr lvl="1"/>
+            <a:r>
+              <a:rPr lang="en-US" altLang="ko-KR" sz="1200" dirty="0"/>
+              <a:t>EIL</a:t>
+            </a:r>
+            <a:r>
+              <a:rPr lang="ko-KR" altLang="en-US" sz="1200" dirty="0"/>
+              <a:t>은 각 그룹별로 개별적인 장애 메시지를 </a:t>
+            </a:r>
+            <a:r>
+              <a:rPr lang="en-US" altLang="ko-KR" sz="1200" dirty="0"/>
+              <a:t>RBC</a:t>
+            </a:r>
+            <a:r>
+              <a:rPr lang="ko-KR" altLang="en-US" sz="1200" dirty="0"/>
+              <a:t>에 전송</a:t>
+            </a:r>
+          </a:p>
+        </p:txBody>
+      </p:sp>
+      <p:sp>
+        <p:nvSpPr>
+          <p:cNvPr id="11" name="TextBox 10">
+            <a:extLst>
+              <a:ext uri="{FF2B5EF4-FFF2-40B4-BE49-F238E27FC236}">
+                <a16:creationId xmlns:a16="http://schemas.microsoft.com/office/drawing/2014/main" id="{85F30728-A8F6-79B6-EF91-03DDB5278D41}"/>
+              </a:ext>
+            </a:extLst>
+          </p:cNvPr>
+          <p:cNvSpPr txBox="1"/>
+          <p:nvPr/>
+        </p:nvSpPr>
+        <p:spPr>
+          <a:xfrm>
+            <a:off x="491613" y="137652"/>
+            <a:ext cx="4050890" cy="369332"/>
+          </a:xfrm>
+          <a:prstGeom prst="rect">
+            <a:avLst/>
+          </a:prstGeom>
+          <a:noFill/>
+        </p:spPr>
+        <p:txBody>
+          <a:bodyPr wrap="square" rtlCol="0">
+            <a:spAutoFit/>
+          </a:bodyPr>
+          <a:lstStyle/>
+          <a:p>
+            <a:pPr>
+              <a:buNone/>
+            </a:pPr>
+            <a:r>
+              <a:rPr lang="ko-KR" altLang="en-US" dirty="0"/>
+              <a:t>인접 시스템 </a:t>
+            </a:r>
+            <a:r>
+              <a:rPr lang="en-US" altLang="ko-KR" dirty="0"/>
+              <a:t>(Adjacent Systems)</a:t>
+            </a:r>
+          </a:p>
+        </p:txBody>
+      </p:sp>
+      <p:sp>
+        <p:nvSpPr>
+          <p:cNvPr id="12" name="TextBox 11">
+            <a:extLst>
+              <a:ext uri="{FF2B5EF4-FFF2-40B4-BE49-F238E27FC236}">
+                <a16:creationId xmlns:a16="http://schemas.microsoft.com/office/drawing/2014/main" id="{9A7969C3-EA41-D95B-F8AF-3E0D6CFA64E6}"/>
+              </a:ext>
+            </a:extLst>
+          </p:cNvPr>
+          <p:cNvSpPr txBox="1"/>
+          <p:nvPr/>
+        </p:nvSpPr>
+        <p:spPr>
+          <a:xfrm>
+            <a:off x="6882580" y="137652"/>
+            <a:ext cx="4895290" cy="369332"/>
+          </a:xfrm>
+          <a:prstGeom prst="rect">
+            <a:avLst/>
+          </a:prstGeom>
+          <a:noFill/>
+        </p:spPr>
+        <p:txBody>
+          <a:bodyPr wrap="square">
+            <a:spAutoFit/>
+          </a:bodyPr>
+          <a:lstStyle/>
+          <a:p>
+            <a:pPr>
+              <a:buNone/>
+            </a:pPr>
+            <a:r>
+              <a:rPr lang="ko-KR" altLang="en-US" dirty="0"/>
+              <a:t>라디오 블록 센터 </a:t>
+            </a:r>
+            <a:r>
+              <a:rPr lang="en-US" altLang="ko-KR" dirty="0"/>
+              <a:t>(Radio Block Centre, RBC)</a:t>
+            </a:r>
+          </a:p>
+        </p:txBody>
+      </p:sp>
+    </p:spTree>
+    <p:extLst>
+      <p:ext uri="{BB962C8B-B14F-4D97-AF65-F5344CB8AC3E}">
+        <p14:creationId xmlns:p14="http://schemas.microsoft.com/office/powerpoint/2010/main" val="2165301786"/>
       </p:ext>
     </p:extLst>
   </p:cSld>
@@ -3417,8 +4707,8 @@
         </p:blipFill>
         <p:spPr>
           <a:xfrm>
-            <a:off x="2437170" y="4470116"/>
-            <a:ext cx="6373114" cy="2057687"/>
+            <a:off x="1832169" y="4284536"/>
+            <a:ext cx="7970591" cy="2573464"/>
           </a:xfrm>
           <a:prstGeom prst="rect">
             <a:avLst/>
@@ -3439,8 +4729,8 @@
         </p:nvSpPr>
         <p:spPr>
           <a:xfrm>
-            <a:off x="333716" y="1293757"/>
-            <a:ext cx="5152940" cy="2041585"/>
+            <a:off x="333716" y="566628"/>
+            <a:ext cx="11415832" cy="1487587"/>
           </a:xfrm>
           <a:prstGeom prst="rect">
             <a:avLst/>
@@ -3460,7 +4750,7 @@
               <a:buNone/>
             </a:pPr>
             <a:r>
-              <a:rPr lang="en-US" altLang="ko-KR" sz="1200" kern="100" dirty="0">
+              <a:rPr lang="en-US" altLang="ko-KR" sz="1400" kern="100" dirty="0">
                 <a:latin typeface="맑은 고딕" panose="020B0503020000020004" pitchFamily="50" charset="-127"/>
                 <a:ea typeface="맑은 고딕" panose="020B0503020000020004" pitchFamily="50" charset="-127"/>
                 <a:cs typeface="Times New Roman" panose="02020603050405020304" pitchFamily="18" charset="0"/>
@@ -3468,7 +4758,7 @@
               <a:t>Routes</a:t>
             </a:r>
             <a:r>
-              <a:rPr lang="ko-KR" altLang="ko-KR" sz="1200" kern="100" dirty="0">
+              <a:rPr lang="ko-KR" altLang="ko-KR" sz="1400" kern="100" dirty="0">
                 <a:latin typeface="맑은 고딕" panose="020B0503020000020004" pitchFamily="50" charset="-127"/>
                 <a:ea typeface="맑은 고딕" panose="020B0503020000020004" pitchFamily="50" charset="-127"/>
                 <a:cs typeface="Times New Roman" panose="02020603050405020304" pitchFamily="18" charset="0"/>
@@ -3482,7 +4772,7 @@
               <a:buChar char=""/>
             </a:pPr>
             <a:r>
-              <a:rPr lang="ko-KR" altLang="ko-KR" sz="1200" kern="100" dirty="0">
+              <a:rPr lang="ko-KR" altLang="ko-KR" sz="1400" kern="100" dirty="0">
                 <a:latin typeface="맑은 고딕" panose="020B0503020000020004" pitchFamily="50" charset="-127"/>
                 <a:ea typeface="맑은 고딕" panose="020B0503020000020004" pitchFamily="50" charset="-127"/>
                 <a:cs typeface="Times New Roman" panose="02020603050405020304" pitchFamily="18" charset="0"/>
@@ -3490,7 +4780,7 @@
               <a:t>잠금</a:t>
             </a:r>
             <a:r>
-              <a:rPr lang="en-US" altLang="ko-KR" sz="1200" kern="100" dirty="0">
+              <a:rPr lang="en-US" altLang="ko-KR" sz="1400" kern="100" dirty="0">
                 <a:latin typeface="맑은 고딕" panose="020B0503020000020004" pitchFamily="50" charset="-127"/>
                 <a:ea typeface="맑은 고딕" panose="020B0503020000020004" pitchFamily="50" charset="-127"/>
                 <a:cs typeface="Times New Roman" panose="02020603050405020304" pitchFamily="18" charset="0"/>
@@ -3498,7 +4788,7 @@
               <a:t> (Locking): </a:t>
             </a:r>
             <a:r>
-              <a:rPr lang="ko-KR" altLang="ko-KR" sz="1200" kern="100" dirty="0" err="1">
+              <a:rPr lang="ko-KR" altLang="ko-KR" sz="1400" kern="100" dirty="0" err="1">
                 <a:latin typeface="맑은 고딕" panose="020B0503020000020004" pitchFamily="50" charset="-127"/>
                 <a:ea typeface="맑은 고딕" panose="020B0503020000020004" pitchFamily="50" charset="-127"/>
                 <a:cs typeface="Times New Roman" panose="02020603050405020304" pitchFamily="18" charset="0"/>
@@ -3506,7 +4796,7 @@
               <a:t>인터록킹</a:t>
             </a:r>
             <a:r>
-              <a:rPr lang="ko-KR" altLang="ko-KR" sz="1200" kern="100" dirty="0">
+              <a:rPr lang="ko-KR" altLang="ko-KR" sz="1400" kern="100" dirty="0">
                 <a:latin typeface="맑은 고딕" panose="020B0503020000020004" pitchFamily="50" charset="-127"/>
                 <a:ea typeface="맑은 고딕" panose="020B0503020000020004" pitchFamily="50" charset="-127"/>
                 <a:cs typeface="Times New Roman" panose="02020603050405020304" pitchFamily="18" charset="0"/>
@@ -3514,7 +4804,7 @@
               <a:t> 시스템에서</a:t>
             </a:r>
             <a:r>
-              <a:rPr lang="en-US" altLang="ko-KR" sz="1200" kern="100" dirty="0">
+              <a:rPr lang="en-US" altLang="ko-KR" sz="1400" kern="100" dirty="0">
                 <a:latin typeface="맑은 고딕" panose="020B0503020000020004" pitchFamily="50" charset="-127"/>
                 <a:ea typeface="맑은 고딕" panose="020B0503020000020004" pitchFamily="50" charset="-127"/>
                 <a:cs typeface="Times New Roman" panose="02020603050405020304" pitchFamily="18" charset="0"/>
@@ -3522,7 +4812,7 @@
               <a:t>, </a:t>
             </a:r>
             <a:r>
-              <a:rPr lang="ko-KR" altLang="ko-KR" sz="1200" kern="100" dirty="0">
+              <a:rPr lang="ko-KR" altLang="ko-KR" sz="1400" kern="100" dirty="0">
                 <a:latin typeface="맑은 고딕" panose="020B0503020000020004" pitchFamily="50" charset="-127"/>
                 <a:ea typeface="맑은 고딕" panose="020B0503020000020004" pitchFamily="50" charset="-127"/>
                 <a:cs typeface="Times New Roman" panose="02020603050405020304" pitchFamily="18" charset="0"/>
@@ -3530,14 +4820,14 @@
               <a:t>경로의 다른 부분이나 구역에서 요소가 이동하는 것을 방지하는 관리 방식입니다</a:t>
             </a:r>
             <a:r>
-              <a:rPr lang="en-US" altLang="ko-KR" sz="1200" kern="100" dirty="0">
+              <a:rPr lang="en-US" altLang="ko-KR" sz="1400" kern="100" dirty="0">
                 <a:latin typeface="맑은 고딕" panose="020B0503020000020004" pitchFamily="50" charset="-127"/>
                 <a:ea typeface="맑은 고딕" panose="020B0503020000020004" pitchFamily="50" charset="-127"/>
                 <a:cs typeface="Times New Roman" panose="02020603050405020304" pitchFamily="18" charset="0"/>
               </a:rPr>
               <a:t>.</a:t>
             </a:r>
-            <a:endParaRPr lang="ko-KR" altLang="ko-KR" sz="1200" kern="100" dirty="0">
+            <a:endParaRPr lang="ko-KR" altLang="ko-KR" sz="1400" kern="100" dirty="0">
               <a:latin typeface="맑은 고딕" panose="020B0503020000020004" pitchFamily="50" charset="-127"/>
               <a:ea typeface="맑은 고딕" panose="020B0503020000020004" pitchFamily="50" charset="-127"/>
               <a:cs typeface="Times New Roman" panose="02020603050405020304" pitchFamily="18" charset="0"/>
@@ -3549,7 +4839,7 @@
               <a:buChar char=""/>
             </a:pPr>
             <a:r>
-              <a:rPr lang="ko-KR" altLang="ko-KR" sz="1200" kern="100" dirty="0">
+              <a:rPr lang="ko-KR" altLang="ko-KR" sz="1400" kern="100" dirty="0">
                 <a:latin typeface="맑은 고딕" panose="020B0503020000020004" pitchFamily="50" charset="-127"/>
                 <a:ea typeface="맑은 고딕" panose="020B0503020000020004" pitchFamily="50" charset="-127"/>
                 <a:cs typeface="Times New Roman" panose="02020603050405020304" pitchFamily="18" charset="0"/>
@@ -3557,7 +4847,7 @@
               <a:t>모니터링</a:t>
             </a:r>
             <a:r>
-              <a:rPr lang="en-US" altLang="ko-KR" sz="1200" kern="100" dirty="0">
+              <a:rPr lang="en-US" altLang="ko-KR" sz="1400" kern="100" dirty="0">
                 <a:latin typeface="맑은 고딕" panose="020B0503020000020004" pitchFamily="50" charset="-127"/>
                 <a:ea typeface="맑은 고딕" panose="020B0503020000020004" pitchFamily="50" charset="-127"/>
                 <a:cs typeface="Times New Roman" panose="02020603050405020304" pitchFamily="18" charset="0"/>
@@ -3565,7 +4855,7 @@
               <a:t> (Monitoring): </a:t>
             </a:r>
             <a:r>
-              <a:rPr lang="ko-KR" altLang="ko-KR" sz="1200" kern="100" dirty="0" err="1">
+              <a:rPr lang="ko-KR" altLang="ko-KR" sz="1400" kern="100" dirty="0" err="1">
                 <a:latin typeface="맑은 고딕" panose="020B0503020000020004" pitchFamily="50" charset="-127"/>
                 <a:ea typeface="맑은 고딕" panose="020B0503020000020004" pitchFamily="50" charset="-127"/>
                 <a:cs typeface="Times New Roman" panose="02020603050405020304" pitchFamily="18" charset="0"/>
@@ -3573,7 +4863,7 @@
               <a:t>인터록킹</a:t>
             </a:r>
             <a:r>
-              <a:rPr lang="ko-KR" altLang="ko-KR" sz="1200" kern="100" dirty="0">
+              <a:rPr lang="ko-KR" altLang="ko-KR" sz="1400" kern="100" dirty="0">
                 <a:latin typeface="맑은 고딕" panose="020B0503020000020004" pitchFamily="50" charset="-127"/>
                 <a:ea typeface="맑은 고딕" panose="020B0503020000020004" pitchFamily="50" charset="-127"/>
                 <a:cs typeface="Times New Roman" panose="02020603050405020304" pitchFamily="18" charset="0"/>
@@ -3581,7 +4871,7 @@
               <a:t> 시스템 과정으로</a:t>
             </a:r>
             <a:r>
-              <a:rPr lang="en-US" altLang="ko-KR" sz="1200" kern="100" dirty="0">
+              <a:rPr lang="en-US" altLang="ko-KR" sz="1400" kern="100" dirty="0">
                 <a:latin typeface="맑은 고딕" panose="020B0503020000020004" pitchFamily="50" charset="-127"/>
                 <a:ea typeface="맑은 고딕" panose="020B0503020000020004" pitchFamily="50" charset="-127"/>
                 <a:cs typeface="Times New Roman" panose="02020603050405020304" pitchFamily="18" charset="0"/>
@@ -3589,7 +4879,7 @@
               <a:t>, </a:t>
             </a:r>
             <a:r>
-              <a:rPr lang="ko-KR" altLang="ko-KR" sz="1200" kern="100" dirty="0">
+              <a:rPr lang="ko-KR" altLang="ko-KR" sz="1400" kern="100" dirty="0">
                 <a:latin typeface="맑은 고딕" panose="020B0503020000020004" pitchFamily="50" charset="-127"/>
                 <a:ea typeface="맑은 고딕" panose="020B0503020000020004" pitchFamily="50" charset="-127"/>
                 <a:cs typeface="Times New Roman" panose="02020603050405020304" pitchFamily="18" charset="0"/>
@@ -3597,14 +4887,14 @@
               <a:t>경로의 운행 허가 표시가 계속해서 조건을 충족하는지 점검하는 과정입니다</a:t>
             </a:r>
             <a:r>
-              <a:rPr lang="en-US" altLang="ko-KR" sz="1200" kern="100" dirty="0">
+              <a:rPr lang="en-US" altLang="ko-KR" sz="1400" kern="100" dirty="0">
                 <a:latin typeface="맑은 고딕" panose="020B0503020000020004" pitchFamily="50" charset="-127"/>
                 <a:ea typeface="맑은 고딕" panose="020B0503020000020004" pitchFamily="50" charset="-127"/>
                 <a:cs typeface="Times New Roman" panose="02020603050405020304" pitchFamily="18" charset="0"/>
               </a:rPr>
               <a:t>.</a:t>
             </a:r>
-            <a:endParaRPr lang="ko-KR" altLang="ko-KR" sz="1200" kern="100" dirty="0">
+            <a:endParaRPr lang="ko-KR" altLang="ko-KR" sz="1400" kern="100" dirty="0">
               <a:latin typeface="맑은 고딕" panose="020B0503020000020004" pitchFamily="50" charset="-127"/>
               <a:ea typeface="맑은 고딕" panose="020B0503020000020004" pitchFamily="50" charset="-127"/>
               <a:cs typeface="Times New Roman" panose="02020603050405020304" pitchFamily="18" charset="0"/>
@@ -3616,7 +4906,7 @@
               <a:buChar char=""/>
             </a:pPr>
             <a:r>
-              <a:rPr lang="ko-KR" altLang="ko-KR" sz="1200" kern="100" dirty="0">
+              <a:rPr lang="ko-KR" altLang="ko-KR" sz="1400" kern="100" dirty="0">
                 <a:latin typeface="맑은 고딕" panose="020B0503020000020004" pitchFamily="50" charset="-127"/>
                 <a:ea typeface="맑은 고딕" panose="020B0503020000020004" pitchFamily="50" charset="-127"/>
                 <a:cs typeface="Times New Roman" panose="02020603050405020304" pitchFamily="18" charset="0"/>
@@ -3624,7 +4914,7 @@
               <a:t>해제</a:t>
             </a:r>
             <a:r>
-              <a:rPr lang="en-US" altLang="ko-KR" sz="1200" kern="100" dirty="0">
+              <a:rPr lang="en-US" altLang="ko-KR" sz="1400" kern="100" dirty="0">
                 <a:latin typeface="맑은 고딕" panose="020B0503020000020004" pitchFamily="50" charset="-127"/>
                 <a:ea typeface="맑은 고딕" panose="020B0503020000020004" pitchFamily="50" charset="-127"/>
                 <a:cs typeface="Times New Roman" panose="02020603050405020304" pitchFamily="18" charset="0"/>
@@ -3632,7 +4922,7 @@
               <a:t> (Releasing): </a:t>
             </a:r>
             <a:r>
-              <a:rPr lang="ko-KR" altLang="ko-KR" sz="1200" kern="100" dirty="0">
+              <a:rPr lang="ko-KR" altLang="ko-KR" sz="1400" kern="100" dirty="0">
                 <a:latin typeface="맑은 고딕" panose="020B0503020000020004" pitchFamily="50" charset="-127"/>
                 <a:ea typeface="맑은 고딕" panose="020B0503020000020004" pitchFamily="50" charset="-127"/>
                 <a:cs typeface="Times New Roman" panose="02020603050405020304" pitchFamily="18" charset="0"/>
@@ -3640,14 +4930,14 @@
               <a:t>경로에서 요소를 잠금 해제하는 과정입니다</a:t>
             </a:r>
             <a:r>
-              <a:rPr lang="en-US" altLang="ko-KR" sz="1200" kern="100" dirty="0">
+              <a:rPr lang="en-US" altLang="ko-KR" sz="1400" kern="100" dirty="0">
                 <a:latin typeface="맑은 고딕" panose="020B0503020000020004" pitchFamily="50" charset="-127"/>
                 <a:ea typeface="맑은 고딕" panose="020B0503020000020004" pitchFamily="50" charset="-127"/>
                 <a:cs typeface="Times New Roman" panose="02020603050405020304" pitchFamily="18" charset="0"/>
               </a:rPr>
               <a:t>.</a:t>
             </a:r>
-            <a:endParaRPr lang="ko-KR" altLang="ko-KR" sz="1200" kern="100" dirty="0">
+            <a:endParaRPr lang="ko-KR" altLang="ko-KR" sz="1400" kern="100" dirty="0">
               <a:latin typeface="맑은 고딕" panose="020B0503020000020004" pitchFamily="50" charset="-127"/>
               <a:ea typeface="맑은 고딕" panose="020B0503020000020004" pitchFamily="50" charset="-127"/>
               <a:cs typeface="Times New Roman" panose="02020603050405020304" pitchFamily="18" charset="0"/>
@@ -3659,7 +4949,7 @@
               <a:buChar char=""/>
             </a:pPr>
             <a:r>
-              <a:rPr lang="ko-KR" altLang="ko-KR" sz="1200" kern="100" dirty="0">
+              <a:rPr lang="ko-KR" altLang="ko-KR" sz="1400" kern="100" dirty="0">
                 <a:latin typeface="맑은 고딕" panose="020B0503020000020004" pitchFamily="50" charset="-127"/>
                 <a:ea typeface="맑은 고딕" panose="020B0503020000020004" pitchFamily="50" charset="-127"/>
                 <a:cs typeface="Times New Roman" panose="02020603050405020304" pitchFamily="18" charset="0"/>
@@ -3667,7 +4957,7 @@
               <a:t>취소</a:t>
             </a:r>
             <a:r>
-              <a:rPr lang="en-US" altLang="ko-KR" sz="1200" kern="100" dirty="0">
+              <a:rPr lang="en-US" altLang="ko-KR" sz="1400" kern="100" dirty="0">
                 <a:latin typeface="맑은 고딕" panose="020B0503020000020004" pitchFamily="50" charset="-127"/>
                 <a:ea typeface="맑은 고딕" panose="020B0503020000020004" pitchFamily="50" charset="-127"/>
                 <a:cs typeface="Times New Roman" panose="02020603050405020304" pitchFamily="18" charset="0"/>
@@ -3675,7 +4965,7 @@
               <a:t> (Cancellation): </a:t>
             </a:r>
             <a:r>
-              <a:rPr lang="ko-KR" altLang="ko-KR" sz="1200" kern="100" dirty="0">
+              <a:rPr lang="ko-KR" altLang="ko-KR" sz="1400" kern="100" dirty="0">
                 <a:latin typeface="맑은 고딕" panose="020B0503020000020004" pitchFamily="50" charset="-127"/>
                 <a:ea typeface="맑은 고딕" panose="020B0503020000020004" pitchFamily="50" charset="-127"/>
                 <a:cs typeface="Times New Roman" panose="02020603050405020304" pitchFamily="18" charset="0"/>
@@ -3683,7 +4973,7 @@
               <a:t>신호기 </a:t>
             </a:r>
             <a:r>
-              <a:rPr lang="ko-KR" altLang="ko-KR" sz="1200" kern="100" dirty="0" err="1">
+              <a:rPr lang="ko-KR" altLang="ko-KR" sz="1400" kern="100" dirty="0" err="1">
                 <a:latin typeface="맑은 고딕" panose="020B0503020000020004" pitchFamily="50" charset="-127"/>
                 <a:ea typeface="맑은 고딕" panose="020B0503020000020004" pitchFamily="50" charset="-127"/>
                 <a:cs typeface="Times New Roman" panose="02020603050405020304" pitchFamily="18" charset="0"/>
@@ -3691,7 +4981,7 @@
               <a:t>조작자</a:t>
             </a:r>
             <a:r>
-              <a:rPr lang="en-US" altLang="ko-KR" sz="1200" kern="100" dirty="0">
+              <a:rPr lang="en-US" altLang="ko-KR" sz="1400" kern="100" dirty="0">
                 <a:latin typeface="맑은 고딕" panose="020B0503020000020004" pitchFamily="50" charset="-127"/>
                 <a:ea typeface="맑은 고딕" panose="020B0503020000020004" pitchFamily="50" charset="-127"/>
                 <a:cs typeface="Times New Roman" panose="02020603050405020304" pitchFamily="18" charset="0"/>
@@ -3699,7 +4989,7 @@
               <a:t>(</a:t>
             </a:r>
             <a:r>
-              <a:rPr lang="en-US" altLang="ko-KR" sz="1200" kern="100" dirty="0" err="1">
+              <a:rPr lang="en-US" altLang="ko-KR" sz="1400" kern="100" dirty="0" err="1">
                 <a:latin typeface="맑은 고딕" panose="020B0503020000020004" pitchFamily="50" charset="-127"/>
                 <a:ea typeface="맑은 고딕" panose="020B0503020000020004" pitchFamily="50" charset="-127"/>
                 <a:cs typeface="Times New Roman" panose="02020603050405020304" pitchFamily="18" charset="0"/>
@@ -3707,7 +4997,7 @@
               <a:t>signaller</a:t>
             </a:r>
             <a:r>
-              <a:rPr lang="en-US" altLang="ko-KR" sz="1200" kern="100" dirty="0">
+              <a:rPr lang="en-US" altLang="ko-KR" sz="1400" kern="100" dirty="0">
                 <a:latin typeface="맑은 고딕" panose="020B0503020000020004" pitchFamily="50" charset="-127"/>
                 <a:ea typeface="맑은 고딕" panose="020B0503020000020004" pitchFamily="50" charset="-127"/>
                 <a:cs typeface="Times New Roman" panose="02020603050405020304" pitchFamily="18" charset="0"/>
@@ -3715,7 +5005,7 @@
               <a:t>)</a:t>
             </a:r>
             <a:r>
-              <a:rPr lang="ko-KR" altLang="ko-KR" sz="1200" kern="100" dirty="0">
+              <a:rPr lang="ko-KR" altLang="ko-KR" sz="1400" kern="100" dirty="0">
                 <a:latin typeface="맑은 고딕" panose="020B0503020000020004" pitchFamily="50" charset="-127"/>
                 <a:ea typeface="맑은 고딕" panose="020B0503020000020004" pitchFamily="50" charset="-127"/>
                 <a:cs typeface="Times New Roman" panose="02020603050405020304" pitchFamily="18" charset="0"/>
@@ -3723,14 +5013,14 @@
               <a:t>의 요청에 의해 경로 또는 경로의 일부를 취소하거나 무효화하는 것입니다</a:t>
             </a:r>
             <a:r>
-              <a:rPr lang="en-US" altLang="ko-KR" sz="1200" kern="100" dirty="0">
+              <a:rPr lang="en-US" altLang="ko-KR" sz="1400" kern="100" dirty="0">
                 <a:latin typeface="맑은 고딕" panose="020B0503020000020004" pitchFamily="50" charset="-127"/>
                 <a:ea typeface="맑은 고딕" panose="020B0503020000020004" pitchFamily="50" charset="-127"/>
                 <a:cs typeface="Times New Roman" panose="02020603050405020304" pitchFamily="18" charset="0"/>
               </a:rPr>
               <a:t>.</a:t>
             </a:r>
-            <a:endParaRPr lang="ko-KR" altLang="ko-KR" sz="1200" kern="100" dirty="0">
+            <a:endParaRPr lang="ko-KR" altLang="ko-KR" sz="1400" kern="100" dirty="0">
               <a:latin typeface="맑은 고딕" panose="020B0503020000020004" pitchFamily="50" charset="-127"/>
               <a:ea typeface="맑은 고딕" panose="020B0503020000020004" pitchFamily="50" charset="-127"/>
               <a:cs typeface="Times New Roman" panose="02020603050405020304" pitchFamily="18" charset="0"/>
@@ -3745,7 +5035,7 @@
               <a:buChar char=""/>
             </a:pPr>
             <a:r>
-              <a:rPr lang="ko-KR" altLang="ko-KR" sz="1200" kern="100" dirty="0">
+              <a:rPr lang="ko-KR" altLang="ko-KR" sz="1400" kern="100" dirty="0">
                 <a:latin typeface="맑은 고딕" panose="020B0503020000020004" pitchFamily="50" charset="-127"/>
                 <a:ea typeface="맑은 고딕" panose="020B0503020000020004" pitchFamily="50" charset="-127"/>
                 <a:cs typeface="Times New Roman" panose="02020603050405020304" pitchFamily="18" charset="0"/>
@@ -3753,7 +5043,7 @@
               <a:t>차단</a:t>
             </a:r>
             <a:r>
-              <a:rPr lang="en-US" altLang="ko-KR" sz="1200" kern="100" dirty="0">
+              <a:rPr lang="en-US" altLang="ko-KR" sz="1400" kern="100" dirty="0">
                 <a:latin typeface="맑은 고딕" panose="020B0503020000020004" pitchFamily="50" charset="-127"/>
                 <a:ea typeface="맑은 고딕" panose="020B0503020000020004" pitchFamily="50" charset="-127"/>
                 <a:cs typeface="Times New Roman" panose="02020603050405020304" pitchFamily="18" charset="0"/>
@@ -3761,7 +5051,7 @@
               <a:t> (Blocking): </a:t>
             </a:r>
             <a:r>
-              <a:rPr lang="ko-KR" altLang="ko-KR" sz="1200" kern="100" dirty="0">
+              <a:rPr lang="ko-KR" altLang="ko-KR" sz="1400" kern="100" dirty="0">
                 <a:latin typeface="맑은 고딕" panose="020B0503020000020004" pitchFamily="50" charset="-127"/>
                 <a:ea typeface="맑은 고딕" panose="020B0503020000020004" pitchFamily="50" charset="-127"/>
                 <a:cs typeface="Times New Roman" panose="02020603050405020304" pitchFamily="18" charset="0"/>
@@ -3769,14 +5059,14 @@
               <a:t>차단된 요소나 구역으로 열차의 진입을 방지하거나 차단된 장비에 대한 보호를 제공하는 과정입니다</a:t>
             </a:r>
             <a:r>
-              <a:rPr lang="en-US" altLang="ko-KR" sz="1200" kern="100" dirty="0">
+              <a:rPr lang="en-US" altLang="ko-KR" sz="1400" kern="100" dirty="0">
                 <a:latin typeface="맑은 고딕" panose="020B0503020000020004" pitchFamily="50" charset="-127"/>
                 <a:ea typeface="맑은 고딕" panose="020B0503020000020004" pitchFamily="50" charset="-127"/>
                 <a:cs typeface="Times New Roman" panose="02020603050405020304" pitchFamily="18" charset="0"/>
               </a:rPr>
               <a:t>.</a:t>
             </a:r>
-            <a:endParaRPr lang="ko-KR" altLang="ko-KR" sz="1200" kern="100" dirty="0">
+            <a:endParaRPr lang="ko-KR" altLang="ko-KR" sz="1400" kern="100" dirty="0">
               <a:latin typeface="맑은 고딕" panose="020B0503020000020004" pitchFamily="50" charset="-127"/>
               <a:ea typeface="맑은 고딕" panose="020B0503020000020004" pitchFamily="50" charset="-127"/>
               <a:cs typeface="Times New Roman" panose="02020603050405020304" pitchFamily="18" charset="0"/>
@@ -3798,8 +5088,8 @@
         </p:nvSpPr>
         <p:spPr>
           <a:xfrm>
-            <a:off x="5762284" y="645286"/>
-            <a:ext cx="6096000" cy="3026470"/>
+            <a:off x="279348" y="2129957"/>
+            <a:ext cx="11524568" cy="2215991"/>
           </a:xfrm>
           <a:prstGeom prst="rect">
             <a:avLst/>
@@ -3819,7 +5109,7 @@
               <a:buNone/>
             </a:pPr>
             <a:r>
-              <a:rPr lang="en-US" altLang="ko-KR" sz="1200" kern="100" dirty="0">
+              <a:rPr lang="en-US" altLang="ko-KR" sz="1400" kern="100" dirty="0">
                 <a:effectLst/>
                 <a:latin typeface="맑은 고딕" panose="020B0503020000020004" pitchFamily="50" charset="-127"/>
                 <a:ea typeface="맑은 고딕" panose="020B0503020000020004" pitchFamily="50" charset="-127"/>
@@ -3828,7 +5118,7 @@
               <a:t>Routes </a:t>
             </a:r>
             <a:r>
-              <a:rPr lang="ko-KR" altLang="ko-KR" sz="1200" kern="100" dirty="0">
+              <a:rPr lang="ko-KR" altLang="ko-KR" sz="1400" kern="100" dirty="0">
                 <a:effectLst/>
                 <a:latin typeface="맑은 고딕" panose="020B0503020000020004" pitchFamily="50" charset="-127"/>
                 <a:ea typeface="맑은 고딕" panose="020B0503020000020004" pitchFamily="50" charset="-127"/>
@@ -3845,69 +5135,60 @@
               <a:buNone/>
             </a:pPr>
             <a:r>
-              <a:rPr lang="en-US" altLang="ko-KR" sz="1200" kern="100" dirty="0">
+              <a:rPr lang="ko-KR" altLang="ko-KR" sz="1400" kern="100" dirty="0">
                 <a:effectLst/>
                 <a:latin typeface="맑은 고딕" panose="020B0503020000020004" pitchFamily="50" charset="-127"/>
                 <a:ea typeface="맑은 고딕" panose="020B0503020000020004" pitchFamily="50" charset="-127"/>
                 <a:cs typeface="Times New Roman" panose="02020603050405020304" pitchFamily="18" charset="0"/>
               </a:rPr>
-              <a:t>**</a:t>
-            </a:r>
-            <a:r>
-              <a:rPr lang="ko-KR" altLang="ko-KR" sz="1200" kern="100" dirty="0">
+              <a:t>경로</a:t>
+            </a:r>
+            <a:r>
+              <a:rPr lang="en-US" altLang="ko-KR" sz="1400" kern="100" dirty="0">
                 <a:effectLst/>
                 <a:latin typeface="맑은 고딕" panose="020B0503020000020004" pitchFamily="50" charset="-127"/>
                 <a:ea typeface="맑은 고딕" panose="020B0503020000020004" pitchFamily="50" charset="-127"/>
                 <a:cs typeface="Times New Roman" panose="02020603050405020304" pitchFamily="18" charset="0"/>
               </a:rPr>
-              <a:t>경로</a:t>
-            </a:r>
-            <a:r>
-              <a:rPr lang="en-US" altLang="ko-KR" sz="1200" kern="100" dirty="0">
+              <a:t>(Route)</a:t>
+            </a:r>
+            <a:r>
+              <a:rPr lang="ko-KR" altLang="ko-KR" sz="1400" kern="100" dirty="0">
                 <a:effectLst/>
                 <a:latin typeface="맑은 고딕" panose="020B0503020000020004" pitchFamily="50" charset="-127"/>
                 <a:ea typeface="맑은 고딕" panose="020B0503020000020004" pitchFamily="50" charset="-127"/>
                 <a:cs typeface="Times New Roman" panose="02020603050405020304" pitchFamily="18" charset="0"/>
               </a:rPr>
-              <a:t>(Route)**</a:t>
-            </a:r>
-            <a:r>
-              <a:rPr lang="ko-KR" altLang="ko-KR" sz="1200" kern="100" dirty="0">
+              <a:t>는 교통 이동을 위한 미리 정의된 경로입니다</a:t>
+            </a:r>
+            <a:r>
+              <a:rPr lang="en-US" altLang="ko-KR" sz="1400" kern="100" dirty="0">
                 <a:effectLst/>
                 <a:latin typeface="맑은 고딕" panose="020B0503020000020004" pitchFamily="50" charset="-127"/>
                 <a:ea typeface="맑은 고딕" panose="020B0503020000020004" pitchFamily="50" charset="-127"/>
                 <a:cs typeface="Times New Roman" panose="02020603050405020304" pitchFamily="18" charset="0"/>
               </a:rPr>
-              <a:t>는 교통 이동을 위한 미리 정의된 경로입니다</a:t>
-            </a:r>
-            <a:r>
-              <a:rPr lang="en-US" altLang="ko-KR" sz="1200" kern="100" dirty="0">
+              <a:t>. </a:t>
+            </a:r>
+            <a:r>
+              <a:rPr lang="ko-KR" altLang="ko-KR" sz="1400" kern="100" dirty="0">
                 <a:effectLst/>
                 <a:latin typeface="맑은 고딕" panose="020B0503020000020004" pitchFamily="50" charset="-127"/>
                 <a:ea typeface="맑은 고딕" panose="020B0503020000020004" pitchFamily="50" charset="-127"/>
                 <a:cs typeface="Times New Roman" panose="02020603050405020304" pitchFamily="18" charset="0"/>
               </a:rPr>
-              <a:t>. </a:t>
-            </a:r>
-            <a:r>
-              <a:rPr lang="ko-KR" altLang="ko-KR" sz="1200" kern="100" dirty="0">
+              <a:t>경로는 다음을 포함할 수 있습니다</a:t>
+            </a:r>
+            <a:r>
+              <a:rPr lang="en-US" altLang="ko-KR" sz="1400" kern="100" dirty="0">
                 <a:effectLst/>
                 <a:latin typeface="맑은 고딕" panose="020B0503020000020004" pitchFamily="50" charset="-127"/>
                 <a:ea typeface="맑은 고딕" panose="020B0503020000020004" pitchFamily="50" charset="-127"/>
                 <a:cs typeface="Times New Roman" panose="02020603050405020304" pitchFamily="18" charset="0"/>
               </a:rPr>
-              <a:t>경로는 다음을 포함할 수 있습니다</a:t>
-            </a:r>
-            <a:r>
-              <a:rPr lang="en-US" altLang="ko-KR" sz="1200" kern="100" dirty="0">
-                <a:effectLst/>
-                <a:latin typeface="맑은 고딕" panose="020B0503020000020004" pitchFamily="50" charset="-127"/>
-                <a:ea typeface="맑은 고딕" panose="020B0503020000020004" pitchFamily="50" charset="-127"/>
-                <a:cs typeface="Times New Roman" panose="02020603050405020304" pitchFamily="18" charset="0"/>
-              </a:rPr>
               <a:t>:</a:t>
             </a:r>
-            <a:endParaRPr lang="ko-KR" altLang="ko-KR" sz="1200" kern="100" dirty="0">
+            <a:endParaRPr lang="ko-KR" altLang="ko-KR" sz="1400" kern="100" dirty="0">
               <a:effectLst/>
               <a:latin typeface="맑은 고딕" panose="020B0503020000020004" pitchFamily="50" charset="-127"/>
               <a:ea typeface="맑은 고딕" panose="020B0503020000020004" pitchFamily="50" charset="-127"/>
@@ -3927,7 +5208,7 @@
               </a:tabLst>
             </a:pPr>
             <a:r>
-              <a:rPr lang="ko-KR" altLang="ko-KR" sz="1200" kern="100" dirty="0">
+              <a:rPr lang="ko-KR" altLang="ko-KR" sz="1400" kern="100" dirty="0">
                 <a:effectLst/>
                 <a:latin typeface="맑은 고딕" panose="020B0503020000020004" pitchFamily="50" charset="-127"/>
                 <a:ea typeface="맑은 고딕" panose="020B0503020000020004" pitchFamily="50" charset="-127"/>
@@ -3936,7 +5217,7 @@
               <a:t>경로 본체</a:t>
             </a:r>
             <a:r>
-              <a:rPr lang="en-US" altLang="ko-KR" sz="1200" kern="100" dirty="0">
+              <a:rPr lang="en-US" altLang="ko-KR" sz="1400" kern="100" dirty="0">
                 <a:effectLst/>
                 <a:latin typeface="맑은 고딕" panose="020B0503020000020004" pitchFamily="50" charset="-127"/>
                 <a:ea typeface="맑은 고딕" panose="020B0503020000020004" pitchFamily="50" charset="-127"/>
@@ -3944,7 +5225,7 @@
               </a:rPr>
               <a:t> (Route body)</a:t>
             </a:r>
-            <a:endParaRPr lang="ko-KR" altLang="ko-KR" sz="1200" kern="100" dirty="0">
+            <a:endParaRPr lang="ko-KR" altLang="ko-KR" sz="1400" kern="100" dirty="0">
               <a:effectLst/>
               <a:latin typeface="맑은 고딕" panose="020B0503020000020004" pitchFamily="50" charset="-127"/>
               <a:ea typeface="맑은 고딕" panose="020B0503020000020004" pitchFamily="50" charset="-127"/>
@@ -3964,7 +5245,7 @@
               </a:tabLst>
             </a:pPr>
             <a:r>
-              <a:rPr lang="ko-KR" altLang="ko-KR" sz="1200" kern="100" dirty="0">
+              <a:rPr lang="ko-KR" altLang="ko-KR" sz="1400" kern="100" dirty="0">
                 <a:effectLst/>
                 <a:latin typeface="맑은 고딕" panose="020B0503020000020004" pitchFamily="50" charset="-127"/>
                 <a:ea typeface="맑은 고딕" panose="020B0503020000020004" pitchFamily="50" charset="-127"/>
@@ -3973,7 +5254,7 @@
               <a:t>경로 본체에 대한 측면 보호</a:t>
             </a:r>
             <a:r>
-              <a:rPr lang="en-US" altLang="ko-KR" sz="1200" kern="100" dirty="0">
+              <a:rPr lang="en-US" altLang="ko-KR" sz="1400" kern="100" dirty="0">
                 <a:effectLst/>
                 <a:latin typeface="맑은 고딕" panose="020B0503020000020004" pitchFamily="50" charset="-127"/>
                 <a:ea typeface="맑은 고딕" panose="020B0503020000020004" pitchFamily="50" charset="-127"/>
@@ -3981,7 +5262,7 @@
               </a:rPr>
               <a:t> (Flank protection for the route body)</a:t>
             </a:r>
-            <a:endParaRPr lang="ko-KR" altLang="ko-KR" sz="1200" kern="100" dirty="0">
+            <a:endParaRPr lang="ko-KR" altLang="ko-KR" sz="1400" kern="100" dirty="0">
               <a:effectLst/>
               <a:latin typeface="맑은 고딕" panose="020B0503020000020004" pitchFamily="50" charset="-127"/>
               <a:ea typeface="맑은 고딕" panose="020B0503020000020004" pitchFamily="50" charset="-127"/>
@@ -4001,7 +5282,7 @@
               </a:tabLst>
             </a:pPr>
             <a:r>
-              <a:rPr lang="ko-KR" altLang="ko-KR" sz="1200" kern="100" dirty="0">
+              <a:rPr lang="ko-KR" altLang="ko-KR" sz="1400" kern="100" dirty="0">
                 <a:effectLst/>
                 <a:latin typeface="맑은 고딕" panose="020B0503020000020004" pitchFamily="50" charset="-127"/>
                 <a:ea typeface="맑은 고딕" panose="020B0503020000020004" pitchFamily="50" charset="-127"/>
@@ -4010,51 +5291,69 @@
               <a:t>오버랩</a:t>
             </a:r>
             <a:r>
-              <a:rPr lang="en-US" altLang="ko-KR" sz="1200" kern="100" dirty="0">
+              <a:rPr lang="en-US" altLang="ko-KR" sz="1400" kern="100" dirty="0">
                 <a:effectLst/>
                 <a:latin typeface="맑은 고딕" panose="020B0503020000020004" pitchFamily="50" charset="-127"/>
                 <a:ea typeface="맑은 고딕" panose="020B0503020000020004" pitchFamily="50" charset="-127"/>
                 <a:cs typeface="Times New Roman" panose="02020603050405020304" pitchFamily="18" charset="0"/>
               </a:rPr>
-              <a:t>(Overlap): </a:t>
-            </a:r>
-            <a:r>
-              <a:rPr lang="ko-KR" altLang="ko-KR" sz="1200" kern="100" dirty="0">
+              <a:t>: </a:t>
+            </a:r>
+            <a:r>
+              <a:rPr lang="ko-KR" altLang="ko-KR" sz="1400" kern="100" dirty="0">
                 <a:effectLst/>
                 <a:latin typeface="맑은 고딕" panose="020B0503020000020004" pitchFamily="50" charset="-127"/>
                 <a:ea typeface="맑은 고딕" panose="020B0503020000020004" pitchFamily="50" charset="-127"/>
                 <a:cs typeface="Times New Roman" panose="02020603050405020304" pitchFamily="18" charset="0"/>
               </a:rPr>
-              <a:t>경로 출구 신호의 앞쪽에 정의된 선로 구간으로</a:t>
-            </a:r>
-            <a:r>
-              <a:rPr lang="en-US" altLang="ko-KR" sz="1200" kern="100" dirty="0">
+              <a:t>경로 출구 신호의 앞쪽</a:t>
+            </a:r>
+            <a:r>
+              <a:rPr lang="ko-KR" altLang="en-US" sz="1400" kern="100" dirty="0">
                 <a:effectLst/>
                 <a:latin typeface="맑은 고딕" panose="020B0503020000020004" pitchFamily="50" charset="-127"/>
                 <a:ea typeface="맑은 고딕" panose="020B0503020000020004" pitchFamily="50" charset="-127"/>
                 <a:cs typeface="Times New Roman" panose="02020603050405020304" pitchFamily="18" charset="0"/>
               </a:rPr>
-              <a:t>, </a:t>
-            </a:r>
-            <a:r>
-              <a:rPr lang="ko-KR" altLang="ko-KR" sz="1200" kern="100" dirty="0">
+              <a:t>의 </a:t>
+            </a:r>
+            <a:r>
+              <a:rPr lang="ko-KR" altLang="ko-KR" sz="1400" kern="100" dirty="0">
                 <a:effectLst/>
                 <a:latin typeface="맑은 고딕" panose="020B0503020000020004" pitchFamily="50" charset="-127"/>
                 <a:ea typeface="맑은 고딕" panose="020B0503020000020004" pitchFamily="50" charset="-127"/>
                 <a:cs typeface="Times New Roman" panose="02020603050405020304" pitchFamily="18" charset="0"/>
               </a:rPr>
-              <a:t>열차가 신호를 무시하고 지나갈 경우 충돌 위험을 피하기 위해 이 구간을 비워두어야 합니다</a:t>
-            </a:r>
-            <a:r>
-              <a:rPr lang="en-US" altLang="ko-KR" sz="1200" kern="100" dirty="0">
+              <a:t>선로 구간으로</a:t>
+            </a:r>
+            <a:r>
+              <a:rPr lang="en-US" altLang="ko-KR" sz="1400" kern="100" dirty="0">
                 <a:effectLst/>
                 <a:latin typeface="맑은 고딕" panose="020B0503020000020004" pitchFamily="50" charset="-127"/>
                 <a:ea typeface="맑은 고딕" panose="020B0503020000020004" pitchFamily="50" charset="-127"/>
                 <a:cs typeface="Times New Roman" panose="02020603050405020304" pitchFamily="18" charset="0"/>
               </a:rPr>
+              <a:t>, </a:t>
+            </a:r>
+            <a:r>
+              <a:rPr lang="ko-KR" altLang="ko-KR" sz="1400" kern="100" dirty="0">
+                <a:effectLst/>
+                <a:latin typeface="맑은 고딕" panose="020B0503020000020004" pitchFamily="50" charset="-127"/>
+                <a:ea typeface="맑은 고딕" panose="020B0503020000020004" pitchFamily="50" charset="-127"/>
+                <a:cs typeface="Times New Roman" panose="02020603050405020304" pitchFamily="18" charset="0"/>
+              </a:rPr>
+              <a:t>열차가 신호를 무시하고 지나갈 경우 충돌을 피하기 위해 비워두어야 합니다</a:t>
+            </a:r>
+            <a:r>
+              <a:rPr lang="en-US" altLang="ko-KR" sz="1400" kern="100" dirty="0">
+                <a:effectLst/>
+                <a:latin typeface="맑은 고딕" panose="020B0503020000020004" pitchFamily="50" charset="-127"/>
+                <a:ea typeface="맑은 고딕" panose="020B0503020000020004" pitchFamily="50" charset="-127"/>
+                <a:cs typeface="Times New Roman" panose="02020603050405020304" pitchFamily="18" charset="0"/>
+              </a:rPr>
               <a:t>.</a:t>
             </a:r>
-            <a:endParaRPr lang="ko-KR" altLang="ko-KR" sz="1200" kern="100" dirty="0">
+            <a:endParaRPr lang="ko-KR" altLang="ko-KR" sz="1400" kern="100" dirty="0">
               <a:effectLst/>
               <a:latin typeface="맑은 고딕" panose="020B0503020000020004" pitchFamily="50" charset="-127"/>
               <a:ea typeface="맑은 고딕" panose="020B0503020000020004" pitchFamily="50" charset="-127"/>
@@ -4074,7 +5373,7 @@
               </a:tabLst>
             </a:pPr>
             <a:r>
-              <a:rPr lang="ko-KR" altLang="ko-KR" sz="1200" kern="100" dirty="0">
+              <a:rPr lang="ko-KR" altLang="ko-KR" sz="1400" kern="100" dirty="0">
                 <a:effectLst/>
                 <a:latin typeface="맑은 고딕" panose="020B0503020000020004" pitchFamily="50" charset="-127"/>
                 <a:ea typeface="맑은 고딕" panose="020B0503020000020004" pitchFamily="50" charset="-127"/>
@@ -4083,7 +5382,7 @@
               <a:t>오버랩에 대한 측면 보호</a:t>
             </a:r>
             <a:r>
-              <a:rPr lang="en-US" altLang="ko-KR" sz="1200" kern="100" dirty="0">
+              <a:rPr lang="en-US" altLang="ko-KR" sz="1400" kern="100" dirty="0">
                 <a:effectLst/>
                 <a:latin typeface="맑은 고딕" panose="020B0503020000020004" pitchFamily="50" charset="-127"/>
                 <a:ea typeface="맑은 고딕" panose="020B0503020000020004" pitchFamily="50" charset="-127"/>
@@ -4091,7 +5390,7 @@
               </a:rPr>
               <a:t> (Flank protection for the overlap)</a:t>
             </a:r>
-            <a:endParaRPr lang="ko-KR" altLang="ko-KR" sz="1200" kern="100" dirty="0">
+            <a:endParaRPr lang="ko-KR" altLang="ko-KR" sz="1400" kern="100" dirty="0">
               <a:effectLst/>
               <a:latin typeface="맑은 고딕" panose="020B0503020000020004" pitchFamily="50" charset="-127"/>
               <a:ea typeface="맑은 고딕" panose="020B0503020000020004" pitchFamily="50" charset="-127"/>
@@ -4111,7 +5410,7 @@
               </a:tabLst>
             </a:pPr>
             <a:r>
-              <a:rPr lang="ko-KR" altLang="ko-KR" sz="1200" kern="100" dirty="0">
+              <a:rPr lang="ko-KR" altLang="ko-KR" sz="1400" kern="100" dirty="0">
                 <a:effectLst/>
                 <a:latin typeface="맑은 고딕" panose="020B0503020000020004" pitchFamily="50" charset="-127"/>
                 <a:ea typeface="맑은 고딕" panose="020B0503020000020004" pitchFamily="50" charset="-127"/>
@@ -4120,7 +5419,7 @@
               <a:t>경로 진입 신호 뒤의 경로 요소</a:t>
             </a:r>
             <a:r>
-              <a:rPr lang="en-US" altLang="ko-KR" sz="1200" kern="100" dirty="0">
+              <a:rPr lang="en-US" altLang="ko-KR" sz="1400" kern="100" dirty="0">
                 <a:effectLst/>
                 <a:latin typeface="맑은 고딕" panose="020B0503020000020004" pitchFamily="50" charset="-127"/>
                 <a:ea typeface="맑은 고딕" panose="020B0503020000020004" pitchFamily="50" charset="-127"/>
@@ -4128,88 +5427,101 @@
               </a:rPr>
               <a:t> (The route elements in rear of the route entry signal)</a:t>
             </a:r>
-            <a:endParaRPr lang="ko-KR" altLang="ko-KR" sz="1200" kern="100" dirty="0">
+            <a:endParaRPr lang="ko-KR" altLang="ko-KR" sz="1400" kern="100" dirty="0">
               <a:effectLst/>
               <a:latin typeface="맑은 고딕" panose="020B0503020000020004" pitchFamily="50" charset="-127"/>
               <a:ea typeface="맑은 고딕" panose="020B0503020000020004" pitchFamily="50" charset="-127"/>
               <a:cs typeface="Times New Roman" panose="02020603050405020304" pitchFamily="18" charset="0"/>
             </a:endParaRPr>
           </a:p>
-          <a:p>
-            <a:pPr latinLnBrk="1">
-              <a:spcAft>
-                <a:spcPts val="800"/>
-              </a:spcAft>
+        </p:txBody>
+      </p:sp>
+      <p:sp>
+        <p:nvSpPr>
+          <p:cNvPr id="2" name="TextBox 1">
+            <a:extLst>
+              <a:ext uri="{FF2B5EF4-FFF2-40B4-BE49-F238E27FC236}">
+                <a16:creationId xmlns:a16="http://schemas.microsoft.com/office/drawing/2014/main" id="{7FD70D9E-08CD-27F0-7586-B4C5CEF40689}"/>
+              </a:ext>
+            </a:extLst>
+          </p:cNvPr>
+          <p:cNvSpPr txBox="1"/>
+          <p:nvPr/>
+        </p:nvSpPr>
+        <p:spPr>
+          <a:xfrm>
+            <a:off x="491613" y="137652"/>
+            <a:ext cx="4050890" cy="369332"/>
+          </a:xfrm>
+          <a:prstGeom prst="rect">
+            <a:avLst/>
+          </a:prstGeom>
+          <a:noFill/>
+        </p:spPr>
+        <p:txBody>
+          <a:bodyPr wrap="square" rtlCol="0">
+            <a:spAutoFit/>
+          </a:bodyPr>
+          <a:lstStyle/>
+          <a:p>
+            <a:pPr>
+              <a:buNone/>
             </a:pPr>
             <a:r>
-              <a:rPr lang="en-US" altLang="ko-KR" sz="1200" kern="100" dirty="0">
-                <a:effectLst/>
-                <a:latin typeface="맑은 고딕" panose="020B0503020000020004" pitchFamily="50" charset="-127"/>
-                <a:ea typeface="맑은 고딕" panose="020B0503020000020004" pitchFamily="50" charset="-127"/>
-                <a:cs typeface="Times New Roman" panose="02020603050405020304" pitchFamily="18" charset="0"/>
-              </a:rPr>
-              <a:t>**</a:t>
-            </a:r>
-            <a:r>
-              <a:rPr lang="ko-KR" altLang="ko-KR" sz="1200" kern="100" dirty="0">
-                <a:effectLst/>
-                <a:latin typeface="맑은 고딕" panose="020B0503020000020004" pitchFamily="50" charset="-127"/>
-                <a:ea typeface="맑은 고딕" panose="020B0503020000020004" pitchFamily="50" charset="-127"/>
-                <a:cs typeface="Times New Roman" panose="02020603050405020304" pitchFamily="18" charset="0"/>
-              </a:rPr>
-              <a:t>오버랩</a:t>
-            </a:r>
-            <a:r>
-              <a:rPr lang="en-US" altLang="ko-KR" sz="1200" kern="100" dirty="0">
-                <a:effectLst/>
-                <a:latin typeface="맑은 고딕" panose="020B0503020000020004" pitchFamily="50" charset="-127"/>
-                <a:ea typeface="맑은 고딕" panose="020B0503020000020004" pitchFamily="50" charset="-127"/>
-                <a:cs typeface="Times New Roman" panose="02020603050405020304" pitchFamily="18" charset="0"/>
-              </a:rPr>
-              <a:t>(Overlap)**</a:t>
-            </a:r>
-            <a:r>
-              <a:rPr lang="ko-KR" altLang="ko-KR" sz="1200" kern="100" dirty="0">
-                <a:effectLst/>
-                <a:latin typeface="맑은 고딕" panose="020B0503020000020004" pitchFamily="50" charset="-127"/>
-                <a:ea typeface="맑은 고딕" panose="020B0503020000020004" pitchFamily="50" charset="-127"/>
-                <a:cs typeface="Times New Roman" panose="02020603050405020304" pitchFamily="18" charset="0"/>
-              </a:rPr>
-              <a:t>은 경로 출구 신호 앞에 정의된 선로 구간을 의미하며</a:t>
-            </a:r>
-            <a:r>
-              <a:rPr lang="en-US" altLang="ko-KR" sz="1200" kern="100" dirty="0">
-                <a:effectLst/>
-                <a:latin typeface="맑은 고딕" panose="020B0503020000020004" pitchFamily="50" charset="-127"/>
-                <a:ea typeface="맑은 고딕" panose="020B0503020000020004" pitchFamily="50" charset="-127"/>
-                <a:cs typeface="Times New Roman" panose="02020603050405020304" pitchFamily="18" charset="0"/>
-              </a:rPr>
-              <a:t>, </a:t>
-            </a:r>
-            <a:r>
-              <a:rPr lang="ko-KR" altLang="ko-KR" sz="1200" kern="100" dirty="0">
-                <a:effectLst/>
-                <a:latin typeface="맑은 고딕" panose="020B0503020000020004" pitchFamily="50" charset="-127"/>
-                <a:ea typeface="맑은 고딕" panose="020B0503020000020004" pitchFamily="50" charset="-127"/>
-                <a:cs typeface="Times New Roman" panose="02020603050405020304" pitchFamily="18" charset="0"/>
-              </a:rPr>
-              <a:t>신호를 지나쳐서 지나간 열차가 충돌하지 않도록 이 구간을 비워두는 것이 필수적입니다</a:t>
-            </a:r>
-            <a:r>
-              <a:rPr lang="en-US" altLang="ko-KR" sz="1200" kern="100" dirty="0">
-                <a:effectLst/>
-                <a:latin typeface="맑은 고딕" panose="020B0503020000020004" pitchFamily="50" charset="-127"/>
-                <a:ea typeface="맑은 고딕" panose="020B0503020000020004" pitchFamily="50" charset="-127"/>
-                <a:cs typeface="Times New Roman" panose="02020603050405020304" pitchFamily="18" charset="0"/>
-              </a:rPr>
-              <a:t>.</a:t>
-            </a:r>
-            <a:endParaRPr lang="ko-KR" altLang="ko-KR" sz="1200" kern="100" dirty="0">
-              <a:effectLst/>
-              <a:latin typeface="맑은 고딕" panose="020B0503020000020004" pitchFamily="50" charset="-127"/>
-              <a:ea typeface="맑은 고딕" panose="020B0503020000020004" pitchFamily="50" charset="-127"/>
-              <a:cs typeface="Times New Roman" panose="02020603050405020304" pitchFamily="18" charset="0"/>
-            </a:endParaRPr>
+              <a:rPr lang="ko-KR" altLang="en-US" dirty="0"/>
+              <a:t>경로</a:t>
+            </a:r>
+            <a:r>
+              <a:rPr lang="en-US" altLang="ko-KR" dirty="0"/>
+              <a:t>(Routes)</a:t>
+            </a:r>
+          </a:p>
+        </p:txBody>
+      </p:sp>
+      <p:sp>
+        <p:nvSpPr>
+          <p:cNvPr id="3" name="TextBox 2">
+            <a:extLst>
+              <a:ext uri="{FF2B5EF4-FFF2-40B4-BE49-F238E27FC236}">
+                <a16:creationId xmlns:a16="http://schemas.microsoft.com/office/drawing/2014/main" id="{1BE74667-8A8A-6DA0-B3BB-EA4E23B43C51}"/>
+              </a:ext>
+            </a:extLst>
+          </p:cNvPr>
+          <p:cNvSpPr txBox="1"/>
+          <p:nvPr/>
+        </p:nvSpPr>
+        <p:spPr>
+          <a:xfrm>
+            <a:off x="9468464" y="137652"/>
+            <a:ext cx="2309405" cy="369332"/>
+          </a:xfrm>
+          <a:prstGeom prst="rect">
+            <a:avLst/>
+          </a:prstGeom>
+          <a:noFill/>
+        </p:spPr>
+        <p:txBody>
+          <a:bodyPr wrap="square">
+            <a:spAutoFit/>
+          </a:bodyPr>
+          <a:lstStyle/>
+          <a:p>
+            <a:pPr>
+              <a:buNone/>
+            </a:pPr>
+            <a:r>
+              <a:rPr lang="ko-KR" altLang="en-US"/>
+              <a:t>일반정의</a:t>
+            </a:r>
+            <a:r>
+              <a:rPr lang="en-US" altLang="ko-KR" dirty="0"/>
+              <a:t>/</a:t>
+            </a:r>
+            <a:r>
+              <a:rPr lang="ko-KR" altLang="en-US" dirty="0"/>
+              <a:t>경로정의</a:t>
+            </a:r>
+            <a:endParaRPr lang="en-US" altLang="ko-KR" dirty="0"/>
           </a:p>
         </p:txBody>
       </p:sp>
@@ -4257,7 +5569,7 @@
         </p:nvSpPr>
         <p:spPr>
           <a:xfrm>
-            <a:off x="540774" y="419505"/>
+            <a:off x="540774" y="576822"/>
             <a:ext cx="11434916" cy="2308324"/>
           </a:xfrm>
           <a:prstGeom prst="rect">
@@ -4588,7 +5900,7 @@
         </p:nvSpPr>
         <p:spPr>
           <a:xfrm>
-            <a:off x="540774" y="2997253"/>
+            <a:off x="540774" y="3154570"/>
             <a:ext cx="10658168" cy="1938992"/>
           </a:xfrm>
           <a:prstGeom prst="rect">
@@ -4781,7 +6093,7 @@
         </p:nvSpPr>
         <p:spPr>
           <a:xfrm>
-            <a:off x="540774" y="5205669"/>
+            <a:off x="540774" y="5362986"/>
             <a:ext cx="6096000" cy="1015663"/>
           </a:xfrm>
           <a:prstGeom prst="rect">
@@ -4867,6 +6179,87 @@
               <a:rPr lang="en-US" altLang="ko-KR" sz="1200" dirty="0"/>
               <a:t>(Stop sign)</a:t>
             </a:r>
+          </a:p>
+        </p:txBody>
+      </p:sp>
+      <p:sp>
+        <p:nvSpPr>
+          <p:cNvPr id="2" name="TextBox 1">
+            <a:extLst>
+              <a:ext uri="{FF2B5EF4-FFF2-40B4-BE49-F238E27FC236}">
+                <a16:creationId xmlns:a16="http://schemas.microsoft.com/office/drawing/2014/main" id="{C7710999-406F-8FC6-693F-EE3E268C50DC}"/>
+              </a:ext>
+            </a:extLst>
+          </p:cNvPr>
+          <p:cNvSpPr txBox="1"/>
+          <p:nvPr/>
+        </p:nvSpPr>
+        <p:spPr>
+          <a:xfrm>
+            <a:off x="491613" y="137652"/>
+            <a:ext cx="4050890" cy="369332"/>
+          </a:xfrm>
+          <a:prstGeom prst="rect">
+            <a:avLst/>
+          </a:prstGeom>
+          <a:noFill/>
+        </p:spPr>
+        <p:txBody>
+          <a:bodyPr wrap="square" rtlCol="0">
+            <a:spAutoFit/>
+          </a:bodyPr>
+          <a:lstStyle/>
+          <a:p>
+            <a:pPr>
+              <a:buNone/>
+            </a:pPr>
+            <a:r>
+              <a:rPr lang="ko-KR" altLang="en-US" dirty="0"/>
+              <a:t>경로</a:t>
+            </a:r>
+            <a:r>
+              <a:rPr lang="en-US" altLang="ko-KR" dirty="0"/>
+              <a:t>(Routes)</a:t>
+            </a:r>
+          </a:p>
+        </p:txBody>
+      </p:sp>
+      <p:sp>
+        <p:nvSpPr>
+          <p:cNvPr id="3" name="TextBox 2">
+            <a:extLst>
+              <a:ext uri="{FF2B5EF4-FFF2-40B4-BE49-F238E27FC236}">
+                <a16:creationId xmlns:a16="http://schemas.microsoft.com/office/drawing/2014/main" id="{36159923-629E-4B37-4877-036A5FDB0D80}"/>
+              </a:ext>
+            </a:extLst>
+          </p:cNvPr>
+          <p:cNvSpPr txBox="1"/>
+          <p:nvPr/>
+        </p:nvSpPr>
+        <p:spPr>
+          <a:xfrm>
+            <a:off x="10028902" y="137652"/>
+            <a:ext cx="1671485" cy="369332"/>
+          </a:xfrm>
+          <a:prstGeom prst="rect">
+            <a:avLst/>
+          </a:prstGeom>
+          <a:noFill/>
+        </p:spPr>
+        <p:txBody>
+          <a:bodyPr wrap="square">
+            <a:spAutoFit/>
+          </a:bodyPr>
+          <a:lstStyle/>
+          <a:p>
+            <a:pPr>
+              <a:buNone/>
+            </a:pPr>
+            <a:r>
+              <a:rPr lang="ko-KR" altLang="en-US" dirty="0"/>
+              <a:t>경로의 정의</a:t>
+            </a:r>
+            <a:endParaRPr lang="en-US" altLang="ko-KR" dirty="0"/>
           </a:p>
         </p:txBody>
       </p:sp>
@@ -5087,6 +6480,91 @@
           </a:p>
         </p:txBody>
       </p:sp>
+      <p:sp>
+        <p:nvSpPr>
+          <p:cNvPr id="2" name="TextBox 1">
+            <a:extLst>
+              <a:ext uri="{FF2B5EF4-FFF2-40B4-BE49-F238E27FC236}">
+                <a16:creationId xmlns:a16="http://schemas.microsoft.com/office/drawing/2014/main" id="{6700D0A6-DC1B-F7DE-F9AA-ADBFDEE3D2C9}"/>
+              </a:ext>
+            </a:extLst>
+          </p:cNvPr>
+          <p:cNvSpPr txBox="1"/>
+          <p:nvPr/>
+        </p:nvSpPr>
+        <p:spPr>
+          <a:xfrm>
+            <a:off x="491613" y="137652"/>
+            <a:ext cx="4050890" cy="369332"/>
+          </a:xfrm>
+          <a:prstGeom prst="rect">
+            <a:avLst/>
+          </a:prstGeom>
+          <a:noFill/>
+        </p:spPr>
+        <p:txBody>
+          <a:bodyPr wrap="square" rtlCol="0">
+            <a:spAutoFit/>
+          </a:bodyPr>
+          <a:lstStyle/>
+          <a:p>
+            <a:pPr>
+              <a:buNone/>
+            </a:pPr>
+            <a:r>
+              <a:rPr lang="ko-KR" altLang="en-US" dirty="0"/>
+              <a:t>경로</a:t>
+            </a:r>
+            <a:r>
+              <a:rPr lang="en-US" altLang="ko-KR" dirty="0"/>
+              <a:t>(Routes)</a:t>
+            </a:r>
+          </a:p>
+        </p:txBody>
+      </p:sp>
+      <p:sp>
+        <p:nvSpPr>
+          <p:cNvPr id="3" name="TextBox 2">
+            <a:extLst>
+              <a:ext uri="{FF2B5EF4-FFF2-40B4-BE49-F238E27FC236}">
+                <a16:creationId xmlns:a16="http://schemas.microsoft.com/office/drawing/2014/main" id="{87465D23-4175-CD0C-C6FA-ECFC618DAF09}"/>
+              </a:ext>
+            </a:extLst>
+          </p:cNvPr>
+          <p:cNvSpPr txBox="1"/>
+          <p:nvPr/>
+        </p:nvSpPr>
+        <p:spPr>
+          <a:xfrm>
+            <a:off x="9684774" y="137652"/>
+            <a:ext cx="2015613" cy="369332"/>
+          </a:xfrm>
+          <a:prstGeom prst="rect">
+            <a:avLst/>
+          </a:prstGeom>
+          <a:noFill/>
+        </p:spPr>
+        <p:txBody>
+          <a:bodyPr wrap="square">
+            <a:spAutoFit/>
+          </a:bodyPr>
+          <a:lstStyle/>
+          <a:p>
+            <a:pPr>
+              <a:buNone/>
+            </a:pPr>
+            <a:r>
+              <a:rPr lang="en-US" altLang="ko-KR" dirty="0"/>
+              <a:t>2.2 </a:t>
+            </a:r>
+            <a:r>
+              <a:rPr lang="ko-KR" altLang="en-US" dirty="0"/>
+              <a:t>경로의 정의</a:t>
+            </a:r>
+            <a:endParaRPr lang="en-US" altLang="ko-KR" dirty="0"/>
+          </a:p>
+        </p:txBody>
+      </p:sp>
     </p:spTree>
     <p:extLst>
       <p:ext uri="{BB962C8B-B14F-4D97-AF65-F5344CB8AC3E}">
@@ -5268,6 +6746,91 @@
           </a:p>
         </p:txBody>
       </p:sp>
+      <p:sp>
+        <p:nvSpPr>
+          <p:cNvPr id="2" name="TextBox 1">
+            <a:extLst>
+              <a:ext uri="{FF2B5EF4-FFF2-40B4-BE49-F238E27FC236}">
+                <a16:creationId xmlns:a16="http://schemas.microsoft.com/office/drawing/2014/main" id="{54F21B95-34C1-5ACD-8434-260A6D6818D6}"/>
+              </a:ext>
+            </a:extLst>
+          </p:cNvPr>
+          <p:cNvSpPr txBox="1"/>
+          <p:nvPr/>
+        </p:nvSpPr>
+        <p:spPr>
+          <a:xfrm>
+            <a:off x="491613" y="137652"/>
+            <a:ext cx="4050890" cy="369332"/>
+          </a:xfrm>
+          <a:prstGeom prst="rect">
+            <a:avLst/>
+          </a:prstGeom>
+          <a:noFill/>
+        </p:spPr>
+        <p:txBody>
+          <a:bodyPr wrap="square" rtlCol="0">
+            <a:spAutoFit/>
+          </a:bodyPr>
+          <a:lstStyle/>
+          <a:p>
+            <a:pPr>
+              <a:buNone/>
+            </a:pPr>
+            <a:r>
+              <a:rPr lang="ko-KR" altLang="en-US" dirty="0"/>
+              <a:t>경로</a:t>
+            </a:r>
+            <a:r>
+              <a:rPr lang="en-US" altLang="ko-KR" dirty="0"/>
+              <a:t>(Routes)</a:t>
+            </a:r>
+          </a:p>
+        </p:txBody>
+      </p:sp>
+      <p:sp>
+        <p:nvSpPr>
+          <p:cNvPr id="3" name="TextBox 2">
+            <a:extLst>
+              <a:ext uri="{FF2B5EF4-FFF2-40B4-BE49-F238E27FC236}">
+                <a16:creationId xmlns:a16="http://schemas.microsoft.com/office/drawing/2014/main" id="{1C99EEA4-556C-F0DB-3F06-0A7EDAE64936}"/>
+              </a:ext>
+            </a:extLst>
+          </p:cNvPr>
+          <p:cNvSpPr txBox="1"/>
+          <p:nvPr/>
+        </p:nvSpPr>
+        <p:spPr>
+          <a:xfrm>
+            <a:off x="9615948" y="137652"/>
+            <a:ext cx="2084439" cy="369332"/>
+          </a:xfrm>
+          <a:prstGeom prst="rect">
+            <a:avLst/>
+          </a:prstGeom>
+          <a:noFill/>
+        </p:spPr>
+        <p:txBody>
+          <a:bodyPr wrap="square">
+            <a:spAutoFit/>
+          </a:bodyPr>
+          <a:lstStyle/>
+          <a:p>
+            <a:pPr>
+              <a:buNone/>
+            </a:pPr>
+            <a:r>
+              <a:rPr lang="en-US" altLang="ko-KR" dirty="0"/>
+              <a:t>2.2 </a:t>
+            </a:r>
+            <a:r>
+              <a:rPr lang="ko-KR" altLang="en-US" dirty="0"/>
+              <a:t>경로의 정의</a:t>
+            </a:r>
+            <a:endParaRPr lang="en-US" altLang="ko-KR" dirty="0"/>
+          </a:p>
+        </p:txBody>
+      </p:sp>
     </p:spTree>
     <p:extLst>
       <p:ext uri="{BB962C8B-B14F-4D97-AF65-F5344CB8AC3E}">
@@ -5312,8 +6875,8 @@
         </p:nvSpPr>
         <p:spPr>
           <a:xfrm>
-            <a:off x="275301" y="156412"/>
-            <a:ext cx="11749549" cy="4708981"/>
+            <a:off x="221225" y="618529"/>
+            <a:ext cx="11749549" cy="6124754"/>
           </a:xfrm>
           <a:prstGeom prst="rect">
             <a:avLst/>
@@ -5330,65 +6893,97 @@
               <a:buNone/>
             </a:pPr>
             <a:r>
-              <a:rPr lang="en-US" altLang="ko-KR" sz="1200" b="1" dirty="0"/>
+              <a:rPr lang="en-US" altLang="ko-KR" sz="1400" dirty="0">
+                <a:latin typeface="+mj-lt"/>
+              </a:rPr>
               <a:t>2.3 </a:t>
             </a:r>
             <a:r>
-              <a:rPr lang="ko-KR" altLang="en-US" sz="1200" b="1" dirty="0"/>
+              <a:rPr lang="ko-KR" altLang="en-US" sz="1400" dirty="0">
+                <a:latin typeface="+mj-lt"/>
+              </a:rPr>
               <a:t>경로 생애 주기 </a:t>
             </a:r>
             <a:r>
-              <a:rPr lang="en-US" altLang="ko-KR" sz="1200" b="1" dirty="0"/>
+              <a:rPr lang="en-US" altLang="ko-KR" sz="1400" dirty="0">
+                <a:latin typeface="+mj-lt"/>
+              </a:rPr>
               <a:t>(Route Life Cycle)</a:t>
             </a:r>
             <a:br>
-              <a:rPr lang="ko-KR" altLang="en-US" sz="1200" dirty="0"/>
+              <a:rPr lang="ko-KR" altLang="en-US" sz="1400" dirty="0">
+                <a:latin typeface="+mj-lt"/>
+              </a:rPr>
             </a:br>
             <a:r>
-              <a:rPr lang="ko-KR" altLang="en-US" sz="1200" dirty="0"/>
+              <a:rPr lang="ko-KR" altLang="en-US" sz="1400" dirty="0">
+                <a:latin typeface="+mj-lt"/>
+              </a:rPr>
               <a:t>경로 설정은 이동 가능한 선로 요소를 경로에 할당하고</a:t>
             </a:r>
             <a:r>
-              <a:rPr lang="en-US" altLang="ko-KR" sz="1200" dirty="0"/>
+              <a:rPr lang="en-US" altLang="ko-KR" sz="1400" dirty="0">
+                <a:latin typeface="+mj-lt"/>
+              </a:rPr>
               <a:t>, </a:t>
             </a:r>
             <a:r>
-              <a:rPr lang="ko-KR" altLang="en-US" sz="1200" dirty="0"/>
+              <a:rPr lang="ko-KR" altLang="en-US" sz="1400" dirty="0">
+                <a:latin typeface="+mj-lt"/>
+              </a:rPr>
               <a:t>위치 지정하며</a:t>
             </a:r>
             <a:r>
-              <a:rPr lang="en-US" altLang="ko-KR" sz="1200" dirty="0"/>
+              <a:rPr lang="en-US" altLang="ko-KR" sz="1400" dirty="0">
+                <a:latin typeface="+mj-lt"/>
+              </a:rPr>
               <a:t>, </a:t>
             </a:r>
             <a:r>
-              <a:rPr lang="ko-KR" altLang="en-US" sz="1200" dirty="0" err="1"/>
+              <a:rPr lang="ko-KR" altLang="en-US" sz="1400" dirty="0" err="1">
+                <a:latin typeface="+mj-lt"/>
+              </a:rPr>
               <a:t>잠금하는</a:t>
             </a:r>
             <a:r>
-              <a:rPr lang="ko-KR" altLang="en-US" sz="1200" dirty="0"/>
+              <a:rPr lang="ko-KR" altLang="en-US" sz="1400" dirty="0">
+                <a:latin typeface="+mj-lt"/>
+              </a:rPr>
               <a:t> </a:t>
             </a:r>
             <a:r>
-              <a:rPr lang="ko-KR" altLang="en-US" sz="1200" dirty="0" err="1"/>
+              <a:rPr lang="ko-KR" altLang="en-US" sz="1400" dirty="0" err="1">
+                <a:latin typeface="+mj-lt"/>
+              </a:rPr>
               <a:t>상호잠금</a:t>
             </a:r>
             <a:r>
-              <a:rPr lang="ko-KR" altLang="en-US" sz="1200" dirty="0"/>
+              <a:rPr lang="ko-KR" altLang="en-US" sz="1400" dirty="0">
+                <a:latin typeface="+mj-lt"/>
+              </a:rPr>
               <a:t> 시스템 프로세스입니다</a:t>
             </a:r>
             <a:r>
-              <a:rPr lang="en-US" altLang="ko-KR" sz="1200" dirty="0"/>
+              <a:rPr lang="en-US" altLang="ko-KR" sz="1400" dirty="0">
+                <a:latin typeface="+mj-lt"/>
+              </a:rPr>
               <a:t>.</a:t>
             </a:r>
             <a:br>
-              <a:rPr lang="en-US" altLang="ko-KR" sz="1200" dirty="0"/>
+              <a:rPr lang="en-US" altLang="ko-KR" sz="1400" dirty="0">
+                <a:latin typeface="+mj-lt"/>
+              </a:rPr>
             </a:br>
             <a:r>
-              <a:rPr lang="ko-KR" altLang="en-US" sz="1200" dirty="0"/>
+              <a:rPr lang="ko-KR" altLang="en-US" sz="1400" dirty="0">
+                <a:latin typeface="+mj-lt"/>
+              </a:rPr>
               <a:t>경로는 다음과 같이 간주됩니다</a:t>
             </a:r>
             <a:r>
-              <a:rPr lang="en-US" altLang="ko-KR" sz="1200" dirty="0"/>
+              <a:rPr lang="en-US" altLang="ko-KR" sz="1400" dirty="0">
+                <a:latin typeface="+mj-lt"/>
+              </a:rPr>
               <a:t>:</a:t>
             </a:r>
           </a:p>
@@ -5398,31 +6993,39 @@
               <a:buChar char="•"/>
             </a:pPr>
             <a:r>
-              <a:rPr lang="en-US" altLang="ko-KR" sz="1200" b="1" dirty="0"/>
+              <a:rPr lang="en-US" altLang="ko-KR" sz="1400" dirty="0">
+                <a:latin typeface="+mj-lt"/>
+              </a:rPr>
               <a:t>'</a:t>
             </a:r>
             <a:r>
-              <a:rPr lang="ko-KR" altLang="en-US" sz="1200" b="1" dirty="0"/>
+              <a:rPr lang="ko-KR" altLang="en-US" sz="1400" dirty="0">
+                <a:latin typeface="+mj-lt"/>
+              </a:rPr>
               <a:t>요청됨</a:t>
             </a:r>
             <a:r>
-              <a:rPr lang="en-US" altLang="ko-KR" sz="1200" b="1" dirty="0"/>
-              <a:t>(requested)'</a:t>
-            </a:r>
-            <a:r>
-              <a:rPr lang="en-US" altLang="ko-KR" sz="1200" dirty="0"/>
-              <a:t>: </a:t>
-            </a:r>
-            <a:r>
-              <a:rPr lang="ko-KR" altLang="en-US" sz="1200" dirty="0"/>
+              <a:rPr lang="en-US" altLang="ko-KR" sz="1400" dirty="0">
+                <a:latin typeface="+mj-lt"/>
+              </a:rPr>
+              <a:t>(requested)': </a:t>
+            </a:r>
+            <a:r>
+              <a:rPr lang="ko-KR" altLang="en-US" sz="1400" dirty="0">
+                <a:latin typeface="+mj-lt"/>
+              </a:rPr>
               <a:t>경로 요청이 </a:t>
             </a:r>
             <a:r>
-              <a:rPr lang="ko-KR" altLang="en-US" sz="1200" dirty="0" err="1"/>
+              <a:rPr lang="ko-KR" altLang="en-US" sz="1400" dirty="0" err="1">
+                <a:latin typeface="+mj-lt"/>
+              </a:rPr>
               <a:t>상호잠금</a:t>
             </a:r>
             <a:r>
-              <a:rPr lang="ko-KR" altLang="en-US" sz="1200" dirty="0"/>
+              <a:rPr lang="ko-KR" altLang="en-US" sz="1400" dirty="0">
+                <a:latin typeface="+mj-lt"/>
+              </a:rPr>
               <a:t> 시스템에 의해 수신된 경우</a:t>
             </a:r>
           </a:p>
@@ -5432,23 +7035,27 @@
               <a:buChar char="•"/>
             </a:pPr>
             <a:r>
-              <a:rPr lang="en-US" altLang="ko-KR" sz="1200" b="1" dirty="0"/>
+              <a:rPr lang="en-US" altLang="ko-KR" sz="1400" dirty="0">
+                <a:latin typeface="+mj-lt"/>
+              </a:rPr>
               <a:t>'</a:t>
             </a:r>
             <a:r>
-              <a:rPr lang="ko-KR" altLang="en-US" sz="1200" b="1" dirty="0"/>
+              <a:rPr lang="ko-KR" altLang="en-US" sz="1400" dirty="0">
+                <a:latin typeface="+mj-lt"/>
+              </a:rPr>
               <a:t>거부됨</a:t>
             </a:r>
             <a:r>
-              <a:rPr lang="en-US" altLang="ko-KR" sz="1200" b="1" dirty="0"/>
-              <a:t>(rejected)'</a:t>
-            </a:r>
-            <a:r>
-              <a:rPr lang="en-US" altLang="ko-KR" sz="1200" dirty="0"/>
-              <a:t>: </a:t>
-            </a:r>
-            <a:r>
-              <a:rPr lang="ko-KR" altLang="en-US" sz="1200" dirty="0"/>
+              <a:rPr lang="en-US" altLang="ko-KR" sz="1400" dirty="0">
+                <a:latin typeface="+mj-lt"/>
+              </a:rPr>
+              <a:t>(rejected)': </a:t>
+            </a:r>
+            <a:r>
+              <a:rPr lang="ko-KR" altLang="en-US" sz="1400" dirty="0">
+                <a:latin typeface="+mj-lt"/>
+              </a:rPr>
               <a:t>경로 설정 조건이 충족되지 않아서 경로가 설정되지 않은 경우</a:t>
             </a:r>
           </a:p>
@@ -5458,35 +7065,45 @@
               <a:buChar char="•"/>
             </a:pPr>
             <a:r>
-              <a:rPr lang="en-US" altLang="ko-KR" sz="1200" b="1" dirty="0"/>
+              <a:rPr lang="en-US" altLang="ko-KR" sz="1400" dirty="0">
+                <a:latin typeface="+mj-lt"/>
+              </a:rPr>
               <a:t>'</a:t>
             </a:r>
             <a:r>
-              <a:rPr lang="ko-KR" altLang="en-US" sz="1200" b="1" dirty="0"/>
+              <a:rPr lang="ko-KR" altLang="en-US" sz="1400" dirty="0">
+                <a:latin typeface="+mj-lt"/>
+              </a:rPr>
               <a:t>준비됨</a:t>
             </a:r>
             <a:r>
-              <a:rPr lang="en-US" altLang="ko-KR" sz="1200" b="1" dirty="0"/>
-              <a:t>(prepared)'</a:t>
-            </a:r>
-            <a:r>
-              <a:rPr lang="en-US" altLang="ko-KR" sz="1200" dirty="0"/>
-              <a:t>: </a:t>
-            </a:r>
-            <a:r>
-              <a:rPr lang="ko-KR" altLang="en-US" sz="1200" dirty="0"/>
+              <a:rPr lang="en-US" altLang="ko-KR" sz="1400" dirty="0">
+                <a:latin typeface="+mj-lt"/>
+              </a:rPr>
+              <a:t>(prepared)': </a:t>
+            </a:r>
+            <a:r>
+              <a:rPr lang="ko-KR" altLang="en-US" sz="1400" dirty="0">
+                <a:latin typeface="+mj-lt"/>
+              </a:rPr>
               <a:t>경로가 요청되었으나 요청 시 모든 경로 객체가 사용 가능하지 않은 경우 </a:t>
             </a:r>
             <a:r>
-              <a:rPr lang="en-US" altLang="ko-KR" sz="1200" dirty="0"/>
+              <a:rPr lang="en-US" altLang="ko-KR" sz="1400" dirty="0">
+                <a:latin typeface="+mj-lt"/>
+              </a:rPr>
               <a:t>(</a:t>
             </a:r>
             <a:r>
-              <a:rPr lang="ko-KR" altLang="en-US" sz="1200" dirty="0"/>
+              <a:rPr lang="ko-KR" altLang="en-US" sz="1400" dirty="0">
+                <a:latin typeface="+mj-lt"/>
+              </a:rPr>
               <a:t>경로 준비는 경로 요소의 전환 시간을 줄여 운영 최적화를 보장합니다</a:t>
             </a:r>
             <a:r>
-              <a:rPr lang="en-US" altLang="ko-KR" sz="1200" dirty="0"/>
+              <a:rPr lang="en-US" altLang="ko-KR" sz="1400" dirty="0">
+                <a:latin typeface="+mj-lt"/>
+              </a:rPr>
               <a:t>)</a:t>
             </a:r>
           </a:p>
@@ -5496,31 +7113,39 @@
               <a:buChar char="•"/>
             </a:pPr>
             <a:r>
-              <a:rPr lang="en-US" altLang="ko-KR" sz="1200" b="1" dirty="0"/>
+              <a:rPr lang="en-US" altLang="ko-KR" sz="1400" dirty="0">
+                <a:latin typeface="+mj-lt"/>
+              </a:rPr>
               <a:t>'</a:t>
             </a:r>
             <a:r>
-              <a:rPr lang="ko-KR" altLang="en-US" sz="1200" b="1" dirty="0"/>
+              <a:rPr lang="ko-KR" altLang="en-US" sz="1400" dirty="0">
+                <a:latin typeface="+mj-lt"/>
+              </a:rPr>
               <a:t>시작됨</a:t>
             </a:r>
             <a:r>
-              <a:rPr lang="en-US" altLang="ko-KR" sz="1200" b="1" dirty="0"/>
-              <a:t>(initiated)'</a:t>
-            </a:r>
-            <a:r>
-              <a:rPr lang="en-US" altLang="ko-KR" sz="1200" dirty="0"/>
-              <a:t>: </a:t>
-            </a:r>
-            <a:r>
-              <a:rPr lang="ko-KR" altLang="en-US" sz="1200" dirty="0"/>
+              <a:rPr lang="en-US" altLang="ko-KR" sz="1400" dirty="0">
+                <a:latin typeface="+mj-lt"/>
+              </a:rPr>
+              <a:t>(initiated)': </a:t>
+            </a:r>
+            <a:r>
+              <a:rPr lang="ko-KR" altLang="en-US" sz="1400" dirty="0">
+                <a:latin typeface="+mj-lt"/>
+              </a:rPr>
               <a:t>경로 요청이 수락되었지만 경로가 </a:t>
             </a:r>
             <a:r>
-              <a:rPr lang="ko-KR" altLang="en-US" sz="1200" dirty="0" err="1"/>
+              <a:rPr lang="ko-KR" altLang="en-US" sz="1400" dirty="0" err="1">
+                <a:latin typeface="+mj-lt"/>
+              </a:rPr>
               <a:t>잠금될</a:t>
             </a:r>
             <a:r>
-              <a:rPr lang="ko-KR" altLang="en-US" sz="1200" dirty="0"/>
+              <a:rPr lang="ko-KR" altLang="en-US" sz="1400" dirty="0">
+                <a:latin typeface="+mj-lt"/>
+              </a:rPr>
               <a:t> 때까지</a:t>
             </a:r>
           </a:p>
@@ -5530,31 +7155,39 @@
               <a:buChar char="•"/>
             </a:pPr>
             <a:r>
-              <a:rPr lang="en-US" altLang="ko-KR" sz="1200" b="1" dirty="0"/>
+              <a:rPr lang="en-US" altLang="ko-KR" sz="1400" dirty="0">
+                <a:latin typeface="+mj-lt"/>
+              </a:rPr>
               <a:t>'</a:t>
             </a:r>
             <a:r>
-              <a:rPr lang="ko-KR" altLang="en-US" sz="1200" b="1" dirty="0" err="1"/>
+              <a:rPr lang="ko-KR" altLang="en-US" sz="1400" dirty="0" err="1">
+                <a:latin typeface="+mj-lt"/>
+              </a:rPr>
               <a:t>잠금됨</a:t>
             </a:r>
             <a:r>
-              <a:rPr lang="en-US" altLang="ko-KR" sz="1200" b="1" dirty="0"/>
-              <a:t>(locked)'</a:t>
-            </a:r>
-            <a:r>
-              <a:rPr lang="en-US" altLang="ko-KR" sz="1200" dirty="0"/>
-              <a:t>: </a:t>
-            </a:r>
-            <a:r>
-              <a:rPr lang="ko-KR" altLang="en-US" sz="1200" dirty="0"/>
+              <a:rPr lang="en-US" altLang="ko-KR" sz="1400" dirty="0">
+                <a:latin typeface="+mj-lt"/>
+              </a:rPr>
+              <a:t>(locked)': </a:t>
+            </a:r>
+            <a:r>
+              <a:rPr lang="ko-KR" altLang="en-US" sz="1400" dirty="0">
+                <a:latin typeface="+mj-lt"/>
+              </a:rPr>
               <a:t>경로에 필요한 모든 요소가 </a:t>
             </a:r>
             <a:r>
-              <a:rPr lang="ko-KR" altLang="en-US" sz="1200" dirty="0" err="1"/>
+              <a:rPr lang="ko-KR" altLang="en-US" sz="1400" dirty="0" err="1">
+                <a:latin typeface="+mj-lt"/>
+              </a:rPr>
               <a:t>잠금된</a:t>
             </a:r>
             <a:r>
-              <a:rPr lang="ko-KR" altLang="en-US" sz="1200" dirty="0"/>
+              <a:rPr lang="ko-KR" altLang="en-US" sz="1400" dirty="0">
+                <a:latin typeface="+mj-lt"/>
+              </a:rPr>
               <a:t> 경우</a:t>
             </a:r>
           </a:p>
@@ -5563,11 +7196,15 @@
               <a:buNone/>
             </a:pPr>
             <a:r>
-              <a:rPr lang="ko-KR" altLang="en-US" sz="1200" dirty="0"/>
+              <a:rPr lang="ko-KR" altLang="en-US" sz="1400" dirty="0">
+                <a:latin typeface="+mj-lt"/>
+              </a:rPr>
               <a:t>요소는 다음과 같이 간주됩니다</a:t>
             </a:r>
             <a:r>
-              <a:rPr lang="en-US" altLang="ko-KR" sz="1200" dirty="0"/>
+              <a:rPr lang="en-US" altLang="ko-KR" sz="1400" dirty="0">
+                <a:latin typeface="+mj-lt"/>
+              </a:rPr>
               <a:t>:</a:t>
             </a:r>
           </a:p>
@@ -5577,55 +7214,75 @@
               <a:buChar char="•"/>
             </a:pPr>
             <a:r>
-              <a:rPr lang="en-US" altLang="ko-KR" sz="1200" b="1" dirty="0"/>
+              <a:rPr lang="en-US" altLang="ko-KR" sz="1400" dirty="0">
+                <a:latin typeface="+mj-lt"/>
+              </a:rPr>
               <a:t>'</a:t>
             </a:r>
             <a:r>
-              <a:rPr lang="ko-KR" altLang="en-US" sz="1200" b="1" dirty="0"/>
+              <a:rPr lang="ko-KR" altLang="en-US" sz="1400" dirty="0">
+                <a:latin typeface="+mj-lt"/>
+              </a:rPr>
               <a:t>사용됨</a:t>
             </a:r>
             <a:r>
-              <a:rPr lang="en-US" altLang="ko-KR" sz="1200" b="1" dirty="0"/>
-              <a:t>(used)'</a:t>
-            </a:r>
-            <a:r>
-              <a:rPr lang="en-US" altLang="ko-KR" sz="1200" dirty="0"/>
-              <a:t>: </a:t>
-            </a:r>
-            <a:r>
-              <a:rPr lang="ko-KR" altLang="en-US" sz="1200" dirty="0"/>
+              <a:rPr lang="en-US" altLang="ko-KR" sz="1400" dirty="0">
+                <a:latin typeface="+mj-lt"/>
+              </a:rPr>
+              <a:t>(used)': </a:t>
+            </a:r>
+            <a:r>
+              <a:rPr lang="ko-KR" altLang="en-US" sz="1400" dirty="0">
+                <a:latin typeface="+mj-lt"/>
+              </a:rPr>
               <a:t>요소가 </a:t>
             </a:r>
             <a:r>
-              <a:rPr lang="en-US" altLang="ko-KR" sz="1200" dirty="0"/>
+              <a:rPr lang="en-US" altLang="ko-KR" sz="1400" dirty="0">
+                <a:latin typeface="+mj-lt"/>
+              </a:rPr>
               <a:t>'</a:t>
             </a:r>
             <a:r>
-              <a:rPr lang="ko-KR" altLang="en-US" sz="1200" dirty="0"/>
+              <a:rPr lang="ko-KR" altLang="en-US" sz="1400" dirty="0">
+                <a:latin typeface="+mj-lt"/>
+              </a:rPr>
               <a:t>시작됨</a:t>
             </a:r>
             <a:r>
-              <a:rPr lang="en-US" altLang="ko-KR" sz="1200" dirty="0"/>
+              <a:rPr lang="en-US" altLang="ko-KR" sz="1400" dirty="0">
+                <a:latin typeface="+mj-lt"/>
+              </a:rPr>
               <a:t>' </a:t>
             </a:r>
             <a:r>
-              <a:rPr lang="ko-KR" altLang="en-US" sz="1200" dirty="0"/>
+              <a:rPr lang="ko-KR" altLang="en-US" sz="1400" dirty="0">
+                <a:latin typeface="+mj-lt"/>
+              </a:rPr>
               <a:t>또는 </a:t>
             </a:r>
             <a:r>
-              <a:rPr lang="en-US" altLang="ko-KR" sz="1200" dirty="0"/>
+              <a:rPr lang="en-US" altLang="ko-KR" sz="1400" dirty="0">
+                <a:latin typeface="+mj-lt"/>
+              </a:rPr>
               <a:t>'</a:t>
             </a:r>
             <a:r>
-              <a:rPr lang="ko-KR" altLang="en-US" sz="1200" dirty="0" err="1"/>
+              <a:rPr lang="ko-KR" altLang="en-US" sz="1400" dirty="0" err="1">
+                <a:latin typeface="+mj-lt"/>
+              </a:rPr>
               <a:t>잠금됨</a:t>
             </a:r>
             <a:r>
-              <a:rPr lang="en-US" altLang="ko-KR" sz="1200" dirty="0"/>
+              <a:rPr lang="en-US" altLang="ko-KR" sz="1400" dirty="0">
+                <a:latin typeface="+mj-lt"/>
+              </a:rPr>
               <a:t>' </a:t>
             </a:r>
             <a:r>
-              <a:rPr lang="ko-KR" altLang="en-US" sz="1200" dirty="0"/>
+              <a:rPr lang="ko-KR" altLang="en-US" sz="1400" dirty="0">
+                <a:latin typeface="+mj-lt"/>
+              </a:rPr>
               <a:t>상태의 경로의 일부인 경우</a:t>
             </a:r>
           </a:p>
@@ -5635,48 +7292,418 @@
               <a:buChar char="•"/>
             </a:pPr>
             <a:r>
-              <a:rPr lang="en-US" altLang="ko-KR" sz="1200" b="1" dirty="0"/>
+              <a:rPr lang="en-US" altLang="ko-KR" sz="1400" dirty="0">
+                <a:latin typeface="+mj-lt"/>
+              </a:rPr>
               <a:t>'</a:t>
             </a:r>
             <a:r>
-              <a:rPr lang="ko-KR" altLang="en-US" sz="1200" b="1" dirty="0" err="1"/>
+              <a:rPr lang="ko-KR" altLang="en-US" sz="1400" dirty="0" err="1">
+                <a:latin typeface="+mj-lt"/>
+              </a:rPr>
               <a:t>잠금됨</a:t>
             </a:r>
             <a:r>
-              <a:rPr lang="en-US" altLang="ko-KR" sz="1200" b="1" dirty="0"/>
-              <a:t>(locked)'</a:t>
-            </a:r>
-            <a:r>
-              <a:rPr lang="en-US" altLang="ko-KR" sz="1200" dirty="0"/>
+              <a:rPr lang="en-US" altLang="ko-KR" sz="1400" dirty="0">
+                <a:latin typeface="+mj-lt"/>
+              </a:rPr>
+              <a:t>(locked)': </a:t>
+            </a:r>
+            <a:r>
+              <a:rPr lang="ko-KR" altLang="en-US" sz="1400" dirty="0">
+                <a:latin typeface="+mj-lt"/>
+              </a:rPr>
+              <a:t>경로가 해당 요소를 </a:t>
+            </a:r>
+            <a:r>
+              <a:rPr lang="ko-KR" altLang="en-US" sz="1400" dirty="0" err="1">
+                <a:latin typeface="+mj-lt"/>
+              </a:rPr>
+              <a:t>잠금해야</a:t>
+            </a:r>
+            <a:r>
+              <a:rPr lang="ko-KR" altLang="en-US" sz="1400" dirty="0">
+                <a:latin typeface="+mj-lt"/>
+              </a:rPr>
+              <a:t> 하며</a:t>
+            </a:r>
+            <a:r>
+              <a:rPr lang="en-US" altLang="ko-KR" sz="1400" dirty="0">
+                <a:latin typeface="+mj-lt"/>
+              </a:rPr>
+              <a:t>, </a:t>
+            </a:r>
+            <a:r>
+              <a:rPr lang="ko-KR" altLang="en-US" sz="1400" dirty="0">
+                <a:latin typeface="+mj-lt"/>
+              </a:rPr>
+              <a:t>요소가 </a:t>
+            </a:r>
+            <a:r>
+              <a:rPr lang="ko-KR" altLang="en-US" sz="1400" dirty="0" err="1">
+                <a:latin typeface="+mj-lt"/>
+              </a:rPr>
+              <a:t>잠금된</a:t>
+            </a:r>
+            <a:r>
+              <a:rPr lang="ko-KR" altLang="en-US" sz="1400" dirty="0">
+                <a:latin typeface="+mj-lt"/>
+              </a:rPr>
+              <a:t> 경우</a:t>
+            </a:r>
+          </a:p>
+          <a:p>
+            <a:pPr>
+              <a:buNone/>
+            </a:pPr>
+            <a:r>
+              <a:rPr lang="ko-KR" altLang="en-US" sz="1400" dirty="0">
+                <a:latin typeface="+mj-lt"/>
+              </a:rPr>
+              <a:t>요소는 **</a:t>
+            </a:r>
+            <a:r>
+              <a:rPr lang="en-US" altLang="ko-KR" sz="1400" dirty="0">
+                <a:latin typeface="+mj-lt"/>
+              </a:rPr>
+              <a:t>'</a:t>
+            </a:r>
+            <a:r>
+              <a:rPr lang="ko-KR" altLang="en-US" sz="1400" dirty="0">
+                <a:latin typeface="+mj-lt"/>
+              </a:rPr>
+              <a:t>경로 요소</a:t>
+            </a:r>
+            <a:r>
+              <a:rPr lang="en-US" altLang="ko-KR" sz="1400" dirty="0">
+                <a:latin typeface="+mj-lt"/>
+              </a:rPr>
+              <a:t>(route element)'**</a:t>
+            </a:r>
+            <a:r>
+              <a:rPr lang="ko-KR" altLang="en-US" sz="1400" dirty="0">
+                <a:latin typeface="+mj-lt"/>
+              </a:rPr>
+              <a:t>로 간주되기 위해서만 </a:t>
+            </a:r>
+            <a:r>
+              <a:rPr lang="en-US" altLang="ko-KR" sz="1400" dirty="0">
+                <a:latin typeface="+mj-lt"/>
+              </a:rPr>
+              <a:t>'</a:t>
+            </a:r>
+            <a:r>
+              <a:rPr lang="ko-KR" altLang="en-US" sz="1400" dirty="0">
+                <a:latin typeface="+mj-lt"/>
+              </a:rPr>
+              <a:t>경로에 의해 사용</a:t>
+            </a:r>
+            <a:r>
+              <a:rPr lang="en-US" altLang="ko-KR" sz="1400" dirty="0">
+                <a:latin typeface="+mj-lt"/>
+              </a:rPr>
+              <a:t>'</a:t>
+            </a:r>
+            <a:r>
+              <a:rPr lang="ko-KR" altLang="en-US" sz="1400" dirty="0">
+                <a:latin typeface="+mj-lt"/>
+              </a:rPr>
+              <a:t>될 때 그 역할을 합니다</a:t>
+            </a:r>
+            <a:r>
+              <a:rPr lang="en-US" altLang="ko-KR" sz="1400" dirty="0">
+                <a:latin typeface="+mj-lt"/>
+              </a:rPr>
+              <a:t>. </a:t>
+            </a:r>
+            <a:r>
+              <a:rPr lang="ko-KR" altLang="en-US" sz="1400" dirty="0">
+                <a:latin typeface="+mj-lt"/>
+              </a:rPr>
+              <a:t>예를 들어</a:t>
+            </a:r>
+            <a:r>
+              <a:rPr lang="en-US" altLang="ko-KR" sz="1400" dirty="0">
+                <a:latin typeface="+mj-lt"/>
+              </a:rPr>
+              <a:t>, </a:t>
+            </a:r>
+            <a:r>
+              <a:rPr lang="ko-KR" altLang="en-US" sz="1400" dirty="0">
+                <a:latin typeface="+mj-lt"/>
+              </a:rPr>
+              <a:t>신호는 경로가 그 신호를 경로 진입 신호로 사용하는 경우에만 경로 진입 신호로 간주됩니다</a:t>
+            </a:r>
+            <a:r>
+              <a:rPr lang="en-US" altLang="ko-KR" sz="1400" dirty="0">
+                <a:latin typeface="+mj-lt"/>
+              </a:rPr>
+              <a:t>.</a:t>
+            </a:r>
+            <a:br>
+              <a:rPr lang="en-US" altLang="ko-KR" sz="1400" dirty="0">
+                <a:latin typeface="+mj-lt"/>
+              </a:rPr>
+            </a:br>
+            <a:r>
+              <a:rPr lang="ko-KR" altLang="en-US" sz="1400" dirty="0">
+                <a:latin typeface="+mj-lt"/>
+              </a:rPr>
+              <a:t>개별 경로는 하나의 열차만 통과하도록 설계됩니다</a:t>
+            </a:r>
+            <a:r>
+              <a:rPr lang="en-US" altLang="ko-KR" sz="1400" dirty="0">
+                <a:latin typeface="+mj-lt"/>
+              </a:rPr>
+              <a:t>.</a:t>
+            </a:r>
+            <a:br>
+              <a:rPr lang="en-US" altLang="ko-KR" sz="1400" dirty="0">
+                <a:latin typeface="+mj-lt"/>
+              </a:rPr>
+            </a:br>
+            <a:r>
+              <a:rPr lang="ko-KR" altLang="en-US" sz="1400" dirty="0">
+                <a:latin typeface="+mj-lt"/>
+              </a:rPr>
+              <a:t>경로 요소의 사용과 잠금은 개별 경로에 특화됩니다</a:t>
+            </a:r>
+            <a:r>
+              <a:rPr lang="en-US" altLang="ko-KR" sz="1400" dirty="0">
+                <a:latin typeface="+mj-lt"/>
+              </a:rPr>
+              <a:t>. </a:t>
+            </a:r>
+            <a:r>
+              <a:rPr lang="ko-KR" altLang="en-US" sz="1400" dirty="0">
+                <a:latin typeface="+mj-lt"/>
+              </a:rPr>
+              <a:t>동일한 경로가 다시 설정되면 경로 요소는 새로운 경로에서 사용되고 </a:t>
+            </a:r>
+            <a:r>
+              <a:rPr lang="ko-KR" altLang="en-US" sz="1400" dirty="0" err="1">
+                <a:latin typeface="+mj-lt"/>
+              </a:rPr>
+              <a:t>잠금됩니다</a:t>
+            </a:r>
+            <a:r>
+              <a:rPr lang="en-US" altLang="ko-KR" sz="1400" dirty="0">
+                <a:latin typeface="+mj-lt"/>
+              </a:rPr>
+              <a:t>.</a:t>
+            </a:r>
+            <a:br>
+              <a:rPr lang="en-US" altLang="ko-KR" sz="1400" dirty="0">
+                <a:latin typeface="+mj-lt"/>
+              </a:rPr>
+            </a:br>
+            <a:r>
+              <a:rPr lang="ko-KR" altLang="en-US" sz="1400" dirty="0">
+                <a:latin typeface="+mj-lt"/>
+              </a:rPr>
+              <a:t>상충되는 조건이 없으면</a:t>
+            </a:r>
+            <a:r>
+              <a:rPr lang="en-US" altLang="ko-KR" sz="1400" dirty="0">
+                <a:latin typeface="+mj-lt"/>
+              </a:rPr>
+              <a:t>, </a:t>
+            </a:r>
+            <a:r>
+              <a:rPr lang="ko-KR" altLang="en-US" sz="1400" dirty="0">
+                <a:latin typeface="+mj-lt"/>
+              </a:rPr>
+              <a:t>요소는 여러 경로에서 사용되고 </a:t>
+            </a:r>
+            <a:r>
+              <a:rPr lang="ko-KR" altLang="en-US" sz="1400" dirty="0" err="1">
+                <a:latin typeface="+mj-lt"/>
+              </a:rPr>
+              <a:t>잠금될</a:t>
+            </a:r>
+            <a:r>
+              <a:rPr lang="ko-KR" altLang="en-US" sz="1400" dirty="0">
+                <a:latin typeface="+mj-lt"/>
+              </a:rPr>
+              <a:t> 수 있습니다</a:t>
+            </a:r>
+            <a:r>
+              <a:rPr lang="en-US" altLang="ko-KR" sz="1400" dirty="0">
+                <a:latin typeface="+mj-lt"/>
+              </a:rPr>
+              <a:t>. </a:t>
+            </a:r>
+            <a:r>
+              <a:rPr lang="ko-KR" altLang="en-US" sz="1400" dirty="0">
+                <a:latin typeface="+mj-lt"/>
+              </a:rPr>
+              <a:t>예를 들어</a:t>
+            </a:r>
+            <a:r>
+              <a:rPr lang="en-US" altLang="ko-KR" sz="1400" dirty="0">
+                <a:latin typeface="+mj-lt"/>
+              </a:rPr>
+              <a:t>, </a:t>
+            </a:r>
+            <a:r>
+              <a:rPr lang="ko-KR" altLang="en-US" sz="1400" dirty="0">
+                <a:latin typeface="+mj-lt"/>
+              </a:rPr>
+              <a:t>하나의 경로에서는 경로 본체에 있고 다른 경로에서는 </a:t>
+            </a:r>
+            <a:r>
+              <a:rPr lang="ko-KR" altLang="en-US" sz="1400" dirty="0" err="1">
+                <a:latin typeface="+mj-lt"/>
+              </a:rPr>
+              <a:t>플랭크</a:t>
+            </a:r>
+            <a:r>
+              <a:rPr lang="ko-KR" altLang="en-US" sz="1400" dirty="0">
+                <a:latin typeface="+mj-lt"/>
+              </a:rPr>
+              <a:t> 보호로 작용할 수 있습니다</a:t>
+            </a:r>
+            <a:r>
+              <a:rPr lang="en-US" altLang="ko-KR" sz="1400" dirty="0">
+                <a:latin typeface="+mj-lt"/>
+              </a:rPr>
+              <a:t>. </a:t>
+            </a:r>
+            <a:r>
+              <a:rPr lang="ko-KR" altLang="en-US" sz="1400" dirty="0">
+                <a:latin typeface="+mj-lt"/>
+              </a:rPr>
+              <a:t>이때 두 경로가 동일한 위치에서 해당 요소를 </a:t>
+            </a:r>
+            <a:r>
+              <a:rPr lang="ko-KR" altLang="en-US" sz="1400" dirty="0" err="1">
+                <a:latin typeface="+mj-lt"/>
+              </a:rPr>
+              <a:t>잠금해야</a:t>
+            </a:r>
+            <a:r>
+              <a:rPr lang="ko-KR" altLang="en-US" sz="1400" dirty="0">
+                <a:latin typeface="+mj-lt"/>
+              </a:rPr>
+              <a:t> 할 경우입니다</a:t>
+            </a:r>
+            <a:r>
+              <a:rPr lang="en-US" altLang="ko-KR" sz="1400" dirty="0">
+                <a:latin typeface="+mj-lt"/>
+              </a:rPr>
+              <a:t>.</a:t>
+            </a:r>
+            <a:br>
+              <a:rPr lang="en-US" altLang="ko-KR" sz="1400" dirty="0">
+                <a:latin typeface="+mj-lt"/>
+              </a:rPr>
+            </a:br>
+            <a:r>
+              <a:rPr lang="ko-KR" altLang="en-US" sz="1400" dirty="0">
+                <a:latin typeface="+mj-lt"/>
+              </a:rPr>
+              <a:t>여러 경로에서 사용되고 </a:t>
+            </a:r>
+            <a:r>
+              <a:rPr lang="ko-KR" altLang="en-US" sz="1400" dirty="0" err="1">
+                <a:latin typeface="+mj-lt"/>
+              </a:rPr>
+              <a:t>잠금된</a:t>
+            </a:r>
+            <a:r>
+              <a:rPr lang="ko-KR" altLang="en-US" sz="1400" dirty="0">
+                <a:latin typeface="+mj-lt"/>
+              </a:rPr>
+              <a:t> 경로 요소는 개별 경로들에 의해 독립적으로 잠금이 적용됩니다</a:t>
+            </a:r>
+            <a:r>
+              <a:rPr lang="en-US" altLang="ko-KR" sz="1400" dirty="0">
+                <a:latin typeface="+mj-lt"/>
+              </a:rPr>
+              <a:t>.</a:t>
+            </a:r>
+            <a:br>
+              <a:rPr lang="en-US" altLang="ko-KR" sz="1400" dirty="0">
+                <a:latin typeface="+mj-lt"/>
+              </a:rPr>
+            </a:br>
+            <a:r>
+              <a:rPr lang="en-US" altLang="ko-KR" sz="1400" dirty="0">
+                <a:latin typeface="+mj-lt"/>
+              </a:rPr>
+              <a:t>**'</a:t>
+            </a:r>
+            <a:r>
+              <a:rPr lang="ko-KR" altLang="en-US" sz="1400" dirty="0">
+                <a:latin typeface="+mj-lt"/>
+              </a:rPr>
+              <a:t>잔여 경로</a:t>
+            </a:r>
+            <a:r>
+              <a:rPr lang="en-US" altLang="ko-KR" sz="1400" dirty="0">
+                <a:latin typeface="+mj-lt"/>
+              </a:rPr>
+              <a:t>(residual route)'**</a:t>
+            </a:r>
+            <a:r>
+              <a:rPr lang="ko-KR" altLang="en-US" sz="1400" dirty="0">
+                <a:latin typeface="+mj-lt"/>
+              </a:rPr>
+              <a:t>는 열차가 지나간 후 경로의 일부가 해제되지 않은 경우 남아있는 경로를 의미합니다 </a:t>
+            </a:r>
+            <a:r>
+              <a:rPr lang="en-US" altLang="ko-KR" sz="1400" dirty="0">
+                <a:latin typeface="+mj-lt"/>
+              </a:rPr>
+              <a:t>(</a:t>
+            </a:r>
+            <a:r>
+              <a:rPr lang="ko-KR" altLang="en-US" sz="1400" dirty="0">
+                <a:latin typeface="+mj-lt"/>
+              </a:rPr>
+              <a:t>예</a:t>
+            </a:r>
+            <a:r>
+              <a:rPr lang="en-US" altLang="ko-KR" sz="1400" dirty="0">
+                <a:latin typeface="+mj-lt"/>
+              </a:rPr>
               <a:t>: </a:t>
             </a:r>
             <a:r>
-              <a:rPr lang="ko-KR" altLang="en-US" sz="1200" dirty="0"/>
-              <a:t>경로가 해당 요소를 </a:t>
-            </a:r>
-            <a:r>
-              <a:rPr lang="ko-KR" altLang="en-US" sz="1200" dirty="0" err="1"/>
-              <a:t>잠금해야</a:t>
-            </a:r>
-            <a:r>
-              <a:rPr lang="ko-KR" altLang="en-US" sz="1200" dirty="0"/>
-              <a:t> 하며</a:t>
-            </a:r>
-            <a:r>
-              <a:rPr lang="en-US" altLang="ko-KR" sz="1200" dirty="0"/>
+              <a:rPr lang="ko-KR" altLang="en-US" sz="1400" dirty="0">
+                <a:latin typeface="+mj-lt"/>
+              </a:rPr>
+              <a:t>잘못된 열차 운행 경로 해제</a:t>
+            </a:r>
+            <a:r>
+              <a:rPr lang="en-US" altLang="ko-KR" sz="1400" dirty="0">
+                <a:latin typeface="+mj-lt"/>
+              </a:rPr>
               <a:t>, </a:t>
             </a:r>
             <a:r>
-              <a:rPr lang="ko-KR" altLang="en-US" sz="1200" dirty="0"/>
-              <a:t>요소가 </a:t>
-            </a:r>
-            <a:r>
-              <a:rPr lang="ko-KR" altLang="en-US" sz="1200" dirty="0" err="1"/>
-              <a:t>잠금된</a:t>
-            </a:r>
-            <a:r>
-              <a:rPr lang="ko-KR" altLang="en-US" sz="1200" dirty="0"/>
-              <a:t> 경우</a:t>
+              <a:rPr lang="ko-KR" altLang="en-US" sz="1400" dirty="0">
+                <a:latin typeface="+mj-lt"/>
+              </a:rPr>
+              <a:t>정차된 열차</a:t>
+            </a:r>
+            <a:r>
+              <a:rPr lang="en-US" altLang="ko-KR" sz="1400" dirty="0">
+                <a:latin typeface="+mj-lt"/>
+              </a:rPr>
+              <a:t>, </a:t>
+            </a:r>
+            <a:r>
+              <a:rPr lang="ko-KR" altLang="en-US" sz="1400" dirty="0">
+                <a:latin typeface="+mj-lt"/>
+              </a:rPr>
+              <a:t>회전 이동</a:t>
+            </a:r>
+            <a:r>
+              <a:rPr lang="en-US" altLang="ko-KR" sz="1400" dirty="0">
+                <a:latin typeface="+mj-lt"/>
+              </a:rPr>
+              <a:t>).</a:t>
             </a:r>
           </a:p>
           <a:p>
@@ -5684,250 +7711,20 @@
               <a:buNone/>
             </a:pPr>
             <a:r>
-              <a:rPr lang="ko-KR" altLang="en-US" sz="1200" dirty="0"/>
-              <a:t>요소는 **</a:t>
-            </a:r>
-            <a:r>
-              <a:rPr lang="en-US" altLang="ko-KR" sz="1200" dirty="0"/>
-              <a:t>'</a:t>
-            </a:r>
-            <a:r>
-              <a:rPr lang="ko-KR" altLang="en-US" sz="1200" dirty="0"/>
-              <a:t>경로 요소</a:t>
-            </a:r>
-            <a:r>
-              <a:rPr lang="en-US" altLang="ko-KR" sz="1200" dirty="0"/>
-              <a:t>(route element)'**</a:t>
-            </a:r>
-            <a:r>
-              <a:rPr lang="ko-KR" altLang="en-US" sz="1200" dirty="0"/>
-              <a:t>로 간주되기 위해서만 </a:t>
-            </a:r>
-            <a:r>
-              <a:rPr lang="en-US" altLang="ko-KR" sz="1200" dirty="0"/>
-              <a:t>'</a:t>
-            </a:r>
-            <a:r>
-              <a:rPr lang="ko-KR" altLang="en-US" sz="1200" dirty="0"/>
-              <a:t>경로에 의해 사용</a:t>
-            </a:r>
-            <a:r>
-              <a:rPr lang="en-US" altLang="ko-KR" sz="1200" dirty="0"/>
-              <a:t>'</a:t>
-            </a:r>
-            <a:r>
-              <a:rPr lang="ko-KR" altLang="en-US" sz="1200" dirty="0"/>
-              <a:t>될 때 그 역할을 합니다</a:t>
-            </a:r>
-            <a:r>
-              <a:rPr lang="en-US" altLang="ko-KR" sz="1200" dirty="0"/>
-              <a:t>. </a:t>
-            </a:r>
-            <a:r>
-              <a:rPr lang="ko-KR" altLang="en-US" sz="1200" dirty="0"/>
-              <a:t>예를 들어</a:t>
-            </a:r>
-            <a:r>
-              <a:rPr lang="en-US" altLang="ko-KR" sz="1200" dirty="0"/>
-              <a:t>, </a:t>
-            </a:r>
-            <a:r>
-              <a:rPr lang="ko-KR" altLang="en-US" sz="1200" dirty="0"/>
-              <a:t>신호는 경로가 그 신호를 경로 진입 신호로 사용하는 경우에만 경로 진입 신호로 간주됩니다</a:t>
-            </a:r>
-            <a:r>
-              <a:rPr lang="en-US" altLang="ko-KR" sz="1200" dirty="0"/>
-              <a:t>.</a:t>
-            </a:r>
-            <a:br>
-              <a:rPr lang="en-US" altLang="ko-KR" sz="1200" dirty="0"/>
-            </a:br>
-            <a:r>
-              <a:rPr lang="ko-KR" altLang="en-US" sz="1200" dirty="0"/>
-              <a:t>개별 경로는 하나의 열차만 통과하도록 설계됩니다</a:t>
-            </a:r>
-            <a:r>
-              <a:rPr lang="en-US" altLang="ko-KR" sz="1200" dirty="0"/>
-              <a:t>.</a:t>
-            </a:r>
-            <a:br>
-              <a:rPr lang="en-US" altLang="ko-KR" sz="1200" dirty="0"/>
-            </a:br>
-            <a:r>
-              <a:rPr lang="ko-KR" altLang="en-US" sz="1200" dirty="0"/>
-              <a:t>경로 요소의 사용과 잠금은 개별 경로에 특화됩니다</a:t>
-            </a:r>
-            <a:r>
-              <a:rPr lang="en-US" altLang="ko-KR" sz="1200" dirty="0"/>
-              <a:t>. </a:t>
-            </a:r>
-            <a:r>
-              <a:rPr lang="ko-KR" altLang="en-US" sz="1200" dirty="0"/>
-              <a:t>동일한 경로가 다시 설정되면 경로 요소는 새로운 경로에서 사용되고 </a:t>
-            </a:r>
-            <a:r>
-              <a:rPr lang="ko-KR" altLang="en-US" sz="1200" dirty="0" err="1"/>
-              <a:t>잠금됩니다</a:t>
-            </a:r>
-            <a:r>
-              <a:rPr lang="en-US" altLang="ko-KR" sz="1200" dirty="0"/>
-              <a:t>.</a:t>
-            </a:r>
-            <a:br>
-              <a:rPr lang="en-US" altLang="ko-KR" sz="1200" dirty="0"/>
-            </a:br>
-            <a:r>
-              <a:rPr lang="ko-KR" altLang="en-US" sz="1200" dirty="0"/>
-              <a:t>상충되는 조건이 없으면</a:t>
-            </a:r>
-            <a:r>
-              <a:rPr lang="en-US" altLang="ko-KR" sz="1200" dirty="0"/>
-              <a:t>, </a:t>
-            </a:r>
-            <a:r>
-              <a:rPr lang="ko-KR" altLang="en-US" sz="1200" dirty="0"/>
-              <a:t>요소는 여러 경로에서 사용되고 </a:t>
-            </a:r>
-            <a:r>
-              <a:rPr lang="ko-KR" altLang="en-US" sz="1200" dirty="0" err="1"/>
-              <a:t>잠금될</a:t>
-            </a:r>
-            <a:r>
-              <a:rPr lang="ko-KR" altLang="en-US" sz="1200" dirty="0"/>
-              <a:t> 수 있습니다</a:t>
-            </a:r>
-            <a:r>
-              <a:rPr lang="en-US" altLang="ko-KR" sz="1200" dirty="0"/>
-              <a:t>. </a:t>
-            </a:r>
-            <a:r>
-              <a:rPr lang="ko-KR" altLang="en-US" sz="1200" dirty="0"/>
-              <a:t>예를 들어</a:t>
-            </a:r>
-            <a:r>
-              <a:rPr lang="en-US" altLang="ko-KR" sz="1200" dirty="0"/>
-              <a:t>, </a:t>
-            </a:r>
-            <a:r>
-              <a:rPr lang="ko-KR" altLang="en-US" sz="1200" dirty="0"/>
-              <a:t>하나의 경로에서는 경로 본체에 있고 다른 경로에서는 </a:t>
-            </a:r>
-            <a:r>
-              <a:rPr lang="ko-KR" altLang="en-US" sz="1200" dirty="0" err="1"/>
-              <a:t>플랭크</a:t>
-            </a:r>
-            <a:r>
-              <a:rPr lang="ko-KR" altLang="en-US" sz="1200" dirty="0"/>
-              <a:t> 보호로 작용할 수 있습니다</a:t>
-            </a:r>
-            <a:r>
-              <a:rPr lang="en-US" altLang="ko-KR" sz="1200" dirty="0"/>
-              <a:t>. </a:t>
-            </a:r>
-            <a:r>
-              <a:rPr lang="ko-KR" altLang="en-US" sz="1200" dirty="0"/>
-              <a:t>이때 두 경로가 동일한 위치에서 해당 요소를 </a:t>
-            </a:r>
-            <a:r>
-              <a:rPr lang="ko-KR" altLang="en-US" sz="1200" dirty="0" err="1"/>
-              <a:t>잠금해야</a:t>
-            </a:r>
-            <a:r>
-              <a:rPr lang="ko-KR" altLang="en-US" sz="1200" dirty="0"/>
-              <a:t> 할 경우입니다</a:t>
-            </a:r>
-            <a:r>
-              <a:rPr lang="en-US" altLang="ko-KR" sz="1200" dirty="0"/>
-              <a:t>.</a:t>
-            </a:r>
-            <a:br>
-              <a:rPr lang="en-US" altLang="ko-KR" sz="1200" dirty="0"/>
-            </a:br>
-            <a:r>
-              <a:rPr lang="ko-KR" altLang="en-US" sz="1200" dirty="0"/>
-              <a:t>여러 경로에서 사용되고 </a:t>
-            </a:r>
-            <a:r>
-              <a:rPr lang="ko-KR" altLang="en-US" sz="1200" dirty="0" err="1"/>
-              <a:t>잠금된</a:t>
-            </a:r>
-            <a:r>
-              <a:rPr lang="ko-KR" altLang="en-US" sz="1200" dirty="0"/>
-              <a:t> 경로 요소는 개별 경로들에 의해 독립적으로 잠금이 적용됩니다</a:t>
-            </a:r>
-            <a:r>
-              <a:rPr lang="en-US" altLang="ko-KR" sz="1200" dirty="0"/>
-              <a:t>.</a:t>
-            </a:r>
-            <a:br>
-              <a:rPr lang="en-US" altLang="ko-KR" sz="1200" dirty="0"/>
-            </a:br>
-            <a:r>
-              <a:rPr lang="en-US" altLang="ko-KR" sz="1200" dirty="0"/>
-              <a:t>**'</a:t>
-            </a:r>
-            <a:r>
-              <a:rPr lang="ko-KR" altLang="en-US" sz="1200" dirty="0"/>
-              <a:t>잔여 경로</a:t>
-            </a:r>
-            <a:r>
-              <a:rPr lang="en-US" altLang="ko-KR" sz="1200" dirty="0"/>
-              <a:t>(residual route)'**</a:t>
-            </a:r>
-            <a:r>
-              <a:rPr lang="ko-KR" altLang="en-US" sz="1200" dirty="0"/>
-              <a:t>는 열차가 지나간 후 경로의 일부가 해제되지 않은 경우 남아있는 경로를 의미합니다 </a:t>
-            </a:r>
-            <a:r>
-              <a:rPr lang="en-US" altLang="ko-KR" sz="1200" dirty="0"/>
-              <a:t>(</a:t>
-            </a:r>
-            <a:r>
-              <a:rPr lang="ko-KR" altLang="en-US" sz="1200" dirty="0"/>
-              <a:t>예</a:t>
-            </a:r>
-            <a:r>
-              <a:rPr lang="en-US" altLang="ko-KR" sz="1200" dirty="0"/>
-              <a:t>: </a:t>
-            </a:r>
-            <a:r>
-              <a:rPr lang="ko-KR" altLang="en-US" sz="1200" dirty="0"/>
-              <a:t>잘못된 열차 운행 경로 해제</a:t>
-            </a:r>
-            <a:r>
-              <a:rPr lang="en-US" altLang="ko-KR" sz="1200" dirty="0"/>
-              <a:t>, </a:t>
-            </a:r>
-            <a:r>
-              <a:rPr lang="ko-KR" altLang="en-US" sz="1200" dirty="0"/>
-              <a:t>정차된 열차</a:t>
-            </a:r>
-            <a:r>
-              <a:rPr lang="en-US" altLang="ko-KR" sz="1200" dirty="0"/>
-              <a:t>, </a:t>
-            </a:r>
-            <a:r>
-              <a:rPr lang="ko-KR" altLang="en-US" sz="1200" dirty="0"/>
-              <a:t>회전 이동</a:t>
-            </a:r>
-            <a:r>
-              <a:rPr lang="en-US" altLang="ko-KR" sz="1200" dirty="0"/>
-              <a:t>).</a:t>
-            </a:r>
-          </a:p>
-          <a:p>
-            <a:pPr>
-              <a:buNone/>
-            </a:pPr>
-            <a:r>
-              <a:rPr lang="ko-KR" altLang="en-US" sz="1200" b="1" dirty="0"/>
+              <a:rPr lang="ko-KR" altLang="en-US" sz="1400" dirty="0">
+                <a:latin typeface="+mj-lt"/>
+              </a:rPr>
               <a:t>해설</a:t>
             </a:r>
             <a:r>
-              <a:rPr lang="en-US" altLang="ko-KR" sz="1200" b="1" dirty="0"/>
+              <a:rPr lang="en-US" altLang="ko-KR" sz="1400" dirty="0">
+                <a:latin typeface="+mj-lt"/>
+              </a:rPr>
               <a:t>:</a:t>
             </a:r>
-            <a:endParaRPr lang="ko-KR" altLang="en-US" sz="1200" dirty="0"/>
+            <a:endParaRPr lang="ko-KR" altLang="en-US" sz="1400" dirty="0">
+              <a:latin typeface="+mj-lt"/>
+            </a:endParaRPr>
           </a:p>
           <a:p>
             <a:pPr>
@@ -5935,43 +7732,63 @@
               <a:buChar char="•"/>
             </a:pPr>
             <a:r>
-              <a:rPr lang="ko-KR" altLang="en-US" sz="1200" dirty="0"/>
+              <a:rPr lang="ko-KR" altLang="en-US" sz="1400" dirty="0">
+                <a:latin typeface="+mj-lt"/>
+              </a:rPr>
               <a:t>**경로 생애 주기</a:t>
             </a:r>
             <a:r>
-              <a:rPr lang="en-US" altLang="ko-KR" sz="1200" dirty="0"/>
+              <a:rPr lang="en-US" altLang="ko-KR" sz="1400" dirty="0">
+                <a:latin typeface="+mj-lt"/>
+              </a:rPr>
               <a:t>(Route Life Cycle)**</a:t>
             </a:r>
             <a:r>
-              <a:rPr lang="ko-KR" altLang="en-US" sz="1200" dirty="0"/>
+              <a:rPr lang="ko-KR" altLang="en-US" sz="1400" dirty="0">
+                <a:latin typeface="+mj-lt"/>
+              </a:rPr>
               <a:t>는 경로가 생성되어 사용되고 </a:t>
             </a:r>
             <a:r>
-              <a:rPr lang="ko-KR" altLang="en-US" sz="1200" dirty="0" err="1"/>
+              <a:rPr lang="ko-KR" altLang="en-US" sz="1400" dirty="0" err="1">
+                <a:latin typeface="+mj-lt"/>
+              </a:rPr>
               <a:t>잠금되기까지의</a:t>
             </a:r>
             <a:r>
-              <a:rPr lang="ko-KR" altLang="en-US" sz="1200" dirty="0"/>
+              <a:rPr lang="ko-KR" altLang="en-US" sz="1400" dirty="0">
+                <a:latin typeface="+mj-lt"/>
+              </a:rPr>
               <a:t> 단계들을 설명하고 있습니다</a:t>
             </a:r>
             <a:r>
-              <a:rPr lang="en-US" altLang="ko-KR" sz="1200" dirty="0"/>
+              <a:rPr lang="en-US" altLang="ko-KR" sz="1400" dirty="0">
+                <a:latin typeface="+mj-lt"/>
+              </a:rPr>
               <a:t>. </a:t>
             </a:r>
             <a:r>
-              <a:rPr lang="ko-KR" altLang="en-US" sz="1200" dirty="0"/>
+              <a:rPr lang="ko-KR" altLang="en-US" sz="1400" dirty="0">
+                <a:latin typeface="+mj-lt"/>
+              </a:rPr>
               <a:t>경로는 다양한 상태를 거치며</a:t>
             </a:r>
             <a:r>
-              <a:rPr lang="en-US" altLang="ko-KR" sz="1200" dirty="0"/>
+              <a:rPr lang="en-US" altLang="ko-KR" sz="1400" dirty="0">
+                <a:latin typeface="+mj-lt"/>
+              </a:rPr>
               <a:t>, </a:t>
             </a:r>
             <a:r>
-              <a:rPr lang="ko-KR" altLang="en-US" sz="1200" dirty="0"/>
+              <a:rPr lang="ko-KR" altLang="en-US" sz="1400" dirty="0">
+                <a:latin typeface="+mj-lt"/>
+              </a:rPr>
               <a:t>각 상태에서 경로를 구성하는 요소들이 어떻게 처리되는지에 대한 규칙을 제시합니다</a:t>
             </a:r>
             <a:r>
-              <a:rPr lang="en-US" altLang="ko-KR" sz="1200" dirty="0"/>
+              <a:rPr lang="en-US" altLang="ko-KR" sz="1400" dirty="0">
+                <a:latin typeface="+mj-lt"/>
+              </a:rPr>
               <a:t>.</a:t>
             </a:r>
           </a:p>
@@ -5981,23 +7798,27 @@
               <a:buChar char="•"/>
             </a:pPr>
             <a:r>
-              <a:rPr lang="ko-KR" altLang="en-US" sz="1200" b="1" dirty="0"/>
-              <a:t>요소 사용 및 잠금</a:t>
-            </a:r>
-            <a:r>
-              <a:rPr lang="ko-KR" altLang="en-US" sz="1200" dirty="0"/>
-              <a:t>은 경로가 정의되고 관리되는 방식에 중요한 역할을 하며</a:t>
-            </a:r>
-            <a:r>
-              <a:rPr lang="en-US" altLang="ko-KR" sz="1200" dirty="0"/>
+              <a:rPr lang="ko-KR" altLang="en-US" sz="1400" dirty="0">
+                <a:latin typeface="+mj-lt"/>
+              </a:rPr>
+              <a:t>요소 사용 및 잠금은 경로가 정의되고 관리되는 방식에 중요한 역할을 하며</a:t>
+            </a:r>
+            <a:r>
+              <a:rPr lang="en-US" altLang="ko-KR" sz="1400" dirty="0">
+                <a:latin typeface="+mj-lt"/>
+              </a:rPr>
               <a:t>, </a:t>
             </a:r>
             <a:r>
-              <a:rPr lang="ko-KR" altLang="en-US" sz="1200" dirty="0"/>
+              <a:rPr lang="ko-KR" altLang="en-US" sz="1400" dirty="0">
+                <a:latin typeface="+mj-lt"/>
+              </a:rPr>
               <a:t>여러 경로에서 동일한 요소가 공유될 수 있는지 여부와 그 조건을 설명합니다</a:t>
             </a:r>
             <a:r>
-              <a:rPr lang="en-US" altLang="ko-KR" sz="1200" dirty="0"/>
+              <a:rPr lang="en-US" altLang="ko-KR" sz="1400" dirty="0">
+                <a:latin typeface="+mj-lt"/>
+              </a:rPr>
               <a:t>.</a:t>
             </a:r>
           </a:p>
@@ -6007,25 +7828,118 @@
               <a:buChar char="•"/>
             </a:pPr>
             <a:r>
-              <a:rPr lang="ko-KR" altLang="en-US" sz="1200" b="1" dirty="0"/>
-              <a:t>잔여 경로</a:t>
-            </a:r>
-            <a:r>
-              <a:rPr lang="ko-KR" altLang="en-US" sz="1200" dirty="0"/>
-              <a:t>는 열차가 지나간 후에 여전히 해제되지 않은 경로를 설명하는 개념으로</a:t>
-            </a:r>
-            <a:r>
-              <a:rPr lang="en-US" altLang="ko-KR" sz="1200" dirty="0"/>
+              <a:rPr lang="ko-KR" altLang="en-US" sz="1400" dirty="0">
+                <a:latin typeface="+mj-lt"/>
+              </a:rPr>
+              <a:t>잔여 경로는 열차가 지나간 후에 여전히 해제되지 않은 경로를 설명하는 개념으로</a:t>
+            </a:r>
+            <a:r>
+              <a:rPr lang="en-US" altLang="ko-KR" sz="1400" dirty="0">
+                <a:latin typeface="+mj-lt"/>
+              </a:rPr>
               <a:t>, </a:t>
             </a:r>
             <a:r>
-              <a:rPr lang="ko-KR" altLang="en-US" sz="1200" dirty="0"/>
+              <a:rPr lang="ko-KR" altLang="en-US" sz="1400" dirty="0">
+                <a:latin typeface="+mj-lt"/>
+              </a:rPr>
               <a:t>시스템에서 잘못된 경로 해제나 예기치 못한 상황에 대한 처리를 다룹니다</a:t>
             </a:r>
             <a:r>
-              <a:rPr lang="en-US" altLang="ko-KR" sz="1200" dirty="0"/>
+              <a:rPr lang="en-US" altLang="ko-KR" sz="1400" dirty="0">
+                <a:latin typeface="+mj-lt"/>
+              </a:rPr>
               <a:t>.</a:t>
             </a:r>
+          </a:p>
+        </p:txBody>
+      </p:sp>
+      <p:sp>
+        <p:nvSpPr>
+          <p:cNvPr id="2" name="TextBox 1">
+            <a:extLst>
+              <a:ext uri="{FF2B5EF4-FFF2-40B4-BE49-F238E27FC236}">
+                <a16:creationId xmlns:a16="http://schemas.microsoft.com/office/drawing/2014/main" id="{909F9B10-D399-76E4-857C-DB5A692B4FCD}"/>
+              </a:ext>
+            </a:extLst>
+          </p:cNvPr>
+          <p:cNvSpPr txBox="1"/>
+          <p:nvPr/>
+        </p:nvSpPr>
+        <p:spPr>
+          <a:xfrm>
+            <a:off x="491613" y="137652"/>
+            <a:ext cx="4050890" cy="369332"/>
+          </a:xfrm>
+          <a:prstGeom prst="rect">
+            <a:avLst/>
+          </a:prstGeom>
+          <a:noFill/>
+        </p:spPr>
+        <p:txBody>
+          <a:bodyPr wrap="square" rtlCol="0">
+            <a:spAutoFit/>
+          </a:bodyPr>
+          <a:lstStyle/>
+          <a:p>
+            <a:pPr>
+              <a:buNone/>
+            </a:pPr>
+            <a:r>
+              <a:rPr lang="ko-KR" altLang="en-US" dirty="0"/>
+              <a:t>경로</a:t>
+            </a:r>
+            <a:r>
+              <a:rPr lang="en-US" altLang="ko-KR" dirty="0"/>
+              <a:t>(Routes)</a:t>
+            </a:r>
+          </a:p>
+        </p:txBody>
+      </p:sp>
+      <p:sp>
+        <p:nvSpPr>
+          <p:cNvPr id="3" name="TextBox 2">
+            <a:extLst>
+              <a:ext uri="{FF2B5EF4-FFF2-40B4-BE49-F238E27FC236}">
+                <a16:creationId xmlns:a16="http://schemas.microsoft.com/office/drawing/2014/main" id="{030C919B-C6B8-1591-8A31-6FE15FFC00FD}"/>
+              </a:ext>
+            </a:extLst>
+          </p:cNvPr>
+          <p:cNvSpPr txBox="1"/>
+          <p:nvPr/>
+        </p:nvSpPr>
+        <p:spPr>
+          <a:xfrm>
+            <a:off x="9094839" y="137652"/>
+            <a:ext cx="2605549" cy="369332"/>
+          </a:xfrm>
+          <a:prstGeom prst="rect">
+            <a:avLst/>
+          </a:prstGeom>
+          <a:noFill/>
+        </p:spPr>
+        <p:txBody>
+          <a:bodyPr wrap="square">
+            <a:spAutoFit/>
+          </a:bodyPr>
+          <a:lstStyle/>
+          <a:p>
+            <a:pPr>
+              <a:buNone/>
+            </a:pPr>
+            <a:r>
+              <a:rPr lang="en-US" altLang="ko-KR" dirty="0"/>
+              <a:t>2.3 </a:t>
+            </a:r>
+            <a:r>
+              <a:rPr lang="ko-KR" altLang="en-US" dirty="0"/>
+              <a:t>경로의 </a:t>
+            </a:r>
+            <a:r>
+              <a:rPr lang="en-US" altLang="ko-KR" dirty="0" err="1"/>
+              <a:t>LifeCycle</a:t>
+            </a:r>
+            <a:endParaRPr lang="en-US" altLang="ko-KR" dirty="0"/>
           </a:p>
         </p:txBody>
       </p:sp>
@@ -6073,8 +7987,8 @@
         </p:nvSpPr>
         <p:spPr>
           <a:xfrm>
-            <a:off x="334297" y="513083"/>
-            <a:ext cx="11523406" cy="1384995"/>
+            <a:off x="334297" y="729394"/>
+            <a:ext cx="11523406" cy="1815882"/>
           </a:xfrm>
           <a:prstGeom prst="rect">
             <a:avLst/>
@@ -6091,45 +8005,50 @@
               <a:buNone/>
             </a:pPr>
             <a:r>
-              <a:rPr lang="en-US" altLang="ko-KR" sz="1200" b="1" dirty="0"/>
-              <a:t>3.4 </a:t>
-            </a:r>
-            <a:r>
-              <a:rPr lang="ko-KR" altLang="en-US" sz="1200" b="1" dirty="0"/>
+              <a:rPr lang="en-US" altLang="ko-KR" sz="1400" dirty="0"/>
+              <a:t>2.4 </a:t>
+            </a:r>
+            <a:r>
+              <a:rPr lang="ko-KR" altLang="en-US" sz="1400" dirty="0"/>
               <a:t>접근 구역 정의 </a:t>
             </a:r>
             <a:r>
-              <a:rPr lang="en-US" altLang="ko-KR" sz="1200" b="1" dirty="0"/>
+              <a:rPr lang="en-US" altLang="ko-KR" sz="1400" dirty="0"/>
               <a:t>(Approach Zone Definition)</a:t>
             </a:r>
+          </a:p>
+          <a:p>
+            <a:pPr>
+              <a:buNone/>
+            </a:pPr>
             <a:br>
-              <a:rPr lang="ko-KR" altLang="en-US" sz="1200" dirty="0"/>
+              <a:rPr lang="ko-KR" altLang="en-US" sz="1400" dirty="0"/>
             </a:br>
             <a:r>
-              <a:rPr lang="ko-KR" altLang="en-US" sz="1200" dirty="0"/>
+              <a:rPr lang="ko-KR" altLang="en-US" sz="1400" dirty="0"/>
               <a:t>접근 구역은 경로 진입 신호로 향하는 유효한 경로로 차량이 접근하는 것을 감지하는 데 사용됩니다</a:t>
             </a:r>
             <a:r>
-              <a:rPr lang="en-US" altLang="ko-KR" sz="1200" dirty="0"/>
+              <a:rPr lang="en-US" altLang="ko-KR" sz="1400" dirty="0"/>
               <a:t>. </a:t>
             </a:r>
             <a:r>
-              <a:rPr lang="ko-KR" altLang="en-US" sz="1200" dirty="0"/>
+              <a:rPr lang="ko-KR" altLang="en-US" sz="1400" dirty="0"/>
               <a:t>이는 취소 요청 후 경로 해제의 지연 또는 즉시 해제 조건을 제공합니다</a:t>
             </a:r>
             <a:r>
-              <a:rPr lang="en-US" altLang="ko-KR" sz="1200" dirty="0"/>
+              <a:rPr lang="en-US" altLang="ko-KR" sz="1400" dirty="0"/>
               <a:t>.</a:t>
             </a:r>
             <a:br>
-              <a:rPr lang="en-US" altLang="ko-KR" sz="1200" dirty="0"/>
+              <a:rPr lang="en-US" altLang="ko-KR" sz="1400" dirty="0"/>
             </a:br>
             <a:r>
-              <a:rPr lang="ko-KR" altLang="en-US" sz="1200" dirty="0"/>
+              <a:rPr lang="ko-KR" altLang="en-US" sz="1400" dirty="0"/>
               <a:t>다음 다이어그램은 경로에 대한 여러 접근 구역의 사용을 나타냅니다</a:t>
             </a:r>
             <a:r>
-              <a:rPr lang="en-US" altLang="ko-KR" sz="1200" dirty="0"/>
+              <a:rPr lang="en-US" altLang="ko-KR" sz="1400" dirty="0"/>
               <a:t>.</a:t>
             </a:r>
           </a:p>
@@ -6138,14 +8057,14 @@
               <a:buNone/>
             </a:pPr>
             <a:r>
-              <a:rPr lang="ko-KR" altLang="en-US" sz="1200" b="1" dirty="0"/>
+              <a:rPr lang="ko-KR" altLang="en-US" sz="1400" dirty="0"/>
               <a:t>해설</a:t>
             </a:r>
             <a:r>
-              <a:rPr lang="en-US" altLang="ko-KR" sz="1200" b="1" dirty="0"/>
+              <a:rPr lang="en-US" altLang="ko-KR" sz="1400" dirty="0"/>
               <a:t>:</a:t>
             </a:r>
-            <a:endParaRPr lang="ko-KR" altLang="en-US" sz="1200" dirty="0"/>
+            <a:endParaRPr lang="ko-KR" altLang="en-US" sz="1400" dirty="0"/>
           </a:p>
           <a:p>
             <a:pPr>
@@ -6153,43 +8072,43 @@
               <a:buChar char="•"/>
             </a:pPr>
             <a:r>
-              <a:rPr lang="ko-KR" altLang="en-US" sz="1200" dirty="0"/>
+              <a:rPr lang="ko-KR" altLang="en-US" sz="1400" dirty="0"/>
               <a:t>**접근 구역</a:t>
             </a:r>
             <a:r>
-              <a:rPr lang="en-US" altLang="ko-KR" sz="1200" dirty="0"/>
+              <a:rPr lang="en-US" altLang="ko-KR" sz="1400" dirty="0"/>
               <a:t>(Approach Zone)**</a:t>
             </a:r>
             <a:r>
-              <a:rPr lang="ko-KR" altLang="en-US" sz="1200" dirty="0"/>
+              <a:rPr lang="ko-KR" altLang="en-US" sz="1400" dirty="0"/>
               <a:t>은 경로 진입 신호로 다가오는 차량을 감지하는 구역으로</a:t>
             </a:r>
             <a:r>
-              <a:rPr lang="en-US" altLang="ko-KR" sz="1200" dirty="0"/>
+              <a:rPr lang="en-US" altLang="ko-KR" sz="1400" dirty="0"/>
               <a:t>, </a:t>
             </a:r>
             <a:r>
-              <a:rPr lang="ko-KR" altLang="en-US" sz="1200" dirty="0"/>
+              <a:rPr lang="ko-KR" altLang="en-US" sz="1400" dirty="0"/>
               <a:t>경로 해제 조건을 결정하는 중요한 역할을 합니다</a:t>
             </a:r>
             <a:r>
-              <a:rPr lang="en-US" altLang="ko-KR" sz="1200" dirty="0"/>
+              <a:rPr lang="en-US" altLang="ko-KR" sz="1400" dirty="0"/>
               <a:t>. </a:t>
             </a:r>
             <a:r>
-              <a:rPr lang="ko-KR" altLang="en-US" sz="1200" dirty="0"/>
+              <a:rPr lang="ko-KR" altLang="en-US" sz="1400" dirty="0"/>
               <a:t>이는 경로 취소 요청 후 경로가 즉시 해제될지</a:t>
             </a:r>
             <a:r>
-              <a:rPr lang="en-US" altLang="ko-KR" sz="1200" dirty="0"/>
+              <a:rPr lang="en-US" altLang="ko-KR" sz="1400" dirty="0"/>
               <a:t>, </a:t>
             </a:r>
             <a:r>
-              <a:rPr lang="ko-KR" altLang="en-US" sz="1200" dirty="0"/>
+              <a:rPr lang="ko-KR" altLang="en-US" sz="1400" dirty="0"/>
               <a:t>아니면 지연될지에 대한 조건을 정의합니다</a:t>
             </a:r>
             <a:r>
-              <a:rPr lang="en-US" altLang="ko-KR" sz="1200" dirty="0"/>
+              <a:rPr lang="en-US" altLang="ko-KR" sz="1400" dirty="0"/>
               <a:t>.</a:t>
             </a:r>
           </a:p>
@@ -6225,6 +8144,91 @@
           </a:prstGeom>
         </p:spPr>
       </p:pic>
+      <p:sp>
+        <p:nvSpPr>
+          <p:cNvPr id="2" name="TextBox 1">
+            <a:extLst>
+              <a:ext uri="{FF2B5EF4-FFF2-40B4-BE49-F238E27FC236}">
+                <a16:creationId xmlns:a16="http://schemas.microsoft.com/office/drawing/2014/main" id="{AA5F7998-B040-6F2B-F799-149D2FAD20F3}"/>
+              </a:ext>
+            </a:extLst>
+          </p:cNvPr>
+          <p:cNvSpPr txBox="1"/>
+          <p:nvPr/>
+        </p:nvSpPr>
+        <p:spPr>
+          <a:xfrm>
+            <a:off x="491613" y="137652"/>
+            <a:ext cx="4050890" cy="369332"/>
+          </a:xfrm>
+          <a:prstGeom prst="rect">
+            <a:avLst/>
+          </a:prstGeom>
+          <a:noFill/>
+        </p:spPr>
+        <p:txBody>
+          <a:bodyPr wrap="square" rtlCol="0">
+            <a:spAutoFit/>
+          </a:bodyPr>
+          <a:lstStyle/>
+          <a:p>
+            <a:pPr>
+              <a:buNone/>
+            </a:pPr>
+            <a:r>
+              <a:rPr lang="ko-KR" altLang="en-US" dirty="0"/>
+              <a:t>경로</a:t>
+            </a:r>
+            <a:r>
+              <a:rPr lang="en-US" altLang="ko-KR" dirty="0"/>
+              <a:t>(Routes)</a:t>
+            </a:r>
+          </a:p>
+        </p:txBody>
+      </p:sp>
+      <p:sp>
+        <p:nvSpPr>
+          <p:cNvPr id="3" name="TextBox 2">
+            <a:extLst>
+              <a:ext uri="{FF2B5EF4-FFF2-40B4-BE49-F238E27FC236}">
+                <a16:creationId xmlns:a16="http://schemas.microsoft.com/office/drawing/2014/main" id="{7CEF22F3-BA14-B6C8-A6C9-34F19E4D4EC2}"/>
+              </a:ext>
+            </a:extLst>
+          </p:cNvPr>
+          <p:cNvSpPr txBox="1"/>
+          <p:nvPr/>
+        </p:nvSpPr>
+        <p:spPr>
+          <a:xfrm>
+            <a:off x="9478297" y="137652"/>
+            <a:ext cx="2222091" cy="369332"/>
+          </a:xfrm>
+          <a:prstGeom prst="rect">
+            <a:avLst/>
+          </a:prstGeom>
+          <a:noFill/>
+        </p:spPr>
+        <p:txBody>
+          <a:bodyPr wrap="square">
+            <a:spAutoFit/>
+          </a:bodyPr>
+          <a:lstStyle/>
+          <a:p>
+            <a:pPr>
+              <a:buNone/>
+            </a:pPr>
+            <a:r>
+              <a:rPr lang="en-US" altLang="ko-KR" dirty="0"/>
+              <a:t>2.4 </a:t>
+            </a:r>
+            <a:r>
+              <a:rPr lang="ko-KR" altLang="en-US" dirty="0"/>
+              <a:t>접근 구역 정의</a:t>
+            </a:r>
+            <a:endParaRPr lang="en-US" altLang="ko-KR" dirty="0"/>
+          </a:p>
+        </p:txBody>
+      </p:sp>
     </p:spTree>
     <p:extLst>
       <p:ext uri="{BB962C8B-B14F-4D97-AF65-F5344CB8AC3E}">
@@ -6269,7 +8273,7 @@
         </p:nvSpPr>
         <p:spPr>
           <a:xfrm>
-            <a:off x="471948" y="423238"/>
+            <a:off x="471948" y="669045"/>
             <a:ext cx="11336594" cy="276999"/>
           </a:xfrm>
           <a:prstGeom prst="rect">
@@ -6371,10 +8375,535 @@
           </a:prstGeom>
         </p:spPr>
       </p:pic>
+      <p:sp>
+        <p:nvSpPr>
+          <p:cNvPr id="2" name="TextBox 1">
+            <a:extLst>
+              <a:ext uri="{FF2B5EF4-FFF2-40B4-BE49-F238E27FC236}">
+                <a16:creationId xmlns:a16="http://schemas.microsoft.com/office/drawing/2014/main" id="{AFA6ED1F-DC2D-27B9-A09A-E3CC6955035B}"/>
+              </a:ext>
+            </a:extLst>
+          </p:cNvPr>
+          <p:cNvSpPr txBox="1"/>
+          <p:nvPr/>
+        </p:nvSpPr>
+        <p:spPr>
+          <a:xfrm>
+            <a:off x="491613" y="137652"/>
+            <a:ext cx="4050890" cy="369332"/>
+          </a:xfrm>
+          <a:prstGeom prst="rect">
+            <a:avLst/>
+          </a:prstGeom>
+          <a:noFill/>
+        </p:spPr>
+        <p:txBody>
+          <a:bodyPr wrap="square" rtlCol="0">
+            <a:spAutoFit/>
+          </a:bodyPr>
+          <a:lstStyle/>
+          <a:p>
+            <a:pPr>
+              <a:buNone/>
+            </a:pPr>
+            <a:r>
+              <a:rPr lang="ko-KR" altLang="en-US" dirty="0"/>
+              <a:t>경로</a:t>
+            </a:r>
+            <a:r>
+              <a:rPr lang="en-US" altLang="ko-KR" dirty="0"/>
+              <a:t>(Routes)</a:t>
+            </a:r>
+          </a:p>
+        </p:txBody>
+      </p:sp>
+      <p:sp>
+        <p:nvSpPr>
+          <p:cNvPr id="3" name="TextBox 2">
+            <a:extLst>
+              <a:ext uri="{FF2B5EF4-FFF2-40B4-BE49-F238E27FC236}">
+                <a16:creationId xmlns:a16="http://schemas.microsoft.com/office/drawing/2014/main" id="{DE28AFEC-F0C1-34AA-89A3-555B6245C256}"/>
+              </a:ext>
+            </a:extLst>
+          </p:cNvPr>
+          <p:cNvSpPr txBox="1"/>
+          <p:nvPr/>
+        </p:nvSpPr>
+        <p:spPr>
+          <a:xfrm>
+            <a:off x="9792930" y="137652"/>
+            <a:ext cx="1907458" cy="369332"/>
+          </a:xfrm>
+          <a:prstGeom prst="rect">
+            <a:avLst/>
+          </a:prstGeom>
+          <a:noFill/>
+        </p:spPr>
+        <p:txBody>
+          <a:bodyPr wrap="square">
+            <a:spAutoFit/>
+          </a:bodyPr>
+          <a:lstStyle/>
+          <a:p>
+            <a:pPr>
+              <a:buNone/>
+            </a:pPr>
+            <a:r>
+              <a:rPr lang="en-US" altLang="ko-KR" dirty="0"/>
+              <a:t>2.5 </a:t>
+            </a:r>
+            <a:r>
+              <a:rPr lang="ko-KR" altLang="en-US" dirty="0"/>
+              <a:t>경로 해제</a:t>
+            </a:r>
+            <a:endParaRPr lang="en-US" altLang="ko-KR" dirty="0"/>
+          </a:p>
+        </p:txBody>
+      </p:sp>
     </p:spTree>
     <p:extLst>
       <p:ext uri="{BB962C8B-B14F-4D97-AF65-F5344CB8AC3E}">
         <p14:creationId xmlns:p14="http://schemas.microsoft.com/office/powerpoint/2010/main" val="3015626246"/>
+      </p:ext>
+    </p:extLst>
+  </p:cSld>
+  <p:clrMapOvr>
+    <a:masterClrMapping/>
+  </p:clrMapOvr>
+</p:sld>
+</file>
+
+<file path=ppt/slides/slide9.xml><?xml version="1.0" encoding="utf-8"?>
+<p:sld xmlns:a="http://schemas.openxmlformats.org/drawingml/2006/main" xmlns:r="http://schemas.openxmlformats.org/officeDocument/2006/relationships" xmlns:p="http://schemas.openxmlformats.org/presentationml/2006/main">
+  <p:cSld>
+    <p:spTree>
+      <p:nvGrpSpPr>
+        <p:cNvPr id="1" name=""/>
+        <p:cNvGrpSpPr/>
+        <p:nvPr/>
+      </p:nvGrpSpPr>
+      <p:grpSpPr>
+        <a:xfrm>
+          <a:off x="0" y="0"/>
+          <a:ext cx="0" cy="0"/>
+          <a:chOff x="0" y="0"/>
+          <a:chExt cx="0" cy="0"/>
+        </a:xfrm>
+      </p:grpSpPr>
+      <p:sp>
+        <p:nvSpPr>
+          <p:cNvPr id="4" name="TextBox 3">
+            <a:extLst>
+              <a:ext uri="{FF2B5EF4-FFF2-40B4-BE49-F238E27FC236}">
+                <a16:creationId xmlns:a16="http://schemas.microsoft.com/office/drawing/2014/main" id="{BD14FDA5-8DF4-E466-3847-6F3348EE66EB}"/>
+              </a:ext>
+            </a:extLst>
+          </p:cNvPr>
+          <p:cNvSpPr txBox="1"/>
+          <p:nvPr/>
+        </p:nvSpPr>
+        <p:spPr>
+          <a:xfrm>
+            <a:off x="491613" y="583104"/>
+            <a:ext cx="11425404" cy="2246769"/>
+          </a:xfrm>
+          <a:prstGeom prst="rect">
+            <a:avLst/>
+          </a:prstGeom>
+          <a:noFill/>
+        </p:spPr>
+        <p:txBody>
+          <a:bodyPr wrap="square" rtlCol="0">
+            <a:spAutoFit/>
+          </a:bodyPr>
+          <a:lstStyle/>
+          <a:p>
+            <a:pPr marL="171450" indent="-171450">
+              <a:buFont typeface="Wingdings" panose="05000000000000000000" pitchFamily="2" charset="2"/>
+              <a:buChar char="l"/>
+            </a:pPr>
+            <a:r>
+              <a:rPr lang="en-US" altLang="ko-KR" sz="1400" dirty="0"/>
+              <a:t> RBC</a:t>
+            </a:r>
+            <a:r>
+              <a:rPr lang="ko-KR" altLang="en-US" sz="1400" dirty="0"/>
+              <a:t>는 컴퓨터 기반 시스템으로</a:t>
+            </a:r>
+            <a:r>
+              <a:rPr lang="en-US" altLang="ko-KR" sz="1400" dirty="0"/>
+              <a:t>, </a:t>
+            </a:r>
+            <a:r>
+              <a:rPr lang="ko-KR" altLang="en-US" sz="1400" dirty="0"/>
+              <a:t>외부 선로 측 시스템에서 받은 정보와 차량 내 서브시스템과 교환한 정보를 바탕으로 열차에 전송할 메시지를 생성합니다</a:t>
+            </a:r>
+            <a:r>
+              <a:rPr lang="en-US" altLang="ko-KR" sz="1400" dirty="0"/>
+              <a:t>.</a:t>
+            </a:r>
+          </a:p>
+          <a:p>
+            <a:pPr marL="171450" indent="-171450">
+              <a:buFont typeface="Wingdings" panose="05000000000000000000" pitchFamily="2" charset="2"/>
+              <a:buChar char="l"/>
+            </a:pPr>
+            <a:r>
+              <a:rPr lang="ko-KR" altLang="en-US" sz="1400" dirty="0"/>
+              <a:t>이 메시지의 주요 목적은 열차 이동 권한을 제공하여</a:t>
+            </a:r>
+            <a:r>
+              <a:rPr lang="en-US" altLang="ko-KR" sz="1400" dirty="0"/>
+              <a:t>, RBC</a:t>
+            </a:r>
+            <a:r>
+              <a:rPr lang="ko-KR" altLang="en-US" sz="1400" dirty="0"/>
+              <a:t>의 책임 구역 내에서 열차가 안전하게 이동하도록 하는 것입니다</a:t>
+            </a:r>
+            <a:r>
+              <a:rPr lang="en-US" altLang="ko-KR" sz="1400" dirty="0"/>
+              <a:t>.</a:t>
+            </a:r>
+          </a:p>
+          <a:p>
+            <a:pPr marL="171450" indent="-171450">
+              <a:buFont typeface="Wingdings" panose="05000000000000000000" pitchFamily="2" charset="2"/>
+              <a:buChar char="l"/>
+            </a:pPr>
+            <a:r>
+              <a:rPr lang="en-US" altLang="ko-KR" sz="1400" dirty="0"/>
+              <a:t>RBC</a:t>
+            </a:r>
+            <a:r>
+              <a:rPr lang="ko-KR" altLang="en-US" sz="1400" dirty="0"/>
+              <a:t>는 </a:t>
+            </a:r>
+            <a:r>
+              <a:rPr lang="en-US" altLang="ko-KR" sz="1400" dirty="0"/>
+              <a:t>ETCS </a:t>
+            </a:r>
+            <a:r>
+              <a:rPr lang="ko-KR" altLang="en-US" sz="1400" dirty="0"/>
+              <a:t>레벨 </a:t>
+            </a:r>
+            <a:r>
+              <a:rPr lang="en-US" altLang="ko-KR" sz="1400" dirty="0"/>
+              <a:t>2</a:t>
+            </a:r>
+            <a:r>
+              <a:rPr lang="ko-KR" altLang="en-US" sz="1400" dirty="0"/>
+              <a:t>에서 사용됩니다</a:t>
+            </a:r>
+            <a:r>
+              <a:rPr lang="en-US" altLang="ko-KR" sz="1400" dirty="0"/>
+              <a:t>.</a:t>
+            </a:r>
+          </a:p>
+          <a:p>
+            <a:pPr marL="171450" indent="-171450">
+              <a:buFont typeface="Wingdings" panose="05000000000000000000" pitchFamily="2" charset="2"/>
+              <a:buChar char="l"/>
+            </a:pPr>
+            <a:r>
+              <a:rPr lang="en-US" altLang="ko-KR" sz="1400" dirty="0"/>
+              <a:t>ETCS </a:t>
+            </a:r>
+            <a:r>
+              <a:rPr lang="ko-KR" altLang="en-US" sz="1400" dirty="0"/>
+              <a:t>레벨 </a:t>
+            </a:r>
+            <a:r>
+              <a:rPr lang="en-US" altLang="ko-KR" sz="1400" dirty="0"/>
+              <a:t>2</a:t>
+            </a:r>
+            <a:r>
+              <a:rPr lang="ko-KR" altLang="en-US" sz="1400" dirty="0"/>
+              <a:t>에서는 열차와 </a:t>
+            </a:r>
+            <a:r>
+              <a:rPr lang="en-US" altLang="ko-KR" sz="1400" dirty="0"/>
+              <a:t>RBC </a:t>
+            </a:r>
+            <a:r>
+              <a:rPr lang="ko-KR" altLang="en-US" sz="1400" dirty="0"/>
+              <a:t>간의 지속적인 통신이 이루어집니다</a:t>
+            </a:r>
+            <a:r>
+              <a:rPr lang="en-US" altLang="ko-KR" sz="1400" dirty="0"/>
+              <a:t>.</a:t>
+            </a:r>
+          </a:p>
+          <a:p>
+            <a:pPr marL="171450" indent="-171450">
+              <a:buFont typeface="Wingdings" panose="05000000000000000000" pitchFamily="2" charset="2"/>
+              <a:buChar char="l"/>
+            </a:pPr>
+            <a:r>
+              <a:rPr lang="en-US" altLang="ko-KR" sz="1400" dirty="0"/>
+              <a:t>RBC</a:t>
+            </a:r>
+            <a:r>
+              <a:rPr lang="ko-KR" altLang="en-US" sz="1400" dirty="0"/>
+              <a:t>는 열차 및 선로에서 수집한 동적</a:t>
+            </a:r>
+            <a:r>
+              <a:rPr lang="en-US" altLang="ko-KR" sz="1400" dirty="0"/>
+              <a:t> </a:t>
+            </a:r>
+            <a:r>
+              <a:rPr lang="ko-KR" altLang="en-US" sz="1400" dirty="0"/>
+              <a:t>및 정적</a:t>
+            </a:r>
+            <a:r>
+              <a:rPr lang="en-US" altLang="ko-KR" sz="1400" dirty="0"/>
+              <a:t> </a:t>
+            </a:r>
+            <a:r>
+              <a:rPr lang="ko-KR" altLang="en-US" sz="1400" dirty="0"/>
+              <a:t>데이터를 기반으로 이동 권한을 생성합니다</a:t>
+            </a:r>
+            <a:r>
+              <a:rPr lang="en-US" altLang="ko-KR" sz="1400" dirty="0"/>
+              <a:t>.</a:t>
+            </a:r>
+          </a:p>
+          <a:p>
+            <a:pPr lvl="1"/>
+            <a:r>
+              <a:rPr lang="ko-KR" altLang="en-US" sz="1400" dirty="0"/>
+              <a:t>🔹 정적 데이터</a:t>
+            </a:r>
+            <a:r>
+              <a:rPr lang="en-US" altLang="ko-KR" sz="1400" dirty="0"/>
+              <a:t>:</a:t>
+            </a:r>
+            <a:r>
+              <a:rPr lang="ko-KR" altLang="en-US" sz="1400" dirty="0"/>
+              <a:t> 운행 계획 과정에서 포함되는 정보</a:t>
+            </a:r>
+            <a:r>
+              <a:rPr lang="en-US" altLang="ko-KR" sz="1400" dirty="0"/>
+              <a:t>(</a:t>
+            </a:r>
+            <a:r>
+              <a:rPr lang="ko-KR" altLang="en-US" sz="1400" dirty="0"/>
+              <a:t>선로의 분기기</a:t>
+            </a:r>
+            <a:r>
+              <a:rPr lang="en-US" altLang="ko-KR" sz="1400" dirty="0"/>
+              <a:t>, </a:t>
+            </a:r>
+            <a:r>
+              <a:rPr lang="ko-KR" altLang="en-US" sz="1400" dirty="0"/>
+              <a:t>위치</a:t>
+            </a:r>
+            <a:r>
+              <a:rPr lang="en-US" altLang="ko-KR" sz="1400" dirty="0"/>
+              <a:t>, </a:t>
+            </a:r>
+            <a:r>
+              <a:rPr lang="ko-KR" altLang="en-US" sz="1400" dirty="0"/>
+              <a:t>유로 발리스</a:t>
+            </a:r>
+            <a:r>
+              <a:rPr lang="en-US" altLang="ko-KR" sz="1400" dirty="0"/>
+              <a:t> </a:t>
+            </a:r>
+            <a:r>
+              <a:rPr lang="ko-KR" altLang="en-US" sz="1400" dirty="0"/>
+              <a:t>위치</a:t>
+            </a:r>
+            <a:r>
+              <a:rPr lang="en-US" altLang="ko-KR" sz="1400" dirty="0"/>
+              <a:t>, </a:t>
+            </a:r>
+            <a:r>
+              <a:rPr lang="ko-KR" altLang="en-US" sz="1400" dirty="0"/>
+              <a:t>속도 제한</a:t>
+            </a:r>
+            <a:r>
+              <a:rPr lang="en-US" altLang="ko-KR" sz="1400" dirty="0"/>
+              <a:t>, </a:t>
+            </a:r>
+            <a:r>
+              <a:rPr lang="ko-KR" altLang="en-US" sz="1400" dirty="0"/>
+              <a:t>경사정보</a:t>
+            </a:r>
+          </a:p>
+          <a:p>
+            <a:pPr lvl="1"/>
+            <a:r>
+              <a:rPr lang="ko-KR" altLang="en-US" sz="1400" dirty="0"/>
+              <a:t>🔹 동적 데이터</a:t>
+            </a:r>
+            <a:r>
+              <a:rPr lang="en-US" altLang="ko-KR" sz="1400" dirty="0"/>
+              <a:t>:</a:t>
+            </a:r>
+            <a:r>
+              <a:rPr lang="ko-KR" altLang="en-US" sz="1400" dirty="0"/>
+              <a:t> 연동 시스템</a:t>
+            </a:r>
+            <a:r>
+              <a:rPr lang="en-US" altLang="ko-KR" sz="1400" dirty="0"/>
+              <a:t> </a:t>
+            </a:r>
+            <a:r>
+              <a:rPr lang="ko-KR" altLang="en-US" sz="1400" dirty="0"/>
+              <a:t>및 열차에서 </a:t>
+            </a:r>
+            <a:r>
+              <a:rPr lang="en-US" altLang="ko-KR" sz="1400" dirty="0"/>
+              <a:t>RBC</a:t>
+            </a:r>
+            <a:r>
+              <a:rPr lang="ko-KR" altLang="en-US" sz="1400" dirty="0"/>
+              <a:t>로 전달되는 정보</a:t>
+            </a:r>
+            <a:endParaRPr lang="en-US" altLang="ko-KR" sz="1400" dirty="0"/>
+          </a:p>
+          <a:p>
+            <a:pPr marL="171450" indent="-171450">
+              <a:buFont typeface="Wingdings" panose="05000000000000000000" pitchFamily="2" charset="2"/>
+              <a:buChar char="v"/>
+            </a:pPr>
+            <a:r>
+              <a:rPr lang="en-US" altLang="ko-KR" sz="1400" dirty="0"/>
+              <a:t> RBC</a:t>
+            </a:r>
+            <a:r>
+              <a:rPr lang="ko-KR" altLang="en-US" sz="1400" dirty="0"/>
+              <a:t>는 선로 및 열차의 상태를 실시간으로 반영하여 열차의 안전한 이동을 보장하는 핵심적인 역할을 합니다</a:t>
+            </a:r>
+            <a:r>
+              <a:rPr lang="en-US" altLang="ko-KR" sz="1400" dirty="0"/>
+              <a:t>.</a:t>
+            </a:r>
+            <a:endParaRPr lang="ko-KR" altLang="en-US" sz="1400" dirty="0"/>
+          </a:p>
+          <a:p>
+            <a:endParaRPr lang="ko-KR" altLang="en-US" sz="1400" dirty="0"/>
+          </a:p>
+        </p:txBody>
+      </p:sp>
+      <p:sp>
+        <p:nvSpPr>
+          <p:cNvPr id="5" name="TextBox 4">
+            <a:extLst>
+              <a:ext uri="{FF2B5EF4-FFF2-40B4-BE49-F238E27FC236}">
+                <a16:creationId xmlns:a16="http://schemas.microsoft.com/office/drawing/2014/main" id="{39BE6DDE-C096-984F-49A6-8A5E9F98B47B}"/>
+              </a:ext>
+            </a:extLst>
+          </p:cNvPr>
+          <p:cNvSpPr txBox="1"/>
+          <p:nvPr/>
+        </p:nvSpPr>
+        <p:spPr>
+          <a:xfrm>
+            <a:off x="491613" y="137652"/>
+            <a:ext cx="4050890" cy="369332"/>
+          </a:xfrm>
+          <a:prstGeom prst="rect">
+            <a:avLst/>
+          </a:prstGeom>
+          <a:noFill/>
+        </p:spPr>
+        <p:txBody>
+          <a:bodyPr wrap="square" rtlCol="0">
+            <a:spAutoFit/>
+          </a:bodyPr>
+          <a:lstStyle/>
+          <a:p>
+            <a:pPr>
+              <a:buNone/>
+            </a:pPr>
+            <a:r>
+              <a:rPr lang="ko-KR" altLang="en-US" dirty="0"/>
+              <a:t>인접 시스템 </a:t>
+            </a:r>
+            <a:r>
+              <a:rPr lang="en-US" altLang="ko-KR" dirty="0"/>
+              <a:t>(Adjacent Systems)</a:t>
+            </a:r>
+          </a:p>
+        </p:txBody>
+      </p:sp>
+      <p:sp>
+        <p:nvSpPr>
+          <p:cNvPr id="6" name="TextBox 5">
+            <a:extLst>
+              <a:ext uri="{FF2B5EF4-FFF2-40B4-BE49-F238E27FC236}">
+                <a16:creationId xmlns:a16="http://schemas.microsoft.com/office/drawing/2014/main" id="{77383325-2584-9927-DB32-4823B71ED358}"/>
+              </a:ext>
+            </a:extLst>
+          </p:cNvPr>
+          <p:cNvSpPr txBox="1"/>
+          <p:nvPr/>
+        </p:nvSpPr>
+        <p:spPr>
+          <a:xfrm>
+            <a:off x="6882580" y="137652"/>
+            <a:ext cx="4895290" cy="369332"/>
+          </a:xfrm>
+          <a:prstGeom prst="rect">
+            <a:avLst/>
+          </a:prstGeom>
+          <a:noFill/>
+        </p:spPr>
+        <p:txBody>
+          <a:bodyPr wrap="square">
+            <a:spAutoFit/>
+          </a:bodyPr>
+          <a:lstStyle/>
+          <a:p>
+            <a:pPr>
+              <a:buNone/>
+            </a:pPr>
+            <a:r>
+              <a:rPr lang="ko-KR" altLang="en-US" dirty="0"/>
+              <a:t>라디오 블록 센터 </a:t>
+            </a:r>
+            <a:r>
+              <a:rPr lang="en-US" altLang="ko-KR" dirty="0"/>
+              <a:t>(Radio Block Centre, RBC)</a:t>
+            </a:r>
+          </a:p>
+        </p:txBody>
+      </p:sp>
+      <p:pic>
+        <p:nvPicPr>
+          <p:cNvPr id="7" name="그림 6">
+            <a:extLst>
+              <a:ext uri="{FF2B5EF4-FFF2-40B4-BE49-F238E27FC236}">
+                <a16:creationId xmlns:a16="http://schemas.microsoft.com/office/drawing/2014/main" id="{988857F1-55F8-84CB-04F1-E6BBA38B2B21}"/>
+              </a:ext>
+            </a:extLst>
+          </p:cNvPr>
+          <p:cNvPicPr>
+            <a:picLocks noChangeAspect="1"/>
+          </p:cNvPicPr>
+          <p:nvPr/>
+        </p:nvPicPr>
+        <p:blipFill>
+          <a:blip r:embed="rId2"/>
+          <a:stretch>
+            <a:fillRect/>
+          </a:stretch>
+        </p:blipFill>
+        <p:spPr>
+          <a:xfrm>
+            <a:off x="2344744" y="2735089"/>
+            <a:ext cx="6985481" cy="3985259"/>
+          </a:xfrm>
+          <a:prstGeom prst="rect">
+            <a:avLst/>
+          </a:prstGeom>
+        </p:spPr>
+      </p:pic>
+    </p:spTree>
+    <p:extLst>
+      <p:ext uri="{BB962C8B-B14F-4D97-AF65-F5344CB8AC3E}">
+        <p14:creationId xmlns:p14="http://schemas.microsoft.com/office/powerpoint/2010/main" val="1712308083"/>
       </p:ext>
     </p:extLst>
   </p:cSld>
